--- a/PRESENTAZIONE FINALE2.pptx
+++ b/PRESENTAZIONE FINALE2.pptx
@@ -5,19 +5,21 @@
     <p:sldMasterId id="2147483696" r:id="rId1"/>
   </p:sldMasterIdLst>
   <p:notesMasterIdLst>
-    <p:notesMasterId r:id="rId12"/>
+    <p:notesMasterId r:id="rId14"/>
   </p:notesMasterIdLst>
   <p:sldIdLst>
     <p:sldId id="256" r:id="rId2"/>
-    <p:sldId id="263" r:id="rId3"/>
-    <p:sldId id="257" r:id="rId4"/>
-    <p:sldId id="262" r:id="rId5"/>
-    <p:sldId id="258" r:id="rId6"/>
-    <p:sldId id="259" r:id="rId7"/>
-    <p:sldId id="260" r:id="rId8"/>
-    <p:sldId id="264" r:id="rId9"/>
-    <p:sldId id="261" r:id="rId10"/>
-    <p:sldId id="265" r:id="rId11"/>
+    <p:sldId id="266" r:id="rId3"/>
+    <p:sldId id="263" r:id="rId4"/>
+    <p:sldId id="257" r:id="rId5"/>
+    <p:sldId id="262" r:id="rId6"/>
+    <p:sldId id="258" r:id="rId7"/>
+    <p:sldId id="259" r:id="rId8"/>
+    <p:sldId id="260" r:id="rId9"/>
+    <p:sldId id="264" r:id="rId10"/>
+    <p:sldId id="261" r:id="rId11"/>
+    <p:sldId id="265" r:id="rId12"/>
+    <p:sldId id="267" r:id="rId13"/>
   </p:sldIdLst>
   <p:sldSz cx="12192000" cy="6858000"/>
   <p:notesSz cx="6858000" cy="9144000"/>
@@ -122,6 +124,134 @@
     </p:ext>
   </p:extLst>
 </p:presentation>
+</file>
+
+<file path=ppt/revisionInfo.xml><?xml version="1.0" encoding="utf-8"?>
+<p1510:revInfo xmlns:a="http://schemas.openxmlformats.org/drawingml/2006/main" xmlns:r="http://schemas.openxmlformats.org/officeDocument/2006/relationships" xmlns:p1510="http://schemas.microsoft.com/office/powerpoint/2015/10/main">
+  <p1510:revLst>
+    <p1510:client id="{2F46556F-14E4-48EA-BC08-56CA0671F844}" v="28" dt="2020-01-08T16:37:36.640"/>
+  </p1510:revLst>
+</p1510:revInfo>
+</file>
+
+<file path=ppt/changesInfos/changesInfo1.xml><?xml version="1.0" encoding="utf-8"?>
+<pc:chgInfo xmlns:a="http://schemas.openxmlformats.org/drawingml/2006/main" xmlns:r="http://schemas.openxmlformats.org/officeDocument/2006/relationships" xmlns:ac="http://schemas.microsoft.com/office/drawing/2013/main/command" xmlns:pc="http://schemas.microsoft.com/office/powerpoint/2013/main/command">
+  <pc:docChgLst>
+    <pc:chgData name="Christian Marino" userId="2ca91e61d2823706" providerId="LiveId" clId="{2F46556F-14E4-48EA-BC08-56CA0671F844}"/>
+    <pc:docChg chg="undo custSel addSld modSld">
+      <pc:chgData name="Christian Marino" userId="2ca91e61d2823706" providerId="LiveId" clId="{2F46556F-14E4-48EA-BC08-56CA0671F844}" dt="2020-01-08T16:41:58.223" v="2742" actId="1076"/>
+      <pc:docMkLst>
+        <pc:docMk/>
+      </pc:docMkLst>
+      <pc:sldChg chg="modNotesTx">
+        <pc:chgData name="Christian Marino" userId="2ca91e61d2823706" providerId="LiveId" clId="{2F46556F-14E4-48EA-BC08-56CA0671F844}" dt="2020-01-08T15:12:57.688" v="1134" actId="20577"/>
+        <pc:sldMkLst>
+          <pc:docMk/>
+          <pc:sldMk cId="668658870" sldId="257"/>
+        </pc:sldMkLst>
+      </pc:sldChg>
+      <pc:sldChg chg="modSp">
+        <pc:chgData name="Christian Marino" userId="2ca91e61d2823706" providerId="LiveId" clId="{2F46556F-14E4-48EA-BC08-56CA0671F844}" dt="2020-01-08T15:27:04.068" v="1148" actId="20577"/>
+        <pc:sldMkLst>
+          <pc:docMk/>
+          <pc:sldMk cId="3187496368" sldId="259"/>
+        </pc:sldMkLst>
+        <pc:spChg chg="mod">
+          <ac:chgData name="Christian Marino" userId="2ca91e61d2823706" providerId="LiveId" clId="{2F46556F-14E4-48EA-BC08-56CA0671F844}" dt="2020-01-08T15:27:04.068" v="1148" actId="20577"/>
+          <ac:spMkLst>
+            <pc:docMk/>
+            <pc:sldMk cId="3187496368" sldId="259"/>
+            <ac:spMk id="6" creationId="{CCF7B545-B6F1-4468-8A9C-A44EEA82EC87}"/>
+          </ac:spMkLst>
+        </pc:spChg>
+      </pc:sldChg>
+      <pc:sldChg chg="modSp">
+        <pc:chgData name="Christian Marino" userId="2ca91e61d2823706" providerId="LiveId" clId="{2F46556F-14E4-48EA-BC08-56CA0671F844}" dt="2020-01-08T16:12:14.982" v="1428" actId="20577"/>
+        <pc:sldMkLst>
+          <pc:docMk/>
+          <pc:sldMk cId="1094490036" sldId="260"/>
+        </pc:sldMkLst>
+        <pc:spChg chg="mod">
+          <ac:chgData name="Christian Marino" userId="2ca91e61d2823706" providerId="LiveId" clId="{2F46556F-14E4-48EA-BC08-56CA0671F844}" dt="2020-01-08T16:12:14.982" v="1428" actId="20577"/>
+          <ac:spMkLst>
+            <pc:docMk/>
+            <pc:sldMk cId="1094490036" sldId="260"/>
+            <ac:spMk id="3" creationId="{CED18F53-2ECA-48AC-B773-EEDA78E8D1AA}"/>
+          </ac:spMkLst>
+        </pc:spChg>
+      </pc:sldChg>
+      <pc:sldChg chg="modSp modAnim">
+        <pc:chgData name="Christian Marino" userId="2ca91e61d2823706" providerId="LiveId" clId="{2F46556F-14E4-48EA-BC08-56CA0671F844}" dt="2020-01-08T16:18:33.361" v="1450" actId="1076"/>
+        <pc:sldMkLst>
+          <pc:docMk/>
+          <pc:sldMk cId="295705340" sldId="262"/>
+        </pc:sldMkLst>
+        <pc:spChg chg="mod">
+          <ac:chgData name="Christian Marino" userId="2ca91e61d2823706" providerId="LiveId" clId="{2F46556F-14E4-48EA-BC08-56CA0671F844}" dt="2020-01-08T16:18:33.361" v="1450" actId="1076"/>
+          <ac:spMkLst>
+            <pc:docMk/>
+            <pc:sldMk cId="295705340" sldId="262"/>
+            <ac:spMk id="3" creationId="{8C7D8013-FC6F-4DB3-BB86-7DEC8ED5DE96}"/>
+          </ac:spMkLst>
+        </pc:spChg>
+      </pc:sldChg>
+      <pc:sldChg chg="modSp add">
+        <pc:chgData name="Christian Marino" userId="2ca91e61d2823706" providerId="LiveId" clId="{2F46556F-14E4-48EA-BC08-56CA0671F844}" dt="2020-01-08T15:06:48.953" v="435" actId="20577"/>
+        <pc:sldMkLst>
+          <pc:docMk/>
+          <pc:sldMk cId="532235077" sldId="266"/>
+        </pc:sldMkLst>
+        <pc:spChg chg="mod">
+          <ac:chgData name="Christian Marino" userId="2ca91e61d2823706" providerId="LiveId" clId="{2F46556F-14E4-48EA-BC08-56CA0671F844}" dt="2020-01-08T15:03:05.775" v="13" actId="20577"/>
+          <ac:spMkLst>
+            <pc:docMk/>
+            <pc:sldMk cId="532235077" sldId="266"/>
+            <ac:spMk id="2" creationId="{C855EF36-357A-425D-A3C8-6FAF96B96C17}"/>
+          </ac:spMkLst>
+        </pc:spChg>
+        <pc:spChg chg="mod">
+          <ac:chgData name="Christian Marino" userId="2ca91e61d2823706" providerId="LiveId" clId="{2F46556F-14E4-48EA-BC08-56CA0671F844}" dt="2020-01-08T15:06:48.953" v="435" actId="20577"/>
+          <ac:spMkLst>
+            <pc:docMk/>
+            <pc:sldMk cId="532235077" sldId="266"/>
+            <ac:spMk id="3" creationId="{F6069F4C-B964-4F96-9891-1CD0C76FB3B4}"/>
+          </ac:spMkLst>
+        </pc:spChg>
+      </pc:sldChg>
+      <pc:sldChg chg="addSp modSp add">
+        <pc:chgData name="Christian Marino" userId="2ca91e61d2823706" providerId="LiveId" clId="{2F46556F-14E4-48EA-BC08-56CA0671F844}" dt="2020-01-08T16:41:58.223" v="2742" actId="1076"/>
+        <pc:sldMkLst>
+          <pc:docMk/>
+          <pc:sldMk cId="3880278378" sldId="267"/>
+        </pc:sldMkLst>
+        <pc:spChg chg="mod">
+          <ac:chgData name="Christian Marino" userId="2ca91e61d2823706" providerId="LiveId" clId="{2F46556F-14E4-48EA-BC08-56CA0671F844}" dt="2020-01-08T16:20:05.414" v="1494" actId="20577"/>
+          <ac:spMkLst>
+            <pc:docMk/>
+            <pc:sldMk cId="3880278378" sldId="267"/>
+            <ac:spMk id="2" creationId="{9D230F7E-8196-469A-A602-9B07CE45DA16}"/>
+          </ac:spMkLst>
+        </pc:spChg>
+        <pc:spChg chg="mod">
+          <ac:chgData name="Christian Marino" userId="2ca91e61d2823706" providerId="LiveId" clId="{2F46556F-14E4-48EA-BC08-56CA0671F844}" dt="2020-01-08T16:37:22.666" v="2427" actId="1076"/>
+          <ac:spMkLst>
+            <pc:docMk/>
+            <pc:sldMk cId="3880278378" sldId="267"/>
+            <ac:spMk id="3" creationId="{0713533B-9939-4326-A913-8124075C3738}"/>
+          </ac:spMkLst>
+        </pc:spChg>
+        <pc:spChg chg="add mod">
+          <ac:chgData name="Christian Marino" userId="2ca91e61d2823706" providerId="LiveId" clId="{2F46556F-14E4-48EA-BC08-56CA0671F844}" dt="2020-01-08T16:41:58.223" v="2742" actId="1076"/>
+          <ac:spMkLst>
+            <pc:docMk/>
+            <pc:sldMk cId="3880278378" sldId="267"/>
+            <ac:spMk id="4" creationId="{9D4473D0-2298-485D-B560-0290A4870767}"/>
+          </ac:spMkLst>
+        </pc:spChg>
+      </pc:sldChg>
+    </pc:docChg>
+  </pc:docChgLst>
+</pc:chgInfo>
 </file>
 
 <file path=ppt/notesMasters/notesMaster1.xml><?xml version="1.0" encoding="utf-8"?>
@@ -518,134 +648,334 @@
           <a:lstStyle/>
           <a:p>
             <a:r>
-              <a:rPr lang="en-US" sz="1200" b="0" i="0" kern="1200" dirty="0">
-                <a:solidFill>
-                  <a:schemeClr val="tx1"/>
-                </a:solidFill>
-                <a:effectLst/>
-                <a:latin typeface="+mn-lt"/>
-                <a:ea typeface="+mn-ea"/>
-                <a:cs typeface="+mn-cs"/>
-              </a:rPr>
-              <a:t>FUNCTIONAL: This type of testing ignores the internal parts and focuses only on the output to check if it is as per the requirement or not. It is a Black-box type testing geared to the functional requirements of an application. </a:t>
-            </a:r>
-          </a:p>
-          <a:p>
-            <a:endParaRPr lang="en-US" sz="1200" b="0" i="0" u="none" strike="noStrike" kern="1200" dirty="0">
-              <a:solidFill>
-                <a:schemeClr val="tx1"/>
-              </a:solidFill>
-              <a:effectLst/>
-              <a:latin typeface="+mn-lt"/>
-              <a:ea typeface="+mn-ea"/>
-              <a:cs typeface="+mn-cs"/>
-            </a:endParaRPr>
-          </a:p>
-          <a:p>
-            <a:r>
-              <a:rPr lang="en-US" sz="1200" b="0" i="0" u="none" strike="noStrike" kern="1200" dirty="0">
-                <a:solidFill>
-                  <a:schemeClr val="tx1"/>
-                </a:solidFill>
-                <a:effectLst/>
-                <a:latin typeface="+mn-lt"/>
-                <a:ea typeface="+mn-ea"/>
-                <a:cs typeface="+mn-cs"/>
-              </a:rPr>
-              <a:t>EXPLORATORY: </a:t>
-            </a:r>
-            <a:r>
-              <a:rPr lang="en-US" sz="1200" b="0" i="0" kern="1200" dirty="0">
-                <a:solidFill>
-                  <a:schemeClr val="tx1"/>
-                </a:solidFill>
-                <a:effectLst/>
-                <a:latin typeface="+mn-lt"/>
-                <a:ea typeface="+mn-ea"/>
-                <a:cs typeface="+mn-cs"/>
-              </a:rPr>
-              <a:t>Exploratory Testing is informal testing performed by the testing team. The objective of this testing is to explore the application and looking for defects that exist in the application.</a:t>
-            </a:r>
-          </a:p>
-          <a:p>
-            <a:r>
-              <a:rPr lang="en-US" sz="1200" b="0" i="0" kern="1200" dirty="0">
-                <a:solidFill>
-                  <a:schemeClr val="tx1"/>
-                </a:solidFill>
-                <a:effectLst/>
-                <a:latin typeface="+mn-lt"/>
-                <a:ea typeface="+mn-ea"/>
-                <a:cs typeface="+mn-cs"/>
-              </a:rPr>
-              <a:t>Sometimes it may happen that during this testing major defect discovered can even cause a system failure.</a:t>
-            </a:r>
-          </a:p>
-          <a:p>
-            <a:r>
-              <a:rPr lang="en-US" sz="1200" b="0" i="0" kern="1200" dirty="0">
-                <a:solidFill>
-                  <a:schemeClr val="tx1"/>
-                </a:solidFill>
-                <a:effectLst/>
-                <a:latin typeface="+mn-lt"/>
-                <a:ea typeface="+mn-ea"/>
-                <a:cs typeface="+mn-cs"/>
-              </a:rPr>
-              <a:t>During Exploratory Testing, it is advisable to keep a track of what flow you have tested and what activity you did before the start of the specific flow.</a:t>
-            </a:r>
-          </a:p>
-          <a:p>
-            <a:endParaRPr lang="en-US" sz="1200" b="0" i="0" kern="1200" dirty="0">
-              <a:solidFill>
-                <a:schemeClr val="tx1"/>
-              </a:solidFill>
-              <a:effectLst/>
-              <a:latin typeface="+mn-lt"/>
-              <a:ea typeface="+mn-ea"/>
-              <a:cs typeface="+mn-cs"/>
-            </a:endParaRPr>
-          </a:p>
-          <a:p>
-            <a:r>
-              <a:rPr lang="en-US" sz="1200" b="0" i="0" kern="1200" dirty="0">
-                <a:solidFill>
-                  <a:schemeClr val="tx1"/>
-                </a:solidFill>
-                <a:effectLst/>
-                <a:latin typeface="+mn-lt"/>
-                <a:ea typeface="+mn-ea"/>
-                <a:cs typeface="+mn-cs"/>
-              </a:rPr>
-              <a:t>EXAMPLE: The objective of this GUI Testing is to validate the GUI as per the business requirement. The expected GUI of the application is mentioned in the Detailed Design Document and GUI mockup screens.</a:t>
-            </a:r>
-          </a:p>
-          <a:p>
-            <a:r>
-              <a:rPr lang="en-US" sz="1200" b="0" i="0" kern="1200" dirty="0">
-                <a:solidFill>
-                  <a:schemeClr val="tx1"/>
-                </a:solidFill>
-                <a:effectLst/>
-                <a:latin typeface="+mn-lt"/>
-                <a:ea typeface="+mn-ea"/>
-                <a:cs typeface="+mn-cs"/>
-              </a:rPr>
-              <a:t>The GUI Testing includes the size of the buttons and input field present on the screen, alignment of all text, tables, and content in the tables.</a:t>
-            </a:r>
-          </a:p>
-          <a:p>
-            <a:r>
-              <a:rPr lang="en-US" sz="1200" b="0" i="0" kern="1200" dirty="0">
-                <a:solidFill>
-                  <a:schemeClr val="tx1"/>
-                </a:solidFill>
-                <a:effectLst/>
-                <a:latin typeface="+mn-lt"/>
-                <a:ea typeface="+mn-ea"/>
-                <a:cs typeface="+mn-cs"/>
-              </a:rPr>
-              <a:t>It also validates the menu of the application, after selecting different menu and menu items, it validates that the page does not fluctuate and the alignment remains same after hovering the mouse on the menu or sub-menu.</a:t>
+              <a:rPr lang="it-IT" dirty="0"/>
+              <a:t>The game </a:t>
+            </a:r>
+            <a:r>
+              <a:rPr lang="it-IT" dirty="0" err="1"/>
+              <a:t>involves</a:t>
+            </a:r>
+            <a:r>
+              <a:rPr lang="it-IT" dirty="0"/>
+              <a:t> a </a:t>
+            </a:r>
+            <a:r>
+              <a:rPr lang="it-IT" dirty="0" err="1"/>
+              <a:t>lot</a:t>
+            </a:r>
+            <a:r>
+              <a:rPr lang="it-IT" dirty="0"/>
+              <a:t> of </a:t>
+            </a:r>
+            <a:r>
+              <a:rPr lang="it-IT" dirty="0" err="1"/>
+              <a:t>components</a:t>
+            </a:r>
+            <a:r>
+              <a:rPr lang="it-IT" dirty="0"/>
+              <a:t>, so to </a:t>
+            </a:r>
+            <a:r>
+              <a:rPr lang="it-IT" dirty="0" err="1"/>
+              <a:t>maintain</a:t>
+            </a:r>
+            <a:r>
+              <a:rPr lang="it-IT" dirty="0"/>
+              <a:t> </a:t>
+            </a:r>
+            <a:r>
+              <a:rPr lang="it-IT" dirty="0" err="1"/>
+              <a:t>flexibility</a:t>
+            </a:r>
+            <a:r>
+              <a:rPr lang="it-IT" dirty="0"/>
+              <a:t> and reduce </a:t>
+            </a:r>
+            <a:r>
+              <a:rPr lang="it-IT" dirty="0" err="1"/>
+              <a:t>coupling</a:t>
+            </a:r>
+            <a:r>
+              <a:rPr lang="it-IT" dirty="0"/>
+              <a:t> </a:t>
+            </a:r>
+            <a:r>
+              <a:rPr lang="it-IT" dirty="0" err="1"/>
+              <a:t>between</a:t>
+            </a:r>
+            <a:r>
+              <a:rPr lang="it-IT" dirty="0"/>
+              <a:t> classes </a:t>
+            </a:r>
+            <a:r>
+              <a:rPr lang="it-IT" dirty="0" err="1"/>
+              <a:t>we</a:t>
+            </a:r>
+            <a:r>
+              <a:rPr lang="it-IT" dirty="0"/>
+              <a:t> </a:t>
+            </a:r>
+            <a:r>
+              <a:rPr lang="it-IT" dirty="0" err="1"/>
+              <a:t>thought</a:t>
+            </a:r>
+            <a:r>
+              <a:rPr lang="it-IT" dirty="0"/>
+              <a:t> </a:t>
+            </a:r>
+            <a:r>
+              <a:rPr lang="it-IT" dirty="0" err="1"/>
+              <a:t>that</a:t>
+            </a:r>
+            <a:r>
+              <a:rPr lang="it-IT" dirty="0"/>
+              <a:t> </a:t>
+            </a:r>
+            <a:r>
+              <a:rPr lang="it-IT" dirty="0" err="1"/>
+              <a:t>each</a:t>
+            </a:r>
+            <a:r>
+              <a:rPr lang="it-IT" dirty="0"/>
+              <a:t> </a:t>
+            </a:r>
+            <a:r>
+              <a:rPr lang="it-IT" dirty="0" err="1"/>
+              <a:t>dedicated</a:t>
+            </a:r>
+            <a:r>
+              <a:rPr lang="it-IT" dirty="0"/>
+              <a:t> </a:t>
+            </a:r>
+            <a:r>
+              <a:rPr lang="it-IT" dirty="0" err="1"/>
+              <a:t>module</a:t>
+            </a:r>
+            <a:r>
+              <a:rPr lang="it-IT" dirty="0"/>
+              <a:t> </a:t>
+            </a:r>
+            <a:r>
+              <a:rPr lang="it-IT" dirty="0" err="1"/>
+              <a:t>managed</a:t>
+            </a:r>
+            <a:r>
+              <a:rPr lang="it-IT" dirty="0"/>
+              <a:t> by </a:t>
+            </a:r>
+            <a:r>
+              <a:rPr lang="it-IT" dirty="0" err="1"/>
+              <a:t>its</a:t>
+            </a:r>
+            <a:r>
+              <a:rPr lang="it-IT" dirty="0"/>
+              <a:t> </a:t>
+            </a:r>
+            <a:r>
+              <a:rPr lang="it-IT" dirty="0" err="1"/>
+              <a:t>own</a:t>
+            </a:r>
+            <a:r>
+              <a:rPr lang="it-IT" dirty="0"/>
+              <a:t> manager and </a:t>
+            </a:r>
+            <a:r>
+              <a:rPr lang="it-IT" dirty="0" err="1"/>
+              <a:t>only</a:t>
+            </a:r>
+            <a:r>
+              <a:rPr lang="it-IT" dirty="0"/>
+              <a:t> the managers </a:t>
+            </a:r>
+            <a:r>
+              <a:rPr lang="it-IT" dirty="0" err="1"/>
+              <a:t>could</a:t>
+            </a:r>
+            <a:r>
+              <a:rPr lang="it-IT" dirty="0"/>
+              <a:t> talk with </a:t>
+            </a:r>
+            <a:r>
+              <a:rPr lang="it-IT" dirty="0" err="1"/>
+              <a:t>each</a:t>
+            </a:r>
+            <a:r>
+              <a:rPr lang="it-IT" dirty="0"/>
+              <a:t> </a:t>
+            </a:r>
+            <a:r>
+              <a:rPr lang="it-IT" dirty="0" err="1"/>
+              <a:t>other</a:t>
+            </a:r>
+            <a:r>
+              <a:rPr lang="it-IT" dirty="0"/>
+              <a:t>.</a:t>
+            </a:r>
+          </a:p>
+          <a:p>
+            <a:r>
+              <a:rPr lang="it-IT" dirty="0" err="1"/>
+              <a:t>Each</a:t>
+            </a:r>
+            <a:r>
+              <a:rPr lang="it-IT" dirty="0"/>
+              <a:t> component </a:t>
+            </a:r>
+            <a:r>
+              <a:rPr lang="it-IT" dirty="0" err="1"/>
+              <a:t>implements</a:t>
+            </a:r>
+            <a:r>
+              <a:rPr lang="it-IT" dirty="0"/>
+              <a:t> </a:t>
+            </a:r>
+            <a:r>
+              <a:rPr lang="it-IT" dirty="0" err="1"/>
+              <a:t>its</a:t>
+            </a:r>
+            <a:r>
+              <a:rPr lang="it-IT" dirty="0"/>
+              <a:t> </a:t>
+            </a:r>
+            <a:r>
+              <a:rPr lang="it-IT" dirty="0" err="1"/>
+              <a:t>own</a:t>
+            </a:r>
+            <a:r>
+              <a:rPr lang="it-IT" dirty="0"/>
+              <a:t> features </a:t>
+            </a:r>
+            <a:r>
+              <a:rPr lang="it-IT" dirty="0" err="1"/>
+              <a:t>using</a:t>
+            </a:r>
+            <a:r>
+              <a:rPr lang="it-IT" dirty="0"/>
+              <a:t> the appropriate pattern, so </a:t>
+            </a:r>
+            <a:r>
+              <a:rPr lang="it-IT" dirty="0" err="1"/>
+              <a:t>as</a:t>
+            </a:r>
+            <a:r>
+              <a:rPr lang="it-IT" dirty="0"/>
+              <a:t> </a:t>
+            </a:r>
+            <a:r>
+              <a:rPr lang="it-IT" dirty="0" err="1"/>
+              <a:t>you</a:t>
+            </a:r>
+            <a:r>
+              <a:rPr lang="it-IT" dirty="0"/>
+              <a:t> can </a:t>
+            </a:r>
+            <a:r>
+              <a:rPr lang="it-IT" dirty="0" err="1"/>
+              <a:t>see</a:t>
+            </a:r>
+            <a:r>
+              <a:rPr lang="it-IT" dirty="0"/>
+              <a:t> </a:t>
+            </a:r>
+            <a:r>
+              <a:rPr lang="it-IT" dirty="0" err="1"/>
+              <a:t>there’s</a:t>
+            </a:r>
+            <a:r>
+              <a:rPr lang="it-IT" dirty="0"/>
+              <a:t> a good use of </a:t>
+            </a:r>
+            <a:r>
+              <a:rPr lang="it-IT" dirty="0" err="1"/>
+              <a:t>theme</a:t>
+            </a:r>
+            <a:r>
+              <a:rPr lang="it-IT" dirty="0"/>
+              <a:t> </a:t>
+            </a:r>
+            <a:r>
+              <a:rPr lang="it-IT" dirty="0" err="1"/>
+              <a:t>because</a:t>
+            </a:r>
+            <a:r>
+              <a:rPr lang="it-IT" dirty="0"/>
+              <a:t> </a:t>
+            </a:r>
+            <a:r>
+              <a:rPr lang="it-IT" dirty="0" err="1"/>
+              <a:t>there’s</a:t>
+            </a:r>
+            <a:r>
+              <a:rPr lang="it-IT" dirty="0"/>
+              <a:t> a </a:t>
+            </a:r>
+            <a:r>
+              <a:rPr lang="it-IT" dirty="0" err="1"/>
+              <a:t>heterogeneity</a:t>
+            </a:r>
+            <a:r>
+              <a:rPr lang="it-IT" dirty="0"/>
+              <a:t> of </a:t>
+            </a:r>
+            <a:r>
+              <a:rPr lang="it-IT" dirty="0" err="1"/>
+              <a:t>functionalities</a:t>
+            </a:r>
+            <a:r>
+              <a:rPr lang="it-IT" dirty="0"/>
+              <a:t>.</a:t>
+            </a:r>
+          </a:p>
+          <a:p>
+            <a:r>
+              <a:rPr lang="it-IT" dirty="0"/>
+              <a:t>Singleton for </a:t>
+            </a:r>
+            <a:r>
+              <a:rPr lang="it-IT" dirty="0" err="1"/>
+              <a:t>each</a:t>
+            </a:r>
+            <a:r>
+              <a:rPr lang="it-IT" dirty="0"/>
+              <a:t> manager</a:t>
+            </a:r>
+            <a:br>
+              <a:rPr lang="it-IT" dirty="0"/>
+            </a:br>
+            <a:r>
+              <a:rPr lang="it-IT" dirty="0" err="1"/>
+              <a:t>Facade</a:t>
+            </a:r>
+            <a:r>
+              <a:rPr lang="it-IT" dirty="0"/>
+              <a:t> to reduce </a:t>
+            </a:r>
+            <a:r>
+              <a:rPr lang="it-IT" dirty="0" err="1"/>
+              <a:t>complexity</a:t>
+            </a:r>
+            <a:endParaRPr lang="it-IT" dirty="0"/>
+          </a:p>
+          <a:p>
+            <a:r>
+              <a:rPr lang="it-IT" dirty="0"/>
+              <a:t>Mediator </a:t>
+            </a:r>
+            <a:r>
+              <a:rPr lang="it-IT" dirty="0" err="1"/>
+              <a:t>as</a:t>
+            </a:r>
+            <a:r>
+              <a:rPr lang="it-IT" dirty="0"/>
+              <a:t> </a:t>
+            </a:r>
+            <a:r>
+              <a:rPr lang="it-IT" dirty="0" err="1"/>
+              <a:t>additional</a:t>
+            </a:r>
+            <a:r>
+              <a:rPr lang="it-IT" dirty="0"/>
+              <a:t> pattern</a:t>
             </a:r>
           </a:p>
         </p:txBody>
@@ -667,7 +997,220 @@
           <a:p>
             <a:fld id="{BBB9F871-6078-4433-ABE9-B5CC97D219AE}" type="slidenum">
               <a:rPr lang="it-IT" smtClean="0"/>
-              <a:t>6</a:t>
+              <a:t>4</a:t>
+            </a:fld>
+            <a:endParaRPr lang="it-IT"/>
+          </a:p>
+        </p:txBody>
+      </p:sp>
+    </p:spTree>
+    <p:extLst>
+      <p:ext uri="{BB962C8B-B14F-4D97-AF65-F5344CB8AC3E}">
+        <p14:creationId xmlns:p14="http://schemas.microsoft.com/office/powerpoint/2010/main" val="1062812310"/>
+      </p:ext>
+    </p:extLst>
+  </p:cSld>
+  <p:clrMapOvr>
+    <a:masterClrMapping/>
+  </p:clrMapOvr>
+</p:notes>
+</file>
+
+<file path=ppt/notesSlides/notesSlide2.xml><?xml version="1.0" encoding="utf-8"?>
+<p:notes xmlns:a="http://schemas.openxmlformats.org/drawingml/2006/main" xmlns:r="http://schemas.openxmlformats.org/officeDocument/2006/relationships" xmlns:p="http://schemas.openxmlformats.org/presentationml/2006/main">
+  <p:cSld>
+    <p:spTree>
+      <p:nvGrpSpPr>
+        <p:cNvPr id="1" name=""/>
+        <p:cNvGrpSpPr/>
+        <p:nvPr/>
+      </p:nvGrpSpPr>
+      <p:grpSpPr>
+        <a:xfrm>
+          <a:off x="0" y="0"/>
+          <a:ext cx="0" cy="0"/>
+          <a:chOff x="0" y="0"/>
+          <a:chExt cx="0" cy="0"/>
+        </a:xfrm>
+      </p:grpSpPr>
+      <p:sp>
+        <p:nvSpPr>
+          <p:cNvPr id="2" name="Segnaposto immagine diapositiva 1"/>
+          <p:cNvSpPr>
+            <a:spLocks noGrp="1" noRot="1" noChangeAspect="1"/>
+          </p:cNvSpPr>
+          <p:nvPr>
+            <p:ph type="sldImg"/>
+          </p:nvPr>
+        </p:nvSpPr>
+        <p:spPr/>
+      </p:sp>
+      <p:sp>
+        <p:nvSpPr>
+          <p:cNvPr id="3" name="Segnaposto note 2"/>
+          <p:cNvSpPr>
+            <a:spLocks noGrp="1"/>
+          </p:cNvSpPr>
+          <p:nvPr>
+            <p:ph type="body" idx="1"/>
+          </p:nvPr>
+        </p:nvSpPr>
+        <p:spPr/>
+        <p:txBody>
+          <a:bodyPr/>
+          <a:lstStyle/>
+          <a:p>
+            <a:r>
+              <a:rPr lang="en-US" sz="1200" b="0" i="0" kern="1200" dirty="0">
+                <a:solidFill>
+                  <a:schemeClr val="tx1"/>
+                </a:solidFill>
+                <a:effectLst/>
+                <a:latin typeface="+mn-lt"/>
+                <a:ea typeface="+mn-ea"/>
+                <a:cs typeface="+mn-cs"/>
+              </a:rPr>
+              <a:t>FUNCTIONAL: This type of testing ignores the internal parts and focuses only on the output to check if it is as per the requirement or not. It is a Black-box type testing geared to the functional requirements of an application. </a:t>
+            </a:r>
+          </a:p>
+          <a:p>
+            <a:endParaRPr lang="en-US" sz="1200" b="0" i="0" u="none" strike="noStrike" kern="1200" dirty="0">
+              <a:solidFill>
+                <a:schemeClr val="tx1"/>
+              </a:solidFill>
+              <a:effectLst/>
+              <a:latin typeface="+mn-lt"/>
+              <a:ea typeface="+mn-ea"/>
+              <a:cs typeface="+mn-cs"/>
+            </a:endParaRPr>
+          </a:p>
+          <a:p>
+            <a:r>
+              <a:rPr lang="en-US" sz="1200" b="0" i="0" u="none" strike="noStrike" kern="1200" dirty="0">
+                <a:solidFill>
+                  <a:schemeClr val="tx1"/>
+                </a:solidFill>
+                <a:effectLst/>
+                <a:latin typeface="+mn-lt"/>
+                <a:ea typeface="+mn-ea"/>
+                <a:cs typeface="+mn-cs"/>
+              </a:rPr>
+              <a:t>EXPLORATORY: </a:t>
+            </a:r>
+            <a:r>
+              <a:rPr lang="en-US" sz="1200" b="0" i="0" kern="1200" dirty="0">
+                <a:solidFill>
+                  <a:schemeClr val="tx1"/>
+                </a:solidFill>
+                <a:effectLst/>
+                <a:latin typeface="+mn-lt"/>
+                <a:ea typeface="+mn-ea"/>
+                <a:cs typeface="+mn-cs"/>
+              </a:rPr>
+              <a:t>Exploratory Testing is informal testing performed by the testing team. The objective of this testing is to explore the application and looking for defects that exist in the application.</a:t>
+            </a:r>
+          </a:p>
+          <a:p>
+            <a:r>
+              <a:rPr lang="en-US" sz="1200" b="0" i="0" kern="1200" dirty="0">
+                <a:solidFill>
+                  <a:schemeClr val="tx1"/>
+                </a:solidFill>
+                <a:effectLst/>
+                <a:latin typeface="+mn-lt"/>
+                <a:ea typeface="+mn-ea"/>
+                <a:cs typeface="+mn-cs"/>
+              </a:rPr>
+              <a:t>Sometimes it may happen that during this testing major defect discovered can even cause a system failure.</a:t>
+            </a:r>
+          </a:p>
+          <a:p>
+            <a:r>
+              <a:rPr lang="en-US" sz="1200" b="0" i="0" kern="1200" dirty="0">
+                <a:solidFill>
+                  <a:schemeClr val="tx1"/>
+                </a:solidFill>
+                <a:effectLst/>
+                <a:latin typeface="+mn-lt"/>
+                <a:ea typeface="+mn-ea"/>
+                <a:cs typeface="+mn-cs"/>
+              </a:rPr>
+              <a:t>During Exploratory Testing, it is advisable to keep a track of what flow you have tested and what activity you did before the start of the specific flow.</a:t>
+            </a:r>
+          </a:p>
+          <a:p>
+            <a:endParaRPr lang="en-US" sz="1200" b="0" i="0" kern="1200" dirty="0">
+              <a:solidFill>
+                <a:schemeClr val="tx1"/>
+              </a:solidFill>
+              <a:effectLst/>
+              <a:latin typeface="+mn-lt"/>
+              <a:ea typeface="+mn-ea"/>
+              <a:cs typeface="+mn-cs"/>
+            </a:endParaRPr>
+          </a:p>
+          <a:p>
+            <a:r>
+              <a:rPr lang="en-US" sz="1200" b="0" i="0" kern="1200" dirty="0">
+                <a:solidFill>
+                  <a:schemeClr val="tx1"/>
+                </a:solidFill>
+                <a:effectLst/>
+                <a:latin typeface="+mn-lt"/>
+                <a:ea typeface="+mn-ea"/>
+                <a:cs typeface="+mn-cs"/>
+              </a:rPr>
+              <a:t>EXAMPLE: The objective of this GUI Testing is to validate the GUI as per the business requirement. The expected GUI of the application is mentioned in the Detailed Design Document and GUI mockup screens.</a:t>
+            </a:r>
+          </a:p>
+          <a:p>
+            <a:r>
+              <a:rPr lang="en-US" sz="1200" b="0" i="0" kern="1200" dirty="0">
+                <a:solidFill>
+                  <a:schemeClr val="tx1"/>
+                </a:solidFill>
+                <a:effectLst/>
+                <a:latin typeface="+mn-lt"/>
+                <a:ea typeface="+mn-ea"/>
+                <a:cs typeface="+mn-cs"/>
+              </a:rPr>
+              <a:t>The GUI Testing includes the size of the buttons and input field present on the screen, alignment of all text, tables, and content in the tables.</a:t>
+            </a:r>
+          </a:p>
+          <a:p>
+            <a:r>
+              <a:rPr lang="en-US" sz="1200" b="0" i="0" kern="1200" dirty="0">
+                <a:solidFill>
+                  <a:schemeClr val="tx1"/>
+                </a:solidFill>
+                <a:effectLst/>
+                <a:latin typeface="+mn-lt"/>
+                <a:ea typeface="+mn-ea"/>
+                <a:cs typeface="+mn-cs"/>
+              </a:rPr>
+              <a:t>It also validates the menu of the application, after selecting different menu and menu items, it validates that the page does not fluctuate and the alignment remains same after hovering the mouse on the menu or sub-menu.</a:t>
+            </a:r>
+          </a:p>
+        </p:txBody>
+      </p:sp>
+      <p:sp>
+        <p:nvSpPr>
+          <p:cNvPr id="4" name="Segnaposto numero diapositiva 3"/>
+          <p:cNvSpPr>
+            <a:spLocks noGrp="1"/>
+          </p:cNvSpPr>
+          <p:nvPr>
+            <p:ph type="sldNum" sz="quarter" idx="5"/>
+          </p:nvPr>
+        </p:nvSpPr>
+        <p:spPr/>
+        <p:txBody>
+          <a:bodyPr/>
+          <a:lstStyle/>
+          <a:p>
+            <a:fld id="{BBB9F871-6078-4433-ABE9-B5CC97D219AE}" type="slidenum">
+              <a:rPr lang="it-IT" smtClean="0"/>
+              <a:t>7</a:t>
             </a:fld>
             <a:endParaRPr lang="it-IT"/>
           </a:p>
@@ -3948,6 +4491,822 @@
       </p:grpSpPr>
       <p:sp>
         <p:nvSpPr>
+          <p:cNvPr id="36" name="Rectangle 35">
+            <a:extLst>
+              <a:ext uri="{FF2B5EF4-FFF2-40B4-BE49-F238E27FC236}">
+                <a16:creationId xmlns:a16="http://schemas.microsoft.com/office/drawing/2014/main" id="{CF342E47-6E1D-4EED-875B-4AB707CA50E5}"/>
+              </a:ext>
+              <a:ext uri="{C183D7F6-B498-43B3-948B-1728B52AA6E4}">
+                <adec:decorative xmlns:adec="http://schemas.microsoft.com/office/drawing/2017/decorative" val="1"/>
+              </a:ext>
+            </a:extLst>
+          </p:cNvPr>
+          <p:cNvSpPr>
+            <a:spLocks noGrp="1" noRot="1" noChangeAspect="1" noMove="1" noResize="1" noEditPoints="1" noAdjustHandles="1" noChangeArrowheads="1" noChangeShapeType="1" noTextEdit="1"/>
+          </p:cNvSpPr>
+          <p:nvPr>
+            <p:extLst>
+              <p:ext uri="{386F3935-93C4-4BCD-93E2-E3B085C9AB24}">
+                <p16:designElem xmlns:p16="http://schemas.microsoft.com/office/powerpoint/2015/main" val="1"/>
+              </p:ext>
+            </p:extLst>
+          </p:nvPr>
+        </p:nvSpPr>
+        <p:spPr>
+          <a:xfrm>
+            <a:off x="0" y="-2"/>
+            <a:ext cx="12192000" cy="4918511"/>
+          </a:xfrm>
+          <a:prstGeom prst="rect">
+            <a:avLst/>
+          </a:prstGeom>
+          <a:solidFill>
+            <a:srgbClr val="FFFFFF"/>
+          </a:solidFill>
+          <a:ln>
+            <a:noFill/>
+          </a:ln>
+        </p:spPr>
+        <p:style>
+          <a:lnRef idx="2">
+            <a:schemeClr val="accent1">
+              <a:shade val="50000"/>
+            </a:schemeClr>
+          </a:lnRef>
+          <a:fillRef idx="1">
+            <a:schemeClr val="accent1"/>
+          </a:fillRef>
+          <a:effectRef idx="0">
+            <a:schemeClr val="accent1"/>
+          </a:effectRef>
+          <a:fontRef idx="minor">
+            <a:schemeClr val="lt1"/>
+          </a:fontRef>
+        </p:style>
+        <p:txBody>
+          <a:bodyPr rtlCol="0" anchor="ctr"/>
+          <a:lstStyle/>
+          <a:p>
+            <a:pPr algn="ctr"/>
+            <a:endParaRPr lang="en-US"/>
+          </a:p>
+        </p:txBody>
+      </p:sp>
+      <p:sp>
+        <p:nvSpPr>
+          <p:cNvPr id="2" name="Titolo 1">
+            <a:extLst>
+              <a:ext uri="{FF2B5EF4-FFF2-40B4-BE49-F238E27FC236}">
+                <a16:creationId xmlns:a16="http://schemas.microsoft.com/office/drawing/2014/main" id="{8389B6C8-7190-410D-9C80-1D385930F890}"/>
+              </a:ext>
+            </a:extLst>
+          </p:cNvPr>
+          <p:cNvSpPr>
+            <a:spLocks noGrp="1"/>
+          </p:cNvSpPr>
+          <p:nvPr>
+            <p:ph type="title"/>
+          </p:nvPr>
+        </p:nvSpPr>
+        <p:spPr>
+          <a:xfrm>
+            <a:off x="1600200" y="5253849"/>
+            <a:ext cx="8991600" cy="1264762"/>
+          </a:xfrm>
+        </p:spPr>
+        <p:txBody>
+          <a:bodyPr vert="horz" lIns="274320" tIns="182880" rIns="274320" bIns="182880" rtlCol="0" anchor="ctr" anchorCtr="1">
+            <a:normAutofit/>
+          </a:bodyPr>
+          <a:lstStyle/>
+          <a:p>
+            <a:r>
+              <a:rPr lang="en-US" sz="3200">
+                <a:solidFill>
+                  <a:srgbClr val="262626"/>
+                </a:solidFill>
+              </a:rPr>
+              <a:t>OVERIVIEW OF ALL SPRINT EXECUTED</a:t>
+            </a:r>
+          </a:p>
+        </p:txBody>
+      </p:sp>
+      <p:pic>
+        <p:nvPicPr>
+          <p:cNvPr id="31" name="Immagine 30">
+            <a:extLst>
+              <a:ext uri="{FF2B5EF4-FFF2-40B4-BE49-F238E27FC236}">
+                <a16:creationId xmlns:a16="http://schemas.microsoft.com/office/drawing/2014/main" id="{5D4F1038-0E26-45C7-BA81-AE1D5014651D}"/>
+              </a:ext>
+            </a:extLst>
+          </p:cNvPr>
+          <p:cNvPicPr>
+            <a:picLocks noChangeAspect="1"/>
+          </p:cNvPicPr>
+          <p:nvPr/>
+        </p:nvPicPr>
+        <p:blipFill>
+          <a:blip r:embed="rId2"/>
+          <a:srcRect/>
+          <a:stretch/>
+        </p:blipFill>
+        <p:spPr>
+          <a:xfrm>
+            <a:off x="574098" y="0"/>
+            <a:ext cx="3564205" cy="2673154"/>
+          </a:xfrm>
+          <a:prstGeom prst="rect">
+            <a:avLst/>
+          </a:prstGeom>
+        </p:spPr>
+      </p:pic>
+      <p:pic>
+        <p:nvPicPr>
+          <p:cNvPr id="29" name="Immagine 28" descr="Immagine che contiene testo, mappa&#10;&#10;Descrizione generata automaticamente">
+            <a:extLst>
+              <a:ext uri="{FF2B5EF4-FFF2-40B4-BE49-F238E27FC236}">
+                <a16:creationId xmlns:a16="http://schemas.microsoft.com/office/drawing/2014/main" id="{7D7E0541-ACE5-4C71-9EC5-7FDF64F780A0}"/>
+              </a:ext>
+            </a:extLst>
+          </p:cNvPr>
+          <p:cNvPicPr>
+            <a:picLocks noChangeAspect="1"/>
+          </p:cNvPicPr>
+          <p:nvPr/>
+        </p:nvPicPr>
+        <p:blipFill>
+          <a:blip r:embed="rId3"/>
+          <a:stretch>
+            <a:fillRect/>
+          </a:stretch>
+        </p:blipFill>
+        <p:spPr>
+          <a:xfrm>
+            <a:off x="4313895" y="0"/>
+            <a:ext cx="3564210" cy="2673156"/>
+          </a:xfrm>
+          <a:prstGeom prst="rect">
+            <a:avLst/>
+          </a:prstGeom>
+        </p:spPr>
+      </p:pic>
+      <p:pic>
+        <p:nvPicPr>
+          <p:cNvPr id="27" name="Immagine 26" descr="Immagine che contiene testo, mappa&#10;&#10;Descrizione generata automaticamente">
+            <a:extLst>
+              <a:ext uri="{FF2B5EF4-FFF2-40B4-BE49-F238E27FC236}">
+                <a16:creationId xmlns:a16="http://schemas.microsoft.com/office/drawing/2014/main" id="{253444C9-22EF-4B43-8973-C2B873A95FD1}"/>
+              </a:ext>
+            </a:extLst>
+          </p:cNvPr>
+          <p:cNvPicPr>
+            <a:picLocks noChangeAspect="1"/>
+          </p:cNvPicPr>
+          <p:nvPr/>
+        </p:nvPicPr>
+        <p:blipFill>
+          <a:blip r:embed="rId4"/>
+          <a:stretch>
+            <a:fillRect/>
+          </a:stretch>
+        </p:blipFill>
+        <p:spPr>
+          <a:xfrm>
+            <a:off x="8053697" y="6"/>
+            <a:ext cx="3564196" cy="2673148"/>
+          </a:xfrm>
+          <a:prstGeom prst="rect">
+            <a:avLst/>
+          </a:prstGeom>
+        </p:spPr>
+      </p:pic>
+      <p:pic>
+        <p:nvPicPr>
+          <p:cNvPr id="25" name="Segnaposto contenuto 24">
+            <a:extLst>
+              <a:ext uri="{FF2B5EF4-FFF2-40B4-BE49-F238E27FC236}">
+                <a16:creationId xmlns:a16="http://schemas.microsoft.com/office/drawing/2014/main" id="{310D4E75-F3FF-4160-92BE-28FE29A30C8C}"/>
+              </a:ext>
+            </a:extLst>
+          </p:cNvPr>
+          <p:cNvPicPr>
+            <a:picLocks noGrp="1" noChangeAspect="1"/>
+          </p:cNvPicPr>
+          <p:nvPr>
+            <p:ph idx="1"/>
+          </p:nvPr>
+        </p:nvPicPr>
+        <p:blipFill>
+          <a:blip r:embed="rId5"/>
+          <a:srcRect/>
+          <a:stretch/>
+        </p:blipFill>
+        <p:spPr>
+          <a:xfrm>
+            <a:off x="2559387" y="2425959"/>
+            <a:ext cx="3157834" cy="2368376"/>
+          </a:xfrm>
+          <a:prstGeom prst="rect">
+            <a:avLst/>
+          </a:prstGeom>
+        </p:spPr>
+      </p:pic>
+      <p:pic>
+        <p:nvPicPr>
+          <p:cNvPr id="33" name="Immagine 32">
+            <a:extLst>
+              <a:ext uri="{FF2B5EF4-FFF2-40B4-BE49-F238E27FC236}">
+                <a16:creationId xmlns:a16="http://schemas.microsoft.com/office/drawing/2014/main" id="{471D1306-52DD-4737-86D0-C38324851892}"/>
+              </a:ext>
+            </a:extLst>
+          </p:cNvPr>
+          <p:cNvPicPr>
+            <a:picLocks noChangeAspect="1"/>
+          </p:cNvPicPr>
+          <p:nvPr/>
+        </p:nvPicPr>
+        <p:blipFill>
+          <a:blip r:embed="rId6"/>
+          <a:srcRect/>
+          <a:stretch/>
+        </p:blipFill>
+        <p:spPr>
+          <a:xfrm>
+            <a:off x="6275215" y="2389999"/>
+            <a:ext cx="3205780" cy="2404335"/>
+          </a:xfrm>
+          <a:prstGeom prst="rect">
+            <a:avLst/>
+          </a:prstGeom>
+        </p:spPr>
+      </p:pic>
+    </p:spTree>
+    <p:extLst>
+      <p:ext uri="{BB962C8B-B14F-4D97-AF65-F5344CB8AC3E}">
+        <p14:creationId xmlns:p14="http://schemas.microsoft.com/office/powerpoint/2010/main" val="613598674"/>
+      </p:ext>
+    </p:extLst>
+  </p:cSld>
+  <p:clrMapOvr>
+    <a:masterClrMapping/>
+  </p:clrMapOvr>
+  <p:timing>
+    <p:tnLst>
+      <p:par>
+        <p:cTn id="1" dur="indefinite" restart="never" nodeType="tmRoot">
+          <p:childTnLst>
+            <p:seq concurrent="1" nextAc="seek">
+              <p:cTn id="2" dur="indefinite" nodeType="mainSeq">
+                <p:childTnLst>
+                  <p:par>
+                    <p:cTn id="3" fill="hold">
+                      <p:stCondLst>
+                        <p:cond delay="indefinite"/>
+                      </p:stCondLst>
+                      <p:childTnLst>
+                        <p:par>
+                          <p:cTn id="4" fill="hold">
+                            <p:stCondLst>
+                              <p:cond delay="0"/>
+                            </p:stCondLst>
+                            <p:childTnLst>
+                              <p:par>
+                                <p:cTn id="5" presetID="47" presetClass="entr" presetSubtype="0" fill="hold" nodeType="clickEffect">
+                                  <p:stCondLst>
+                                    <p:cond delay="0"/>
+                                  </p:stCondLst>
+                                  <p:childTnLst>
+                                    <p:set>
+                                      <p:cBhvr>
+                                        <p:cTn id="6" dur="1" fill="hold">
+                                          <p:stCondLst>
+                                            <p:cond delay="0"/>
+                                          </p:stCondLst>
+                                        </p:cTn>
+                                        <p:tgtEl>
+                                          <p:spTgt spid="31"/>
+                                        </p:tgtEl>
+                                        <p:attrNameLst>
+                                          <p:attrName>style.visibility</p:attrName>
+                                        </p:attrNameLst>
+                                      </p:cBhvr>
+                                      <p:to>
+                                        <p:strVal val="visible"/>
+                                      </p:to>
+                                    </p:set>
+                                    <p:animEffect transition="in" filter="fade">
+                                      <p:cBhvr>
+                                        <p:cTn id="7" dur="1000"/>
+                                        <p:tgtEl>
+                                          <p:spTgt spid="31"/>
+                                        </p:tgtEl>
+                                      </p:cBhvr>
+                                    </p:animEffect>
+                                    <p:anim calcmode="lin" valueType="num">
+                                      <p:cBhvr>
+                                        <p:cTn id="8" dur="1000" fill="hold"/>
+                                        <p:tgtEl>
+                                          <p:spTgt spid="31"/>
+                                        </p:tgtEl>
+                                        <p:attrNameLst>
+                                          <p:attrName>ppt_x</p:attrName>
+                                        </p:attrNameLst>
+                                      </p:cBhvr>
+                                      <p:tavLst>
+                                        <p:tav tm="0">
+                                          <p:val>
+                                            <p:strVal val="#ppt_x"/>
+                                          </p:val>
+                                        </p:tav>
+                                        <p:tav tm="100000">
+                                          <p:val>
+                                            <p:strVal val="#ppt_x"/>
+                                          </p:val>
+                                        </p:tav>
+                                      </p:tavLst>
+                                    </p:anim>
+                                    <p:anim calcmode="lin" valueType="num">
+                                      <p:cBhvr>
+                                        <p:cTn id="9" dur="1000" fill="hold"/>
+                                        <p:tgtEl>
+                                          <p:spTgt spid="31"/>
+                                        </p:tgtEl>
+                                        <p:attrNameLst>
+                                          <p:attrName>ppt_y</p:attrName>
+                                        </p:attrNameLst>
+                                      </p:cBhvr>
+                                      <p:tavLst>
+                                        <p:tav tm="0">
+                                          <p:val>
+                                            <p:strVal val="#ppt_y-.1"/>
+                                          </p:val>
+                                        </p:tav>
+                                        <p:tav tm="100000">
+                                          <p:val>
+                                            <p:strVal val="#ppt_y"/>
+                                          </p:val>
+                                        </p:tav>
+                                      </p:tavLst>
+                                    </p:anim>
+                                  </p:childTnLst>
+                                </p:cTn>
+                              </p:par>
+                            </p:childTnLst>
+                          </p:cTn>
+                        </p:par>
+                      </p:childTnLst>
+                    </p:cTn>
+                  </p:par>
+                  <p:par>
+                    <p:cTn id="10" fill="hold">
+                      <p:stCondLst>
+                        <p:cond delay="indefinite"/>
+                      </p:stCondLst>
+                      <p:childTnLst>
+                        <p:par>
+                          <p:cTn id="11" fill="hold">
+                            <p:stCondLst>
+                              <p:cond delay="0"/>
+                            </p:stCondLst>
+                            <p:childTnLst>
+                              <p:par>
+                                <p:cTn id="12" presetID="47" presetClass="entr" presetSubtype="0" fill="hold" nodeType="clickEffect">
+                                  <p:stCondLst>
+                                    <p:cond delay="0"/>
+                                  </p:stCondLst>
+                                  <p:childTnLst>
+                                    <p:set>
+                                      <p:cBhvr>
+                                        <p:cTn id="13" dur="1" fill="hold">
+                                          <p:stCondLst>
+                                            <p:cond delay="0"/>
+                                          </p:stCondLst>
+                                        </p:cTn>
+                                        <p:tgtEl>
+                                          <p:spTgt spid="29"/>
+                                        </p:tgtEl>
+                                        <p:attrNameLst>
+                                          <p:attrName>style.visibility</p:attrName>
+                                        </p:attrNameLst>
+                                      </p:cBhvr>
+                                      <p:to>
+                                        <p:strVal val="visible"/>
+                                      </p:to>
+                                    </p:set>
+                                    <p:animEffect transition="in" filter="fade">
+                                      <p:cBhvr>
+                                        <p:cTn id="14" dur="1000"/>
+                                        <p:tgtEl>
+                                          <p:spTgt spid="29"/>
+                                        </p:tgtEl>
+                                      </p:cBhvr>
+                                    </p:animEffect>
+                                    <p:anim calcmode="lin" valueType="num">
+                                      <p:cBhvr>
+                                        <p:cTn id="15" dur="1000" fill="hold"/>
+                                        <p:tgtEl>
+                                          <p:spTgt spid="29"/>
+                                        </p:tgtEl>
+                                        <p:attrNameLst>
+                                          <p:attrName>ppt_x</p:attrName>
+                                        </p:attrNameLst>
+                                      </p:cBhvr>
+                                      <p:tavLst>
+                                        <p:tav tm="0">
+                                          <p:val>
+                                            <p:strVal val="#ppt_x"/>
+                                          </p:val>
+                                        </p:tav>
+                                        <p:tav tm="100000">
+                                          <p:val>
+                                            <p:strVal val="#ppt_x"/>
+                                          </p:val>
+                                        </p:tav>
+                                      </p:tavLst>
+                                    </p:anim>
+                                    <p:anim calcmode="lin" valueType="num">
+                                      <p:cBhvr>
+                                        <p:cTn id="16" dur="1000" fill="hold"/>
+                                        <p:tgtEl>
+                                          <p:spTgt spid="29"/>
+                                        </p:tgtEl>
+                                        <p:attrNameLst>
+                                          <p:attrName>ppt_y</p:attrName>
+                                        </p:attrNameLst>
+                                      </p:cBhvr>
+                                      <p:tavLst>
+                                        <p:tav tm="0">
+                                          <p:val>
+                                            <p:strVal val="#ppt_y-.1"/>
+                                          </p:val>
+                                        </p:tav>
+                                        <p:tav tm="100000">
+                                          <p:val>
+                                            <p:strVal val="#ppt_y"/>
+                                          </p:val>
+                                        </p:tav>
+                                      </p:tavLst>
+                                    </p:anim>
+                                  </p:childTnLst>
+                                </p:cTn>
+                              </p:par>
+                            </p:childTnLst>
+                          </p:cTn>
+                        </p:par>
+                      </p:childTnLst>
+                    </p:cTn>
+                  </p:par>
+                  <p:par>
+                    <p:cTn id="17" fill="hold">
+                      <p:stCondLst>
+                        <p:cond delay="indefinite"/>
+                      </p:stCondLst>
+                      <p:childTnLst>
+                        <p:par>
+                          <p:cTn id="18" fill="hold">
+                            <p:stCondLst>
+                              <p:cond delay="0"/>
+                            </p:stCondLst>
+                            <p:childTnLst>
+                              <p:par>
+                                <p:cTn id="19" presetID="47" presetClass="entr" presetSubtype="0" fill="hold" nodeType="clickEffect">
+                                  <p:stCondLst>
+                                    <p:cond delay="0"/>
+                                  </p:stCondLst>
+                                  <p:childTnLst>
+                                    <p:set>
+                                      <p:cBhvr>
+                                        <p:cTn id="20" dur="1" fill="hold">
+                                          <p:stCondLst>
+                                            <p:cond delay="0"/>
+                                          </p:stCondLst>
+                                        </p:cTn>
+                                        <p:tgtEl>
+                                          <p:spTgt spid="27"/>
+                                        </p:tgtEl>
+                                        <p:attrNameLst>
+                                          <p:attrName>style.visibility</p:attrName>
+                                        </p:attrNameLst>
+                                      </p:cBhvr>
+                                      <p:to>
+                                        <p:strVal val="visible"/>
+                                      </p:to>
+                                    </p:set>
+                                    <p:animEffect transition="in" filter="fade">
+                                      <p:cBhvr>
+                                        <p:cTn id="21" dur="1000"/>
+                                        <p:tgtEl>
+                                          <p:spTgt spid="27"/>
+                                        </p:tgtEl>
+                                      </p:cBhvr>
+                                    </p:animEffect>
+                                    <p:anim calcmode="lin" valueType="num">
+                                      <p:cBhvr>
+                                        <p:cTn id="22" dur="1000" fill="hold"/>
+                                        <p:tgtEl>
+                                          <p:spTgt spid="27"/>
+                                        </p:tgtEl>
+                                        <p:attrNameLst>
+                                          <p:attrName>ppt_x</p:attrName>
+                                        </p:attrNameLst>
+                                      </p:cBhvr>
+                                      <p:tavLst>
+                                        <p:tav tm="0">
+                                          <p:val>
+                                            <p:strVal val="#ppt_x"/>
+                                          </p:val>
+                                        </p:tav>
+                                        <p:tav tm="100000">
+                                          <p:val>
+                                            <p:strVal val="#ppt_x"/>
+                                          </p:val>
+                                        </p:tav>
+                                      </p:tavLst>
+                                    </p:anim>
+                                    <p:anim calcmode="lin" valueType="num">
+                                      <p:cBhvr>
+                                        <p:cTn id="23" dur="1000" fill="hold"/>
+                                        <p:tgtEl>
+                                          <p:spTgt spid="27"/>
+                                        </p:tgtEl>
+                                        <p:attrNameLst>
+                                          <p:attrName>ppt_y</p:attrName>
+                                        </p:attrNameLst>
+                                      </p:cBhvr>
+                                      <p:tavLst>
+                                        <p:tav tm="0">
+                                          <p:val>
+                                            <p:strVal val="#ppt_y-.1"/>
+                                          </p:val>
+                                        </p:tav>
+                                        <p:tav tm="100000">
+                                          <p:val>
+                                            <p:strVal val="#ppt_y"/>
+                                          </p:val>
+                                        </p:tav>
+                                      </p:tavLst>
+                                    </p:anim>
+                                  </p:childTnLst>
+                                </p:cTn>
+                              </p:par>
+                            </p:childTnLst>
+                          </p:cTn>
+                        </p:par>
+                      </p:childTnLst>
+                    </p:cTn>
+                  </p:par>
+                  <p:par>
+                    <p:cTn id="24" fill="hold">
+                      <p:stCondLst>
+                        <p:cond delay="indefinite"/>
+                      </p:stCondLst>
+                      <p:childTnLst>
+                        <p:par>
+                          <p:cTn id="25" fill="hold">
+                            <p:stCondLst>
+                              <p:cond delay="0"/>
+                            </p:stCondLst>
+                            <p:childTnLst>
+                              <p:par>
+                                <p:cTn id="26" presetID="42" presetClass="entr" presetSubtype="0" fill="hold" nodeType="clickEffect">
+                                  <p:stCondLst>
+                                    <p:cond delay="0"/>
+                                  </p:stCondLst>
+                                  <p:childTnLst>
+                                    <p:set>
+                                      <p:cBhvr>
+                                        <p:cTn id="27" dur="1" fill="hold">
+                                          <p:stCondLst>
+                                            <p:cond delay="0"/>
+                                          </p:stCondLst>
+                                        </p:cTn>
+                                        <p:tgtEl>
+                                          <p:spTgt spid="25"/>
+                                        </p:tgtEl>
+                                        <p:attrNameLst>
+                                          <p:attrName>style.visibility</p:attrName>
+                                        </p:attrNameLst>
+                                      </p:cBhvr>
+                                      <p:to>
+                                        <p:strVal val="visible"/>
+                                      </p:to>
+                                    </p:set>
+                                    <p:animEffect transition="in" filter="fade">
+                                      <p:cBhvr>
+                                        <p:cTn id="28" dur="1000"/>
+                                        <p:tgtEl>
+                                          <p:spTgt spid="25"/>
+                                        </p:tgtEl>
+                                      </p:cBhvr>
+                                    </p:animEffect>
+                                    <p:anim calcmode="lin" valueType="num">
+                                      <p:cBhvr>
+                                        <p:cTn id="29" dur="1000" fill="hold"/>
+                                        <p:tgtEl>
+                                          <p:spTgt spid="25"/>
+                                        </p:tgtEl>
+                                        <p:attrNameLst>
+                                          <p:attrName>ppt_x</p:attrName>
+                                        </p:attrNameLst>
+                                      </p:cBhvr>
+                                      <p:tavLst>
+                                        <p:tav tm="0">
+                                          <p:val>
+                                            <p:strVal val="#ppt_x"/>
+                                          </p:val>
+                                        </p:tav>
+                                        <p:tav tm="100000">
+                                          <p:val>
+                                            <p:strVal val="#ppt_x"/>
+                                          </p:val>
+                                        </p:tav>
+                                      </p:tavLst>
+                                    </p:anim>
+                                    <p:anim calcmode="lin" valueType="num">
+                                      <p:cBhvr>
+                                        <p:cTn id="30" dur="1000" fill="hold"/>
+                                        <p:tgtEl>
+                                          <p:spTgt spid="25"/>
+                                        </p:tgtEl>
+                                        <p:attrNameLst>
+                                          <p:attrName>ppt_y</p:attrName>
+                                        </p:attrNameLst>
+                                      </p:cBhvr>
+                                      <p:tavLst>
+                                        <p:tav tm="0">
+                                          <p:val>
+                                            <p:strVal val="#ppt_y+.1"/>
+                                          </p:val>
+                                        </p:tav>
+                                        <p:tav tm="100000">
+                                          <p:val>
+                                            <p:strVal val="#ppt_y"/>
+                                          </p:val>
+                                        </p:tav>
+                                      </p:tavLst>
+                                    </p:anim>
+                                  </p:childTnLst>
+                                </p:cTn>
+                              </p:par>
+                            </p:childTnLst>
+                          </p:cTn>
+                        </p:par>
+                      </p:childTnLst>
+                    </p:cTn>
+                  </p:par>
+                  <p:par>
+                    <p:cTn id="31" fill="hold">
+                      <p:stCondLst>
+                        <p:cond delay="indefinite"/>
+                      </p:stCondLst>
+                      <p:childTnLst>
+                        <p:par>
+                          <p:cTn id="32" fill="hold">
+                            <p:stCondLst>
+                              <p:cond delay="0"/>
+                            </p:stCondLst>
+                            <p:childTnLst>
+                              <p:par>
+                                <p:cTn id="33" presetID="42" presetClass="entr" presetSubtype="0" fill="hold" nodeType="clickEffect">
+                                  <p:stCondLst>
+                                    <p:cond delay="0"/>
+                                  </p:stCondLst>
+                                  <p:childTnLst>
+                                    <p:set>
+                                      <p:cBhvr>
+                                        <p:cTn id="34" dur="1" fill="hold">
+                                          <p:stCondLst>
+                                            <p:cond delay="0"/>
+                                          </p:stCondLst>
+                                        </p:cTn>
+                                        <p:tgtEl>
+                                          <p:spTgt spid="33"/>
+                                        </p:tgtEl>
+                                        <p:attrNameLst>
+                                          <p:attrName>style.visibility</p:attrName>
+                                        </p:attrNameLst>
+                                      </p:cBhvr>
+                                      <p:to>
+                                        <p:strVal val="visible"/>
+                                      </p:to>
+                                    </p:set>
+                                    <p:animEffect transition="in" filter="fade">
+                                      <p:cBhvr>
+                                        <p:cTn id="35" dur="1000"/>
+                                        <p:tgtEl>
+                                          <p:spTgt spid="33"/>
+                                        </p:tgtEl>
+                                      </p:cBhvr>
+                                    </p:animEffect>
+                                    <p:anim calcmode="lin" valueType="num">
+                                      <p:cBhvr>
+                                        <p:cTn id="36" dur="1000" fill="hold"/>
+                                        <p:tgtEl>
+                                          <p:spTgt spid="33"/>
+                                        </p:tgtEl>
+                                        <p:attrNameLst>
+                                          <p:attrName>ppt_x</p:attrName>
+                                        </p:attrNameLst>
+                                      </p:cBhvr>
+                                      <p:tavLst>
+                                        <p:tav tm="0">
+                                          <p:val>
+                                            <p:strVal val="#ppt_x"/>
+                                          </p:val>
+                                        </p:tav>
+                                        <p:tav tm="100000">
+                                          <p:val>
+                                            <p:strVal val="#ppt_x"/>
+                                          </p:val>
+                                        </p:tav>
+                                      </p:tavLst>
+                                    </p:anim>
+                                    <p:anim calcmode="lin" valueType="num">
+                                      <p:cBhvr>
+                                        <p:cTn id="37" dur="1000" fill="hold"/>
+                                        <p:tgtEl>
+                                          <p:spTgt spid="33"/>
+                                        </p:tgtEl>
+                                        <p:attrNameLst>
+                                          <p:attrName>ppt_y</p:attrName>
+                                        </p:attrNameLst>
+                                      </p:cBhvr>
+                                      <p:tavLst>
+                                        <p:tav tm="0">
+                                          <p:val>
+                                            <p:strVal val="#ppt_y+.1"/>
+                                          </p:val>
+                                        </p:tav>
+                                        <p:tav tm="100000">
+                                          <p:val>
+                                            <p:strVal val="#ppt_y"/>
+                                          </p:val>
+                                        </p:tav>
+                                      </p:tavLst>
+                                    </p:anim>
+                                  </p:childTnLst>
+                                </p:cTn>
+                              </p:par>
+                            </p:childTnLst>
+                          </p:cTn>
+                        </p:par>
+                      </p:childTnLst>
+                    </p:cTn>
+                  </p:par>
+                </p:childTnLst>
+              </p:cTn>
+              <p:prevCondLst>
+                <p:cond evt="onPrev" delay="0">
+                  <p:tgtEl>
+                    <p:sldTgt/>
+                  </p:tgtEl>
+                </p:cond>
+              </p:prevCondLst>
+              <p:nextCondLst>
+                <p:cond evt="onNext" delay="0">
+                  <p:tgtEl>
+                    <p:sldTgt/>
+                  </p:tgtEl>
+                </p:cond>
+              </p:nextCondLst>
+            </p:seq>
+          </p:childTnLst>
+        </p:cTn>
+      </p:par>
+    </p:tnLst>
+  </p:timing>
+</p:sld>
+</file>
+
+<file path=ppt/slides/slide11.xml><?xml version="1.0" encoding="utf-8"?>
+<p:sld xmlns:a="http://schemas.openxmlformats.org/drawingml/2006/main" xmlns:r="http://schemas.openxmlformats.org/officeDocument/2006/relationships" xmlns:p="http://schemas.openxmlformats.org/presentationml/2006/main">
+  <p:cSld>
+    <p:bg>
+      <p:bgPr>
+        <a:solidFill>
+          <a:schemeClr val="bg1">
+            <a:lumMod val="95000"/>
+          </a:schemeClr>
+        </a:solidFill>
+        <a:effectLst/>
+      </p:bgPr>
+    </p:bg>
+    <p:spTree>
+      <p:nvGrpSpPr>
+        <p:cNvPr id="1" name=""/>
+        <p:cNvGrpSpPr/>
+        <p:nvPr/>
+      </p:nvGrpSpPr>
+      <p:grpSpPr>
+        <a:xfrm>
+          <a:off x="0" y="0"/>
+          <a:ext cx="0" cy="0"/>
+          <a:chOff x="0" y="0"/>
+          <a:chExt cx="0" cy="0"/>
+        </a:xfrm>
+      </p:grpSpPr>
+      <p:sp>
+        <p:nvSpPr>
           <p:cNvPr id="9" name="Rectangle 8">
             <a:extLst>
               <a:ext uri="{FF2B5EF4-FFF2-40B4-BE49-F238E27FC236}">
@@ -4195,7 +5554,787 @@
 </p:sld>
 </file>
 
+<file path=ppt/slides/slide12.xml><?xml version="1.0" encoding="utf-8"?>
+<p:sld xmlns:a="http://schemas.openxmlformats.org/drawingml/2006/main" xmlns:r="http://schemas.openxmlformats.org/officeDocument/2006/relationships" xmlns:p="http://schemas.openxmlformats.org/presentationml/2006/main">
+  <p:cSld>
+    <p:spTree>
+      <p:nvGrpSpPr>
+        <p:cNvPr id="1" name=""/>
+        <p:cNvGrpSpPr/>
+        <p:nvPr/>
+      </p:nvGrpSpPr>
+      <p:grpSpPr>
+        <a:xfrm>
+          <a:off x="0" y="0"/>
+          <a:ext cx="0" cy="0"/>
+          <a:chOff x="0" y="0"/>
+          <a:chExt cx="0" cy="0"/>
+        </a:xfrm>
+      </p:grpSpPr>
+      <p:sp>
+        <p:nvSpPr>
+          <p:cNvPr id="2" name="Titolo 1">
+            <a:extLst>
+              <a:ext uri="{FF2B5EF4-FFF2-40B4-BE49-F238E27FC236}">
+                <a16:creationId xmlns:a16="http://schemas.microsoft.com/office/drawing/2014/main" id="{9D230F7E-8196-469A-A602-9B07CE45DA16}"/>
+              </a:ext>
+            </a:extLst>
+          </p:cNvPr>
+          <p:cNvSpPr>
+            <a:spLocks noGrp="1"/>
+          </p:cNvSpPr>
+          <p:nvPr>
+            <p:ph type="title"/>
+          </p:nvPr>
+        </p:nvSpPr>
+        <p:spPr/>
+        <p:txBody>
+          <a:bodyPr/>
+          <a:lstStyle/>
+          <a:p>
+            <a:r>
+              <a:rPr lang="it-IT" dirty="0"/>
+              <a:t>Agile and project progress</a:t>
+            </a:r>
+          </a:p>
+        </p:txBody>
+      </p:sp>
+      <p:sp>
+        <p:nvSpPr>
+          <p:cNvPr id="3" name="Segnaposto contenuto 2">
+            <a:extLst>
+              <a:ext uri="{FF2B5EF4-FFF2-40B4-BE49-F238E27FC236}">
+                <a16:creationId xmlns:a16="http://schemas.microsoft.com/office/drawing/2014/main" id="{0713533B-9939-4326-A913-8124075C3738}"/>
+              </a:ext>
+            </a:extLst>
+          </p:cNvPr>
+          <p:cNvSpPr>
+            <a:spLocks noGrp="1"/>
+          </p:cNvSpPr>
+          <p:nvPr>
+            <p:ph idx="1"/>
+          </p:nvPr>
+        </p:nvSpPr>
+        <p:spPr>
+          <a:xfrm>
+            <a:off x="402336" y="2655799"/>
+            <a:ext cx="7729728" cy="3101983"/>
+          </a:xfrm>
+        </p:spPr>
+        <p:txBody>
+          <a:bodyPr>
+            <a:normAutofit lnSpcReduction="10000"/>
+          </a:bodyPr>
+          <a:lstStyle/>
+          <a:p>
+            <a:r>
+              <a:rPr lang="it-IT" dirty="0"/>
+              <a:t>Reviews : </a:t>
+            </a:r>
+          </a:p>
+          <a:p>
+            <a:pPr lvl="1"/>
+            <a:r>
+              <a:rPr lang="it-IT" dirty="0"/>
+              <a:t>Sprint reviews </a:t>
+            </a:r>
+            <a:r>
+              <a:rPr lang="it-IT" dirty="0" err="1"/>
+              <a:t>helped</a:t>
+            </a:r>
+            <a:r>
+              <a:rPr lang="it-IT" dirty="0"/>
+              <a:t> </a:t>
+            </a:r>
+            <a:r>
+              <a:rPr lang="it-IT" dirty="0" err="1"/>
+              <a:t>us</a:t>
+            </a:r>
+            <a:r>
+              <a:rPr lang="it-IT" dirty="0"/>
+              <a:t> to </a:t>
+            </a:r>
+            <a:r>
+              <a:rPr lang="it-IT" dirty="0" err="1"/>
+              <a:t>understand</a:t>
+            </a:r>
+            <a:r>
+              <a:rPr lang="it-IT" dirty="0"/>
+              <a:t> </a:t>
+            </a:r>
+            <a:r>
+              <a:rPr lang="it-IT" dirty="0" err="1"/>
+              <a:t>if</a:t>
+            </a:r>
+            <a:r>
+              <a:rPr lang="it-IT" dirty="0"/>
+              <a:t> </a:t>
+            </a:r>
+            <a:r>
+              <a:rPr lang="it-IT" dirty="0" err="1"/>
+              <a:t>what</a:t>
+            </a:r>
+            <a:r>
+              <a:rPr lang="it-IT" dirty="0"/>
+              <a:t> </a:t>
+            </a:r>
+            <a:r>
+              <a:rPr lang="it-IT" dirty="0" err="1"/>
+              <a:t>we</a:t>
+            </a:r>
+            <a:r>
+              <a:rPr lang="it-IT" dirty="0"/>
+              <a:t> </a:t>
+            </a:r>
+            <a:r>
+              <a:rPr lang="it-IT" dirty="0" err="1"/>
+              <a:t>developed</a:t>
+            </a:r>
+            <a:r>
+              <a:rPr lang="it-IT" dirty="0"/>
+              <a:t> </a:t>
+            </a:r>
+            <a:r>
+              <a:rPr lang="it-IT" dirty="0" err="1"/>
+              <a:t>matched</a:t>
+            </a:r>
+            <a:r>
+              <a:rPr lang="it-IT" dirty="0"/>
+              <a:t> </a:t>
+            </a:r>
+            <a:r>
+              <a:rPr lang="it-IT" dirty="0" err="1"/>
+              <a:t>our</a:t>
+            </a:r>
+            <a:r>
+              <a:rPr lang="it-IT" dirty="0"/>
+              <a:t> </a:t>
+            </a:r>
+            <a:r>
+              <a:rPr lang="it-IT" dirty="0" err="1"/>
+              <a:t>expectations</a:t>
+            </a:r>
+            <a:r>
+              <a:rPr lang="it-IT" dirty="0"/>
+              <a:t> of the game.</a:t>
+            </a:r>
+          </a:p>
+          <a:p>
+            <a:pPr lvl="1"/>
+            <a:r>
+              <a:rPr lang="it-IT" dirty="0" err="1"/>
+              <a:t>Also</a:t>
+            </a:r>
+            <a:r>
+              <a:rPr lang="it-IT" dirty="0"/>
+              <a:t>, </a:t>
+            </a:r>
+            <a:r>
+              <a:rPr lang="it-IT" dirty="0" err="1"/>
+              <a:t>it</a:t>
+            </a:r>
+            <a:r>
+              <a:rPr lang="it-IT" dirty="0"/>
+              <a:t> </a:t>
+            </a:r>
+            <a:r>
+              <a:rPr lang="it-IT" dirty="0" err="1"/>
+              <a:t>was</a:t>
+            </a:r>
+            <a:r>
+              <a:rPr lang="it-IT" dirty="0"/>
+              <a:t> </a:t>
+            </a:r>
+            <a:r>
+              <a:rPr lang="it-IT" dirty="0" err="1"/>
+              <a:t>useful</a:t>
+            </a:r>
+            <a:r>
+              <a:rPr lang="it-IT" dirty="0"/>
+              <a:t> to </a:t>
+            </a:r>
+            <a:r>
+              <a:rPr lang="it-IT" dirty="0" err="1"/>
+              <a:t>discuss</a:t>
+            </a:r>
+            <a:r>
+              <a:rPr lang="it-IT" dirty="0"/>
+              <a:t> </a:t>
+            </a:r>
+            <a:r>
+              <a:rPr lang="it-IT" dirty="0" err="1"/>
+              <a:t>about</a:t>
+            </a:r>
+            <a:r>
+              <a:rPr lang="it-IT" dirty="0"/>
+              <a:t> future </a:t>
+            </a:r>
+            <a:r>
+              <a:rPr lang="it-IT" dirty="0" err="1"/>
+              <a:t>changes</a:t>
+            </a:r>
+            <a:r>
+              <a:rPr lang="it-IT" dirty="0"/>
+              <a:t>.</a:t>
+            </a:r>
+          </a:p>
+          <a:p>
+            <a:r>
+              <a:rPr lang="it-IT" dirty="0" err="1"/>
+              <a:t>Retrospectives</a:t>
+            </a:r>
+            <a:r>
+              <a:rPr lang="it-IT" dirty="0"/>
+              <a:t> : </a:t>
+            </a:r>
+          </a:p>
+          <a:p>
+            <a:pPr lvl="1"/>
+            <a:r>
+              <a:rPr lang="it-IT" dirty="0" err="1"/>
+              <a:t>Pointed</a:t>
+            </a:r>
+            <a:r>
+              <a:rPr lang="it-IT" dirty="0"/>
+              <a:t> out </a:t>
+            </a:r>
+            <a:r>
+              <a:rPr lang="it-IT" dirty="0" err="1"/>
+              <a:t>critical</a:t>
+            </a:r>
+            <a:r>
+              <a:rPr lang="it-IT" dirty="0"/>
+              <a:t> and </a:t>
+            </a:r>
+            <a:r>
+              <a:rPr lang="it-IT" dirty="0" err="1"/>
+              <a:t>problematic</a:t>
+            </a:r>
+            <a:r>
+              <a:rPr lang="it-IT" dirty="0"/>
+              <a:t> situations in the team.</a:t>
+            </a:r>
+          </a:p>
+          <a:p>
+            <a:pPr lvl="1"/>
+            <a:r>
+              <a:rPr lang="it-IT" dirty="0" err="1"/>
+              <a:t>Highlighted</a:t>
+            </a:r>
+            <a:r>
+              <a:rPr lang="it-IT" dirty="0"/>
+              <a:t> positive </a:t>
+            </a:r>
+            <a:r>
+              <a:rPr lang="it-IT" dirty="0" err="1"/>
+              <a:t>aspects</a:t>
+            </a:r>
+            <a:r>
+              <a:rPr lang="it-IT" dirty="0"/>
+              <a:t> of the team and </a:t>
+            </a:r>
+            <a:r>
+              <a:rPr lang="it-IT" dirty="0" err="1"/>
+              <a:t>this</a:t>
+            </a:r>
+            <a:r>
+              <a:rPr lang="it-IT" dirty="0"/>
+              <a:t> </a:t>
+            </a:r>
+            <a:r>
+              <a:rPr lang="it-IT" dirty="0" err="1"/>
+              <a:t>lead</a:t>
+            </a:r>
+            <a:r>
+              <a:rPr lang="it-IT" dirty="0"/>
+              <a:t> to an </a:t>
+            </a:r>
+            <a:r>
+              <a:rPr lang="it-IT" dirty="0" err="1"/>
+              <a:t>improvement</a:t>
+            </a:r>
+            <a:r>
+              <a:rPr lang="it-IT" dirty="0"/>
+              <a:t> of </a:t>
+            </a:r>
+            <a:r>
+              <a:rPr lang="it-IT" dirty="0" err="1"/>
+              <a:t>its</a:t>
+            </a:r>
+            <a:r>
+              <a:rPr lang="it-IT" dirty="0"/>
+              <a:t> </a:t>
+            </a:r>
+            <a:r>
+              <a:rPr lang="it-IT" dirty="0" err="1"/>
+              <a:t>productivity</a:t>
+            </a:r>
+            <a:r>
+              <a:rPr lang="it-IT" dirty="0"/>
+              <a:t> and status.</a:t>
+            </a:r>
+          </a:p>
+          <a:p>
+            <a:pPr lvl="1"/>
+            <a:r>
+              <a:rPr lang="it-IT" dirty="0" err="1"/>
+              <a:t>Helped</a:t>
+            </a:r>
+            <a:r>
+              <a:rPr lang="it-IT" dirty="0"/>
+              <a:t> </a:t>
+            </a:r>
+            <a:r>
+              <a:rPr lang="it-IT" dirty="0" err="1"/>
+              <a:t>us</a:t>
+            </a:r>
+            <a:r>
+              <a:rPr lang="it-IT" dirty="0"/>
+              <a:t> to introduce </a:t>
+            </a:r>
+            <a:r>
+              <a:rPr lang="it-IT" dirty="0" err="1"/>
+              <a:t>discussions</a:t>
+            </a:r>
+            <a:r>
+              <a:rPr lang="it-IT" dirty="0"/>
+              <a:t> </a:t>
+            </a:r>
+            <a:r>
+              <a:rPr lang="it-IT" dirty="0" err="1"/>
+              <a:t>about</a:t>
+            </a:r>
+            <a:r>
+              <a:rPr lang="it-IT" dirty="0"/>
+              <a:t> time and </a:t>
+            </a:r>
+            <a:r>
+              <a:rPr lang="it-IT" dirty="0" err="1"/>
+              <a:t>resources</a:t>
+            </a:r>
+            <a:r>
+              <a:rPr lang="it-IT" dirty="0"/>
+              <a:t> management.</a:t>
+            </a:r>
+          </a:p>
+          <a:p>
+            <a:endParaRPr lang="it-IT" dirty="0"/>
+          </a:p>
+        </p:txBody>
+      </p:sp>
+      <p:sp>
+        <p:nvSpPr>
+          <p:cNvPr id="4" name="CasellaDiTesto 3">
+            <a:extLst>
+              <a:ext uri="{FF2B5EF4-FFF2-40B4-BE49-F238E27FC236}">
+                <a16:creationId xmlns:a16="http://schemas.microsoft.com/office/drawing/2014/main" id="{9D4473D0-2298-485D-B560-0290A4870767}"/>
+              </a:ext>
+            </a:extLst>
+          </p:cNvPr>
+          <p:cNvSpPr txBox="1"/>
+          <p:nvPr/>
+        </p:nvSpPr>
+        <p:spPr>
+          <a:xfrm>
+            <a:off x="8584707" y="2498630"/>
+            <a:ext cx="3204957" cy="3416320"/>
+          </a:xfrm>
+          <a:prstGeom prst="rect">
+            <a:avLst/>
+          </a:prstGeom>
+          <a:noFill/>
+        </p:spPr>
+        <p:txBody>
+          <a:bodyPr wrap="square" rtlCol="0">
+            <a:spAutoFit/>
+          </a:bodyPr>
+          <a:lstStyle/>
+          <a:p>
+            <a:r>
+              <a:rPr lang="it-IT" dirty="0"/>
+              <a:t>PROS:</a:t>
+            </a:r>
+          </a:p>
+          <a:p>
+            <a:pPr marL="742950" lvl="1" indent="-285750">
+              <a:buFont typeface="Arial" panose="020B0604020202020204" pitchFamily="34" charset="0"/>
+              <a:buChar char="•"/>
+            </a:pPr>
+            <a:r>
+              <a:rPr lang="it-IT" dirty="0"/>
+              <a:t>Game </a:t>
+            </a:r>
+            <a:r>
+              <a:rPr lang="it-IT" dirty="0" err="1"/>
+              <a:t>developed</a:t>
+            </a:r>
+            <a:r>
+              <a:rPr lang="it-IT" dirty="0"/>
+              <a:t> in a shot time </a:t>
+            </a:r>
+            <a:r>
+              <a:rPr lang="it-IT" dirty="0" err="1"/>
+              <a:t>without</a:t>
+            </a:r>
+            <a:r>
+              <a:rPr lang="it-IT" dirty="0"/>
+              <a:t> </a:t>
+            </a:r>
+            <a:r>
+              <a:rPr lang="it-IT" dirty="0" err="1"/>
+              <a:t>any</a:t>
+            </a:r>
+            <a:r>
+              <a:rPr lang="it-IT" dirty="0"/>
+              <a:t> </a:t>
+            </a:r>
+            <a:r>
+              <a:rPr lang="it-IT" dirty="0" err="1"/>
+              <a:t>prior</a:t>
+            </a:r>
+            <a:r>
+              <a:rPr lang="it-IT" dirty="0"/>
+              <a:t> knowledge </a:t>
+            </a:r>
+            <a:r>
+              <a:rPr lang="it-IT" dirty="0" err="1"/>
+              <a:t>about</a:t>
+            </a:r>
+            <a:r>
+              <a:rPr lang="it-IT" dirty="0"/>
+              <a:t> game </a:t>
+            </a:r>
+            <a:r>
+              <a:rPr lang="it-IT" dirty="0" err="1"/>
+              <a:t>development</a:t>
+            </a:r>
+            <a:r>
+              <a:rPr lang="it-IT" dirty="0"/>
+              <a:t>.</a:t>
+            </a:r>
+          </a:p>
+          <a:p>
+            <a:pPr marL="742950" lvl="1" indent="-285750">
+              <a:buFont typeface="Arial" panose="020B0604020202020204" pitchFamily="34" charset="0"/>
+              <a:buChar char="•"/>
+            </a:pPr>
+            <a:r>
+              <a:rPr lang="it-IT" dirty="0" err="1"/>
+              <a:t>Efficient</a:t>
+            </a:r>
+            <a:r>
+              <a:rPr lang="it-IT" dirty="0"/>
+              <a:t> </a:t>
+            </a:r>
+            <a:r>
+              <a:rPr lang="it-IT" dirty="0" err="1"/>
+              <a:t>organization</a:t>
+            </a:r>
+            <a:r>
+              <a:rPr lang="it-IT" dirty="0"/>
+              <a:t> of work and </a:t>
+            </a:r>
+            <a:r>
+              <a:rPr lang="it-IT" dirty="0" err="1"/>
+              <a:t>collaboration</a:t>
+            </a:r>
+            <a:r>
+              <a:rPr lang="it-IT" dirty="0"/>
+              <a:t> of the team.</a:t>
+            </a:r>
+          </a:p>
+          <a:p>
+            <a:r>
+              <a:rPr lang="it-IT" dirty="0"/>
+              <a:t>CONS:</a:t>
+            </a:r>
+          </a:p>
+          <a:p>
+            <a:pPr marL="742950" lvl="1" indent="-285750">
+              <a:buFont typeface="Arial" panose="020B0604020202020204" pitchFamily="34" charset="0"/>
+              <a:buChar char="•"/>
+            </a:pPr>
+            <a:r>
+              <a:rPr lang="it-IT" dirty="0"/>
+              <a:t>Easy to go out of the track with </a:t>
+            </a:r>
+            <a:r>
+              <a:rPr lang="it-IT" dirty="0" err="1"/>
+              <a:t>respect</a:t>
+            </a:r>
+            <a:r>
+              <a:rPr lang="it-IT" dirty="0"/>
+              <a:t> to the </a:t>
+            </a:r>
+            <a:r>
+              <a:rPr lang="it-IT" dirty="0" err="1"/>
+              <a:t>individual</a:t>
+            </a:r>
+            <a:r>
+              <a:rPr lang="it-IT" dirty="0"/>
+              <a:t> work.</a:t>
+            </a:r>
+          </a:p>
+        </p:txBody>
+      </p:sp>
+    </p:spTree>
+    <p:extLst>
+      <p:ext uri="{BB962C8B-B14F-4D97-AF65-F5344CB8AC3E}">
+        <p14:creationId xmlns:p14="http://schemas.microsoft.com/office/powerpoint/2010/main" val="3880278378"/>
+      </p:ext>
+    </p:extLst>
+  </p:cSld>
+  <p:clrMapOvr>
+    <a:masterClrMapping/>
+  </p:clrMapOvr>
+</p:sld>
+</file>
+
 <file path=ppt/slides/slide2.xml><?xml version="1.0" encoding="utf-8"?>
+<p:sld xmlns:a="http://schemas.openxmlformats.org/drawingml/2006/main" xmlns:r="http://schemas.openxmlformats.org/officeDocument/2006/relationships" xmlns:p="http://schemas.openxmlformats.org/presentationml/2006/main">
+  <p:cSld>
+    <p:spTree>
+      <p:nvGrpSpPr>
+        <p:cNvPr id="1" name=""/>
+        <p:cNvGrpSpPr/>
+        <p:nvPr/>
+      </p:nvGrpSpPr>
+      <p:grpSpPr>
+        <a:xfrm>
+          <a:off x="0" y="0"/>
+          <a:ext cx="0" cy="0"/>
+          <a:chOff x="0" y="0"/>
+          <a:chExt cx="0" cy="0"/>
+        </a:xfrm>
+      </p:grpSpPr>
+      <p:sp>
+        <p:nvSpPr>
+          <p:cNvPr id="2" name="Titolo 1">
+            <a:extLst>
+              <a:ext uri="{FF2B5EF4-FFF2-40B4-BE49-F238E27FC236}">
+                <a16:creationId xmlns:a16="http://schemas.microsoft.com/office/drawing/2014/main" id="{C855EF36-357A-425D-A3C8-6FAF96B96C17}"/>
+              </a:ext>
+            </a:extLst>
+          </p:cNvPr>
+          <p:cNvSpPr>
+            <a:spLocks noGrp="1"/>
+          </p:cNvSpPr>
+          <p:nvPr>
+            <p:ph type="title"/>
+          </p:nvPr>
+        </p:nvSpPr>
+        <p:spPr/>
+        <p:txBody>
+          <a:bodyPr/>
+          <a:lstStyle/>
+          <a:p>
+            <a:r>
+              <a:rPr lang="it-IT" dirty="0"/>
+              <a:t>The </a:t>
+            </a:r>
+            <a:r>
+              <a:rPr lang="it-IT" dirty="0" err="1"/>
+              <a:t>main</a:t>
+            </a:r>
+            <a:r>
+              <a:rPr lang="it-IT" dirty="0"/>
+              <a:t> idea</a:t>
+            </a:r>
+          </a:p>
+        </p:txBody>
+      </p:sp>
+      <p:sp>
+        <p:nvSpPr>
+          <p:cNvPr id="3" name="Segnaposto contenuto 2">
+            <a:extLst>
+              <a:ext uri="{FF2B5EF4-FFF2-40B4-BE49-F238E27FC236}">
+                <a16:creationId xmlns:a16="http://schemas.microsoft.com/office/drawing/2014/main" id="{F6069F4C-B964-4F96-9891-1CD0C76FB3B4}"/>
+              </a:ext>
+            </a:extLst>
+          </p:cNvPr>
+          <p:cNvSpPr>
+            <a:spLocks noGrp="1"/>
+          </p:cNvSpPr>
+          <p:nvPr>
+            <p:ph idx="1"/>
+          </p:nvPr>
+        </p:nvSpPr>
+        <p:spPr/>
+        <p:txBody>
+          <a:bodyPr/>
+          <a:lstStyle/>
+          <a:p>
+            <a:r>
+              <a:rPr lang="it-IT" dirty="0"/>
+              <a:t>Open-world RPG.</a:t>
+            </a:r>
+          </a:p>
+          <a:p>
+            <a:r>
+              <a:rPr lang="it-IT" dirty="0"/>
+              <a:t>Player </a:t>
+            </a:r>
+            <a:r>
+              <a:rPr lang="it-IT" dirty="0" err="1"/>
+              <a:t>is</a:t>
+            </a:r>
+            <a:r>
+              <a:rPr lang="it-IT" dirty="0"/>
+              <a:t> a computer engineering </a:t>
+            </a:r>
+            <a:r>
+              <a:rPr lang="it-IT" dirty="0" err="1"/>
+              <a:t>student</a:t>
+            </a:r>
+            <a:r>
+              <a:rPr lang="it-IT" dirty="0"/>
+              <a:t>.</a:t>
+            </a:r>
+          </a:p>
+          <a:p>
+            <a:r>
+              <a:rPr lang="it-IT" dirty="0"/>
+              <a:t>The game world </a:t>
+            </a:r>
+            <a:r>
+              <a:rPr lang="it-IT" dirty="0" err="1"/>
+              <a:t>is</a:t>
+            </a:r>
+            <a:r>
+              <a:rPr lang="it-IT" dirty="0"/>
+              <a:t> the University of Salerno.</a:t>
+            </a:r>
+          </a:p>
+          <a:p>
+            <a:r>
+              <a:rPr lang="it-IT" dirty="0"/>
+              <a:t>The goal </a:t>
+            </a:r>
+            <a:r>
+              <a:rPr lang="it-IT" dirty="0" err="1"/>
+              <a:t>is</a:t>
+            </a:r>
+            <a:r>
+              <a:rPr lang="it-IT" dirty="0"/>
+              <a:t> to </a:t>
+            </a:r>
+            <a:r>
+              <a:rPr lang="it-IT" dirty="0" err="1"/>
+              <a:t>get</a:t>
+            </a:r>
+            <a:r>
+              <a:rPr lang="it-IT" dirty="0"/>
+              <a:t> a degree.</a:t>
+            </a:r>
+          </a:p>
+          <a:p>
+            <a:r>
+              <a:rPr lang="it-IT" dirty="0"/>
+              <a:t>Tasks </a:t>
+            </a:r>
+            <a:r>
+              <a:rPr lang="it-IT" dirty="0" err="1"/>
+              <a:t>consist</a:t>
+            </a:r>
+            <a:r>
+              <a:rPr lang="it-IT" dirty="0"/>
+              <a:t> of </a:t>
+            </a:r>
+            <a:r>
+              <a:rPr lang="it-IT" dirty="0" err="1"/>
+              <a:t>exams</a:t>
+            </a:r>
+            <a:r>
+              <a:rPr lang="it-IT" dirty="0"/>
+              <a:t> to be </a:t>
+            </a:r>
+            <a:r>
+              <a:rPr lang="it-IT" dirty="0" err="1"/>
+              <a:t>passed</a:t>
+            </a:r>
+            <a:r>
+              <a:rPr lang="it-IT" dirty="0"/>
+              <a:t> and items to be </a:t>
+            </a:r>
+            <a:r>
+              <a:rPr lang="it-IT" dirty="0" err="1"/>
+              <a:t>picked</a:t>
+            </a:r>
+            <a:r>
+              <a:rPr lang="it-IT" dirty="0"/>
+              <a:t>.</a:t>
+            </a:r>
+          </a:p>
+          <a:p>
+            <a:r>
+              <a:rPr lang="it-IT" dirty="0"/>
+              <a:t>The player </a:t>
+            </a:r>
+            <a:r>
+              <a:rPr lang="it-IT" dirty="0" err="1"/>
+              <a:t>has</a:t>
+            </a:r>
+            <a:r>
+              <a:rPr lang="it-IT" dirty="0"/>
+              <a:t> to </a:t>
+            </a:r>
+            <a:r>
+              <a:rPr lang="it-IT" dirty="0" err="1"/>
+              <a:t>manage</a:t>
+            </a:r>
+            <a:r>
+              <a:rPr lang="it-IT" dirty="0"/>
+              <a:t> </a:t>
+            </a:r>
+            <a:r>
+              <a:rPr lang="it-IT" dirty="0" err="1"/>
+              <a:t>its</a:t>
+            </a:r>
+            <a:r>
+              <a:rPr lang="it-IT" dirty="0"/>
+              <a:t> </a:t>
+            </a:r>
+            <a:r>
+              <a:rPr lang="it-IT" dirty="0" err="1"/>
+              <a:t>own</a:t>
+            </a:r>
+            <a:r>
+              <a:rPr lang="it-IT" dirty="0"/>
+              <a:t> status (</a:t>
+            </a:r>
+            <a:r>
+              <a:rPr lang="it-IT" dirty="0" err="1"/>
+              <a:t>health</a:t>
+            </a:r>
+            <a:r>
+              <a:rPr lang="it-IT" dirty="0"/>
+              <a:t>, stress, </a:t>
+            </a:r>
+            <a:r>
+              <a:rPr lang="it-IT" dirty="0" err="1"/>
+              <a:t>hunger</a:t>
+            </a:r>
+            <a:r>
+              <a:rPr lang="it-IT" dirty="0"/>
+              <a:t>).</a:t>
+            </a:r>
+          </a:p>
+        </p:txBody>
+      </p:sp>
+    </p:spTree>
+    <p:extLst>
+      <p:ext uri="{BB962C8B-B14F-4D97-AF65-F5344CB8AC3E}">
+        <p14:creationId xmlns:p14="http://schemas.microsoft.com/office/powerpoint/2010/main" val="532235077"/>
+      </p:ext>
+    </p:extLst>
+  </p:cSld>
+  <p:clrMapOvr>
+    <a:masterClrMapping/>
+  </p:clrMapOvr>
+</p:sld>
+</file>
+
+<file path=ppt/slides/slide3.xml><?xml version="1.0" encoding="utf-8"?>
 <p:sld xmlns:a="http://schemas.openxmlformats.org/drawingml/2006/main" xmlns:r="http://schemas.openxmlformats.org/officeDocument/2006/relationships" xmlns:p="http://schemas.openxmlformats.org/presentationml/2006/main">
   <p:cSld>
     <p:spTree>
@@ -4767,7 +6906,7 @@
 </p:sld>
 </file>
 
-<file path=ppt/slides/slide3.xml><?xml version="1.0" encoding="utf-8"?>
+<file path=ppt/slides/slide4.xml><?xml version="1.0" encoding="utf-8"?>
 <p:sld xmlns:a="http://schemas.openxmlformats.org/drawingml/2006/main" xmlns:r="http://schemas.openxmlformats.org/officeDocument/2006/relationships" xmlns:p="http://schemas.openxmlformats.org/presentationml/2006/main">
   <p:cSld>
     <p:bg>
@@ -4844,7 +6983,7 @@
           <p:nvPr/>
         </p:nvPicPr>
         <p:blipFill rotWithShape="1">
-          <a:blip r:embed="rId2"/>
+          <a:blip r:embed="rId3"/>
           <a:srcRect b="1316"/>
           <a:stretch/>
         </p:blipFill>
@@ -5239,7 +7378,7 @@
 </p:sld>
 </file>
 
-<file path=ppt/slides/slide4.xml><?xml version="1.0" encoding="utf-8"?>
+<file path=ppt/slides/slide5.xml><?xml version="1.0" encoding="utf-8"?>
 <p:sld xmlns:a="http://schemas.openxmlformats.org/drawingml/2006/main" xmlns:r="http://schemas.openxmlformats.org/officeDocument/2006/relationships" xmlns:p="http://schemas.openxmlformats.org/presentationml/2006/main">
   <p:cSld>
     <p:spTree>
@@ -5307,13 +7446,13 @@
         </p:nvSpPr>
         <p:spPr>
           <a:xfrm>
-            <a:off x="6900675" y="1526675"/>
-            <a:ext cx="4815840" cy="3804650"/>
+            <a:off x="6900675" y="1374746"/>
+            <a:ext cx="4815840" cy="4350342"/>
           </a:xfrm>
         </p:spPr>
         <p:txBody>
           <a:bodyPr>
-            <a:normAutofit fontScale="92500" lnSpcReduction="10000"/>
+            <a:normAutofit fontScale="70000" lnSpcReduction="20000"/>
           </a:bodyPr>
           <a:lstStyle/>
           <a:p>
@@ -5329,6 +7468,12 @@
           </a:p>
           <a:p>
             <a:r>
+              <a:rPr lang="it-IT" sz="4000" dirty="0"/>
+              <a:t>GitHub</a:t>
+            </a:r>
+          </a:p>
+          <a:p>
+            <a:r>
               <a:rPr lang="it-IT" sz="4000" dirty="0" err="1"/>
               <a:t>Tiled</a:t>
             </a:r>
@@ -5365,6 +7510,16 @@
             </a:r>
           </a:p>
           <a:p>
+            <a:r>
+              <a:rPr lang="it-IT" sz="4000" dirty="0"/>
+              <a:t>Nitrite </a:t>
+            </a:r>
+          </a:p>
+          <a:p>
+            <a:r>
+              <a:rPr lang="it-IT" sz="4000" dirty="0" err="1"/>
+              <a:t>XPath</a:t>
+            </a:r>
             <a:endParaRPr lang="it-IT" sz="4000" dirty="0"/>
           </a:p>
           <a:p>
@@ -5966,6 +8121,288 @@
                             </p:childTnLst>
                           </p:cTn>
                         </p:par>
+                        <p:par>
+                          <p:cTn id="34" fill="hold">
+                            <p:stCondLst>
+                              <p:cond delay="3000"/>
+                            </p:stCondLst>
+                            <p:childTnLst>
+                              <p:par>
+                                <p:cTn id="35" presetID="2" presetClass="entr" presetSubtype="2" fill="hold" nodeType="afterEffect">
+                                  <p:stCondLst>
+                                    <p:cond delay="0"/>
+                                  </p:stCondLst>
+                                  <p:childTnLst>
+                                    <p:set>
+                                      <p:cBhvr>
+                                        <p:cTn id="36" dur="1" fill="hold">
+                                          <p:stCondLst>
+                                            <p:cond delay="0"/>
+                                          </p:stCondLst>
+                                        </p:cTn>
+                                        <p:tgtEl>
+                                          <p:spTgt spid="3">
+                                            <p:txEl>
+                                              <p:pRg st="6" end="6"/>
+                                            </p:txEl>
+                                          </p:spTgt>
+                                        </p:tgtEl>
+                                        <p:attrNameLst>
+                                          <p:attrName>style.visibility</p:attrName>
+                                        </p:attrNameLst>
+                                      </p:cBhvr>
+                                      <p:to>
+                                        <p:strVal val="visible"/>
+                                      </p:to>
+                                    </p:set>
+                                    <p:anim calcmode="lin" valueType="num">
+                                      <p:cBhvr additive="base">
+                                        <p:cTn id="37" dur="500" fill="hold"/>
+                                        <p:tgtEl>
+                                          <p:spTgt spid="3">
+                                            <p:txEl>
+                                              <p:pRg st="6" end="6"/>
+                                            </p:txEl>
+                                          </p:spTgt>
+                                        </p:tgtEl>
+                                        <p:attrNameLst>
+                                          <p:attrName>ppt_x</p:attrName>
+                                        </p:attrNameLst>
+                                      </p:cBhvr>
+                                      <p:tavLst>
+                                        <p:tav tm="0">
+                                          <p:val>
+                                            <p:strVal val="1+#ppt_w/2"/>
+                                          </p:val>
+                                        </p:tav>
+                                        <p:tav tm="100000">
+                                          <p:val>
+                                            <p:strVal val="#ppt_x"/>
+                                          </p:val>
+                                        </p:tav>
+                                      </p:tavLst>
+                                    </p:anim>
+                                    <p:anim calcmode="lin" valueType="num">
+                                      <p:cBhvr additive="base">
+                                        <p:cTn id="38" dur="500" fill="hold"/>
+                                        <p:tgtEl>
+                                          <p:spTgt spid="3">
+                                            <p:txEl>
+                                              <p:pRg st="6" end="6"/>
+                                            </p:txEl>
+                                          </p:spTgt>
+                                        </p:tgtEl>
+                                        <p:attrNameLst>
+                                          <p:attrName>ppt_y</p:attrName>
+                                        </p:attrNameLst>
+                                      </p:cBhvr>
+                                      <p:tavLst>
+                                        <p:tav tm="0">
+                                          <p:val>
+                                            <p:strVal val="#ppt_y"/>
+                                          </p:val>
+                                        </p:tav>
+                                        <p:tav tm="100000">
+                                          <p:val>
+                                            <p:strVal val="#ppt_y"/>
+                                          </p:val>
+                                        </p:tav>
+                                      </p:tavLst>
+                                    </p:anim>
+                                  </p:childTnLst>
+                                </p:cTn>
+                              </p:par>
+                            </p:childTnLst>
+                          </p:cTn>
+                        </p:par>
+                        <p:par>
+                          <p:cTn id="39" fill="hold">
+                            <p:stCondLst>
+                              <p:cond delay="3500"/>
+                            </p:stCondLst>
+                            <p:childTnLst>
+                              <p:par>
+                                <p:cTn id="40" presetID="2" presetClass="entr" presetSubtype="2" fill="hold" nodeType="afterEffect">
+                                  <p:stCondLst>
+                                    <p:cond delay="0"/>
+                                  </p:stCondLst>
+                                  <p:childTnLst>
+                                    <p:set>
+                                      <p:cBhvr>
+                                        <p:cTn id="41" dur="1" fill="hold">
+                                          <p:stCondLst>
+                                            <p:cond delay="0"/>
+                                          </p:stCondLst>
+                                        </p:cTn>
+                                        <p:tgtEl>
+                                          <p:spTgt spid="3">
+                                            <p:txEl>
+                                              <p:pRg st="7" end="7"/>
+                                            </p:txEl>
+                                          </p:spTgt>
+                                        </p:tgtEl>
+                                        <p:attrNameLst>
+                                          <p:attrName>style.visibility</p:attrName>
+                                        </p:attrNameLst>
+                                      </p:cBhvr>
+                                      <p:to>
+                                        <p:strVal val="visible"/>
+                                      </p:to>
+                                    </p:set>
+                                    <p:anim calcmode="lin" valueType="num">
+                                      <p:cBhvr additive="base">
+                                        <p:cTn id="42" dur="500" fill="hold"/>
+                                        <p:tgtEl>
+                                          <p:spTgt spid="3">
+                                            <p:txEl>
+                                              <p:pRg st="7" end="7"/>
+                                            </p:txEl>
+                                          </p:spTgt>
+                                        </p:tgtEl>
+                                        <p:attrNameLst>
+                                          <p:attrName>ppt_x</p:attrName>
+                                        </p:attrNameLst>
+                                      </p:cBhvr>
+                                      <p:tavLst>
+                                        <p:tav tm="0">
+                                          <p:val>
+                                            <p:strVal val="1+#ppt_w/2"/>
+                                          </p:val>
+                                        </p:tav>
+                                        <p:tav tm="100000">
+                                          <p:val>
+                                            <p:strVal val="#ppt_x"/>
+                                          </p:val>
+                                        </p:tav>
+                                      </p:tavLst>
+                                    </p:anim>
+                                    <p:anim calcmode="lin" valueType="num">
+                                      <p:cBhvr additive="base">
+                                        <p:cTn id="43" dur="500" fill="hold"/>
+                                        <p:tgtEl>
+                                          <p:spTgt spid="3">
+                                            <p:txEl>
+                                              <p:pRg st="7" end="7"/>
+                                            </p:txEl>
+                                          </p:spTgt>
+                                        </p:tgtEl>
+                                        <p:attrNameLst>
+                                          <p:attrName>ppt_y</p:attrName>
+                                        </p:attrNameLst>
+                                      </p:cBhvr>
+                                      <p:tavLst>
+                                        <p:tav tm="0">
+                                          <p:val>
+                                            <p:strVal val="#ppt_y"/>
+                                          </p:val>
+                                        </p:tav>
+                                        <p:tav tm="100000">
+                                          <p:val>
+                                            <p:strVal val="#ppt_y"/>
+                                          </p:val>
+                                        </p:tav>
+                                      </p:tavLst>
+                                    </p:anim>
+                                  </p:childTnLst>
+                                </p:cTn>
+                              </p:par>
+                            </p:childTnLst>
+                          </p:cTn>
+                        </p:par>
+                        <p:par>
+                          <p:cTn id="44" fill="hold">
+                            <p:stCondLst>
+                              <p:cond delay="4000"/>
+                            </p:stCondLst>
+                            <p:childTnLst>
+                              <p:par>
+                                <p:cTn id="45" presetID="2" presetClass="entr" presetSubtype="2" fill="hold" nodeType="afterEffect">
+                                  <p:stCondLst>
+                                    <p:cond delay="0"/>
+                                  </p:stCondLst>
+                                  <p:childTnLst>
+                                    <p:set>
+                                      <p:cBhvr>
+                                        <p:cTn id="46" dur="1" fill="hold">
+                                          <p:stCondLst>
+                                            <p:cond delay="0"/>
+                                          </p:stCondLst>
+                                        </p:cTn>
+                                        <p:tgtEl>
+                                          <p:spTgt spid="3">
+                                            <p:txEl>
+                                              <p:pRg st="8" end="8"/>
+                                            </p:txEl>
+                                          </p:spTgt>
+                                        </p:tgtEl>
+                                        <p:attrNameLst>
+                                          <p:attrName>style.visibility</p:attrName>
+                                        </p:attrNameLst>
+                                      </p:cBhvr>
+                                      <p:to>
+                                        <p:strVal val="visible"/>
+                                      </p:to>
+                                    </p:set>
+                                    <p:anim calcmode="lin" valueType="num">
+                                      <p:cBhvr additive="base">
+                                        <p:cTn id="47" dur="500" fill="hold"/>
+                                        <p:tgtEl>
+                                          <p:spTgt spid="3">
+                                            <p:txEl>
+                                              <p:pRg st="8" end="8"/>
+                                            </p:txEl>
+                                          </p:spTgt>
+                                        </p:tgtEl>
+                                        <p:attrNameLst>
+                                          <p:attrName>ppt_x</p:attrName>
+                                        </p:attrNameLst>
+                                      </p:cBhvr>
+                                      <p:tavLst>
+                                        <p:tav tm="0">
+                                          <p:val>
+                                            <p:strVal val="1+#ppt_w/2"/>
+                                          </p:val>
+                                        </p:tav>
+                                        <p:tav tm="100000">
+                                          <p:val>
+                                            <p:strVal val="#ppt_x"/>
+                                          </p:val>
+                                        </p:tav>
+                                      </p:tavLst>
+                                    </p:anim>
+                                    <p:anim calcmode="lin" valueType="num">
+                                      <p:cBhvr additive="base">
+                                        <p:cTn id="48" dur="500" fill="hold"/>
+                                        <p:tgtEl>
+                                          <p:spTgt spid="3">
+                                            <p:txEl>
+                                              <p:pRg st="8" end="8"/>
+                                            </p:txEl>
+                                          </p:spTgt>
+                                        </p:tgtEl>
+                                        <p:attrNameLst>
+                                          <p:attrName>ppt_y</p:attrName>
+                                        </p:attrNameLst>
+                                      </p:cBhvr>
+                                      <p:tavLst>
+                                        <p:tav tm="0">
+                                          <p:val>
+                                            <p:strVal val="#ppt_y"/>
+                                          </p:val>
+                                        </p:tav>
+                                        <p:tav tm="100000">
+                                          <p:val>
+                                            <p:strVal val="#ppt_y"/>
+                                          </p:val>
+                                        </p:tav>
+                                      </p:tavLst>
+                                    </p:anim>
+                                  </p:childTnLst>
+                                </p:cTn>
+                              </p:par>
+                            </p:childTnLst>
+                          </p:cTn>
+                        </p:par>
                       </p:childTnLst>
                     </p:cTn>
                   </p:par>
@@ -5994,7 +8431,7 @@
 </p:sld>
 </file>
 
-<file path=ppt/slides/slide5.xml><?xml version="1.0" encoding="utf-8"?>
+<file path=ppt/slides/slide6.xml><?xml version="1.0" encoding="utf-8"?>
 <p:sld xmlns:a="http://schemas.openxmlformats.org/drawingml/2006/main" xmlns:r="http://schemas.openxmlformats.org/officeDocument/2006/relationships" xmlns:p="http://schemas.openxmlformats.org/presentationml/2006/main">
   <p:cSld>
     <p:spTree>
@@ -9195,7 +11632,7 @@
 </p:sld>
 </file>
 
-<file path=ppt/slides/slide6.xml><?xml version="1.0" encoding="utf-8"?>
+<file path=ppt/slides/slide7.xml><?xml version="1.0" encoding="utf-8"?>
 <p:sld xmlns:a="http://schemas.openxmlformats.org/drawingml/2006/main" xmlns:r="http://schemas.openxmlformats.org/officeDocument/2006/relationships" xmlns:p="http://schemas.openxmlformats.org/presentationml/2006/main">
   <p:cSld>
     <p:spTree>
@@ -9280,6 +11717,9 @@
               <a:t>J-UNIT</a:t>
             </a:r>
           </a:p>
+          <a:p>
+            <a:endParaRPr lang="it-IT" sz="2000" i="1" dirty="0"/>
+          </a:p>
         </p:txBody>
       </p:sp>
       <p:sp>
@@ -9408,7 +11848,7 @@
 </p:sld>
 </file>
 
-<file path=ppt/slides/slide7.xml><?xml version="1.0" encoding="utf-8"?>
+<file path=ppt/slides/slide8.xml><?xml version="1.0" encoding="utf-8"?>
 <p:sld xmlns:a="http://schemas.openxmlformats.org/drawingml/2006/main" xmlns:r="http://schemas.openxmlformats.org/officeDocument/2006/relationships" xmlns:p="http://schemas.openxmlformats.org/presentationml/2006/main">
   <p:cSld>
     <p:spTree>
@@ -9474,7 +11914,81 @@
           <a:bodyPr/>
           <a:lstStyle/>
           <a:p>
-            <a:endParaRPr lang="it-IT"/>
+            <a:r>
+              <a:rPr lang="it-IT" dirty="0"/>
+              <a:t>Game concepts and features </a:t>
+            </a:r>
+            <a:r>
+              <a:rPr lang="it-IT" dirty="0" err="1"/>
+              <a:t>represented</a:t>
+            </a:r>
+            <a:r>
+              <a:rPr lang="it-IT" dirty="0"/>
+              <a:t> by user stories </a:t>
+            </a:r>
+          </a:p>
+          <a:p>
+            <a:r>
+              <a:rPr lang="it-IT" dirty="0"/>
+              <a:t>Product backlog (Fibonacci </a:t>
+            </a:r>
+            <a:r>
+              <a:rPr lang="it-IT" dirty="0" err="1"/>
+              <a:t>sequence</a:t>
+            </a:r>
+            <a:r>
+              <a:rPr lang="it-IT" dirty="0"/>
+              <a:t> to </a:t>
+            </a:r>
+            <a:r>
+              <a:rPr lang="it-IT" dirty="0" err="1"/>
+              <a:t>assign</a:t>
+            </a:r>
+            <a:r>
+              <a:rPr lang="it-IT" dirty="0"/>
+              <a:t> story points)</a:t>
+            </a:r>
+          </a:p>
+          <a:p>
+            <a:r>
+              <a:rPr lang="it-IT" dirty="0" err="1"/>
+              <a:t>Sprints</a:t>
+            </a:r>
+            <a:r>
+              <a:rPr lang="it-IT" dirty="0"/>
+              <a:t> : planning and backlog, </a:t>
+            </a:r>
+            <a:r>
+              <a:rPr lang="it-IT" dirty="0" err="1"/>
+              <a:t>retrospective</a:t>
+            </a:r>
+            <a:r>
+              <a:rPr lang="it-IT" dirty="0"/>
+              <a:t>, review</a:t>
+            </a:r>
+          </a:p>
+          <a:p>
+            <a:r>
+              <a:rPr lang="it-IT" dirty="0" err="1"/>
+              <a:t>Daily</a:t>
+            </a:r>
+            <a:r>
+              <a:rPr lang="it-IT" dirty="0"/>
+              <a:t> meetings</a:t>
+            </a:r>
+          </a:p>
+          <a:p>
+            <a:r>
+              <a:rPr lang="it-IT" dirty="0" err="1"/>
+              <a:t>Pair</a:t>
+            </a:r>
+            <a:r>
+              <a:rPr lang="it-IT" dirty="0"/>
+              <a:t> programming</a:t>
+            </a:r>
+          </a:p>
+          <a:p>
+            <a:endParaRPr lang="it-IT" dirty="0"/>
           </a:p>
         </p:txBody>
       </p:sp>
@@ -9491,7 +12005,7 @@
 </p:sld>
 </file>
 
-<file path=ppt/slides/slide8.xml><?xml version="1.0" encoding="utf-8"?>
+<file path=ppt/slides/slide9.xml><?xml version="1.0" encoding="utf-8"?>
 <p:sld xmlns:a="http://schemas.openxmlformats.org/drawingml/2006/main" xmlns:r="http://schemas.openxmlformats.org/officeDocument/2006/relationships" xmlns:p="http://schemas.openxmlformats.org/presentationml/2006/main">
   <p:cSld>
     <p:spTree>
@@ -10095,822 +12609,6 @@
                                         <p:tav tm="0">
                                           <p:val>
                                             <p:strVal val="#ppt_y"/>
-                                          </p:val>
-                                        </p:tav>
-                                        <p:tav tm="100000">
-                                          <p:val>
-                                            <p:strVal val="#ppt_y"/>
-                                          </p:val>
-                                        </p:tav>
-                                      </p:tavLst>
-                                    </p:anim>
-                                  </p:childTnLst>
-                                </p:cTn>
-                              </p:par>
-                            </p:childTnLst>
-                          </p:cTn>
-                        </p:par>
-                      </p:childTnLst>
-                    </p:cTn>
-                  </p:par>
-                </p:childTnLst>
-              </p:cTn>
-              <p:prevCondLst>
-                <p:cond evt="onPrev" delay="0">
-                  <p:tgtEl>
-                    <p:sldTgt/>
-                  </p:tgtEl>
-                </p:cond>
-              </p:prevCondLst>
-              <p:nextCondLst>
-                <p:cond evt="onNext" delay="0">
-                  <p:tgtEl>
-                    <p:sldTgt/>
-                  </p:tgtEl>
-                </p:cond>
-              </p:nextCondLst>
-            </p:seq>
-          </p:childTnLst>
-        </p:cTn>
-      </p:par>
-    </p:tnLst>
-  </p:timing>
-</p:sld>
-</file>
-
-<file path=ppt/slides/slide9.xml><?xml version="1.0" encoding="utf-8"?>
-<p:sld xmlns:a="http://schemas.openxmlformats.org/drawingml/2006/main" xmlns:r="http://schemas.openxmlformats.org/officeDocument/2006/relationships" xmlns:p="http://schemas.openxmlformats.org/presentationml/2006/main">
-  <p:cSld>
-    <p:bg>
-      <p:bgPr>
-        <a:solidFill>
-          <a:schemeClr val="bg1">
-            <a:lumMod val="95000"/>
-          </a:schemeClr>
-        </a:solidFill>
-        <a:effectLst/>
-      </p:bgPr>
-    </p:bg>
-    <p:spTree>
-      <p:nvGrpSpPr>
-        <p:cNvPr id="1" name=""/>
-        <p:cNvGrpSpPr/>
-        <p:nvPr/>
-      </p:nvGrpSpPr>
-      <p:grpSpPr>
-        <a:xfrm>
-          <a:off x="0" y="0"/>
-          <a:ext cx="0" cy="0"/>
-          <a:chOff x="0" y="0"/>
-          <a:chExt cx="0" cy="0"/>
-        </a:xfrm>
-      </p:grpSpPr>
-      <p:sp>
-        <p:nvSpPr>
-          <p:cNvPr id="36" name="Rectangle 35">
-            <a:extLst>
-              <a:ext uri="{FF2B5EF4-FFF2-40B4-BE49-F238E27FC236}">
-                <a16:creationId xmlns:a16="http://schemas.microsoft.com/office/drawing/2014/main" id="{CF342E47-6E1D-4EED-875B-4AB707CA50E5}"/>
-              </a:ext>
-              <a:ext uri="{C183D7F6-B498-43B3-948B-1728B52AA6E4}">
-                <adec:decorative xmlns:adec="http://schemas.microsoft.com/office/drawing/2017/decorative" val="1"/>
-              </a:ext>
-            </a:extLst>
-          </p:cNvPr>
-          <p:cNvSpPr>
-            <a:spLocks noGrp="1" noRot="1" noChangeAspect="1" noMove="1" noResize="1" noEditPoints="1" noAdjustHandles="1" noChangeArrowheads="1" noChangeShapeType="1" noTextEdit="1"/>
-          </p:cNvSpPr>
-          <p:nvPr>
-            <p:extLst>
-              <p:ext uri="{386F3935-93C4-4BCD-93E2-E3B085C9AB24}">
-                <p16:designElem xmlns:p16="http://schemas.microsoft.com/office/powerpoint/2015/main" val="1"/>
-              </p:ext>
-            </p:extLst>
-          </p:nvPr>
-        </p:nvSpPr>
-        <p:spPr>
-          <a:xfrm>
-            <a:off x="0" y="-2"/>
-            <a:ext cx="12192000" cy="4918511"/>
-          </a:xfrm>
-          <a:prstGeom prst="rect">
-            <a:avLst/>
-          </a:prstGeom>
-          <a:solidFill>
-            <a:srgbClr val="FFFFFF"/>
-          </a:solidFill>
-          <a:ln>
-            <a:noFill/>
-          </a:ln>
-        </p:spPr>
-        <p:style>
-          <a:lnRef idx="2">
-            <a:schemeClr val="accent1">
-              <a:shade val="50000"/>
-            </a:schemeClr>
-          </a:lnRef>
-          <a:fillRef idx="1">
-            <a:schemeClr val="accent1"/>
-          </a:fillRef>
-          <a:effectRef idx="0">
-            <a:schemeClr val="accent1"/>
-          </a:effectRef>
-          <a:fontRef idx="minor">
-            <a:schemeClr val="lt1"/>
-          </a:fontRef>
-        </p:style>
-        <p:txBody>
-          <a:bodyPr rtlCol="0" anchor="ctr"/>
-          <a:lstStyle/>
-          <a:p>
-            <a:pPr algn="ctr"/>
-            <a:endParaRPr lang="en-US"/>
-          </a:p>
-        </p:txBody>
-      </p:sp>
-      <p:sp>
-        <p:nvSpPr>
-          <p:cNvPr id="2" name="Titolo 1">
-            <a:extLst>
-              <a:ext uri="{FF2B5EF4-FFF2-40B4-BE49-F238E27FC236}">
-                <a16:creationId xmlns:a16="http://schemas.microsoft.com/office/drawing/2014/main" id="{8389B6C8-7190-410D-9C80-1D385930F890}"/>
-              </a:ext>
-            </a:extLst>
-          </p:cNvPr>
-          <p:cNvSpPr>
-            <a:spLocks noGrp="1"/>
-          </p:cNvSpPr>
-          <p:nvPr>
-            <p:ph type="title"/>
-          </p:nvPr>
-        </p:nvSpPr>
-        <p:spPr>
-          <a:xfrm>
-            <a:off x="1600200" y="5253849"/>
-            <a:ext cx="8991600" cy="1264762"/>
-          </a:xfrm>
-        </p:spPr>
-        <p:txBody>
-          <a:bodyPr vert="horz" lIns="274320" tIns="182880" rIns="274320" bIns="182880" rtlCol="0" anchor="ctr" anchorCtr="1">
-            <a:normAutofit/>
-          </a:bodyPr>
-          <a:lstStyle/>
-          <a:p>
-            <a:r>
-              <a:rPr lang="en-US" sz="3200">
-                <a:solidFill>
-                  <a:srgbClr val="262626"/>
-                </a:solidFill>
-              </a:rPr>
-              <a:t>OVERIVIEW OF ALL SPRINT EXECUTED</a:t>
-            </a:r>
-          </a:p>
-        </p:txBody>
-      </p:sp>
-      <p:pic>
-        <p:nvPicPr>
-          <p:cNvPr id="31" name="Immagine 30">
-            <a:extLst>
-              <a:ext uri="{FF2B5EF4-FFF2-40B4-BE49-F238E27FC236}">
-                <a16:creationId xmlns:a16="http://schemas.microsoft.com/office/drawing/2014/main" id="{5D4F1038-0E26-45C7-BA81-AE1D5014651D}"/>
-              </a:ext>
-            </a:extLst>
-          </p:cNvPr>
-          <p:cNvPicPr>
-            <a:picLocks noChangeAspect="1"/>
-          </p:cNvPicPr>
-          <p:nvPr/>
-        </p:nvPicPr>
-        <p:blipFill>
-          <a:blip r:embed="rId2"/>
-          <a:srcRect/>
-          <a:stretch/>
-        </p:blipFill>
-        <p:spPr>
-          <a:xfrm>
-            <a:off x="574098" y="0"/>
-            <a:ext cx="3564205" cy="2673154"/>
-          </a:xfrm>
-          <a:prstGeom prst="rect">
-            <a:avLst/>
-          </a:prstGeom>
-        </p:spPr>
-      </p:pic>
-      <p:pic>
-        <p:nvPicPr>
-          <p:cNvPr id="29" name="Immagine 28" descr="Immagine che contiene testo, mappa&#10;&#10;Descrizione generata automaticamente">
-            <a:extLst>
-              <a:ext uri="{FF2B5EF4-FFF2-40B4-BE49-F238E27FC236}">
-                <a16:creationId xmlns:a16="http://schemas.microsoft.com/office/drawing/2014/main" id="{7D7E0541-ACE5-4C71-9EC5-7FDF64F780A0}"/>
-              </a:ext>
-            </a:extLst>
-          </p:cNvPr>
-          <p:cNvPicPr>
-            <a:picLocks noChangeAspect="1"/>
-          </p:cNvPicPr>
-          <p:nvPr/>
-        </p:nvPicPr>
-        <p:blipFill>
-          <a:blip r:embed="rId3"/>
-          <a:stretch>
-            <a:fillRect/>
-          </a:stretch>
-        </p:blipFill>
-        <p:spPr>
-          <a:xfrm>
-            <a:off x="4313895" y="0"/>
-            <a:ext cx="3564210" cy="2673156"/>
-          </a:xfrm>
-          <a:prstGeom prst="rect">
-            <a:avLst/>
-          </a:prstGeom>
-        </p:spPr>
-      </p:pic>
-      <p:pic>
-        <p:nvPicPr>
-          <p:cNvPr id="27" name="Immagine 26" descr="Immagine che contiene testo, mappa&#10;&#10;Descrizione generata automaticamente">
-            <a:extLst>
-              <a:ext uri="{FF2B5EF4-FFF2-40B4-BE49-F238E27FC236}">
-                <a16:creationId xmlns:a16="http://schemas.microsoft.com/office/drawing/2014/main" id="{253444C9-22EF-4B43-8973-C2B873A95FD1}"/>
-              </a:ext>
-            </a:extLst>
-          </p:cNvPr>
-          <p:cNvPicPr>
-            <a:picLocks noChangeAspect="1"/>
-          </p:cNvPicPr>
-          <p:nvPr/>
-        </p:nvPicPr>
-        <p:blipFill>
-          <a:blip r:embed="rId4"/>
-          <a:stretch>
-            <a:fillRect/>
-          </a:stretch>
-        </p:blipFill>
-        <p:spPr>
-          <a:xfrm>
-            <a:off x="8053697" y="6"/>
-            <a:ext cx="3564196" cy="2673148"/>
-          </a:xfrm>
-          <a:prstGeom prst="rect">
-            <a:avLst/>
-          </a:prstGeom>
-        </p:spPr>
-      </p:pic>
-      <p:pic>
-        <p:nvPicPr>
-          <p:cNvPr id="25" name="Segnaposto contenuto 24">
-            <a:extLst>
-              <a:ext uri="{FF2B5EF4-FFF2-40B4-BE49-F238E27FC236}">
-                <a16:creationId xmlns:a16="http://schemas.microsoft.com/office/drawing/2014/main" id="{310D4E75-F3FF-4160-92BE-28FE29A30C8C}"/>
-              </a:ext>
-            </a:extLst>
-          </p:cNvPr>
-          <p:cNvPicPr>
-            <a:picLocks noGrp="1" noChangeAspect="1"/>
-          </p:cNvPicPr>
-          <p:nvPr>
-            <p:ph idx="1"/>
-          </p:nvPr>
-        </p:nvPicPr>
-        <p:blipFill>
-          <a:blip r:embed="rId5"/>
-          <a:srcRect/>
-          <a:stretch/>
-        </p:blipFill>
-        <p:spPr>
-          <a:xfrm>
-            <a:off x="2559387" y="2425959"/>
-            <a:ext cx="3157834" cy="2368376"/>
-          </a:xfrm>
-          <a:prstGeom prst="rect">
-            <a:avLst/>
-          </a:prstGeom>
-        </p:spPr>
-      </p:pic>
-      <p:pic>
-        <p:nvPicPr>
-          <p:cNvPr id="33" name="Immagine 32">
-            <a:extLst>
-              <a:ext uri="{FF2B5EF4-FFF2-40B4-BE49-F238E27FC236}">
-                <a16:creationId xmlns:a16="http://schemas.microsoft.com/office/drawing/2014/main" id="{471D1306-52DD-4737-86D0-C38324851892}"/>
-              </a:ext>
-            </a:extLst>
-          </p:cNvPr>
-          <p:cNvPicPr>
-            <a:picLocks noChangeAspect="1"/>
-          </p:cNvPicPr>
-          <p:nvPr/>
-        </p:nvPicPr>
-        <p:blipFill>
-          <a:blip r:embed="rId6"/>
-          <a:srcRect/>
-          <a:stretch/>
-        </p:blipFill>
-        <p:spPr>
-          <a:xfrm>
-            <a:off x="6275215" y="2389999"/>
-            <a:ext cx="3205780" cy="2404335"/>
-          </a:xfrm>
-          <a:prstGeom prst="rect">
-            <a:avLst/>
-          </a:prstGeom>
-        </p:spPr>
-      </p:pic>
-    </p:spTree>
-    <p:extLst>
-      <p:ext uri="{BB962C8B-B14F-4D97-AF65-F5344CB8AC3E}">
-        <p14:creationId xmlns:p14="http://schemas.microsoft.com/office/powerpoint/2010/main" val="613598674"/>
-      </p:ext>
-    </p:extLst>
-  </p:cSld>
-  <p:clrMapOvr>
-    <a:masterClrMapping/>
-  </p:clrMapOvr>
-  <p:timing>
-    <p:tnLst>
-      <p:par>
-        <p:cTn id="1" dur="indefinite" restart="never" nodeType="tmRoot">
-          <p:childTnLst>
-            <p:seq concurrent="1" nextAc="seek">
-              <p:cTn id="2" dur="indefinite" nodeType="mainSeq">
-                <p:childTnLst>
-                  <p:par>
-                    <p:cTn id="3" fill="hold">
-                      <p:stCondLst>
-                        <p:cond delay="indefinite"/>
-                      </p:stCondLst>
-                      <p:childTnLst>
-                        <p:par>
-                          <p:cTn id="4" fill="hold">
-                            <p:stCondLst>
-                              <p:cond delay="0"/>
-                            </p:stCondLst>
-                            <p:childTnLst>
-                              <p:par>
-                                <p:cTn id="5" presetID="47" presetClass="entr" presetSubtype="0" fill="hold" nodeType="clickEffect">
-                                  <p:stCondLst>
-                                    <p:cond delay="0"/>
-                                  </p:stCondLst>
-                                  <p:childTnLst>
-                                    <p:set>
-                                      <p:cBhvr>
-                                        <p:cTn id="6" dur="1" fill="hold">
-                                          <p:stCondLst>
-                                            <p:cond delay="0"/>
-                                          </p:stCondLst>
-                                        </p:cTn>
-                                        <p:tgtEl>
-                                          <p:spTgt spid="31"/>
-                                        </p:tgtEl>
-                                        <p:attrNameLst>
-                                          <p:attrName>style.visibility</p:attrName>
-                                        </p:attrNameLst>
-                                      </p:cBhvr>
-                                      <p:to>
-                                        <p:strVal val="visible"/>
-                                      </p:to>
-                                    </p:set>
-                                    <p:animEffect transition="in" filter="fade">
-                                      <p:cBhvr>
-                                        <p:cTn id="7" dur="1000"/>
-                                        <p:tgtEl>
-                                          <p:spTgt spid="31"/>
-                                        </p:tgtEl>
-                                      </p:cBhvr>
-                                    </p:animEffect>
-                                    <p:anim calcmode="lin" valueType="num">
-                                      <p:cBhvr>
-                                        <p:cTn id="8" dur="1000" fill="hold"/>
-                                        <p:tgtEl>
-                                          <p:spTgt spid="31"/>
-                                        </p:tgtEl>
-                                        <p:attrNameLst>
-                                          <p:attrName>ppt_x</p:attrName>
-                                        </p:attrNameLst>
-                                      </p:cBhvr>
-                                      <p:tavLst>
-                                        <p:tav tm="0">
-                                          <p:val>
-                                            <p:strVal val="#ppt_x"/>
-                                          </p:val>
-                                        </p:tav>
-                                        <p:tav tm="100000">
-                                          <p:val>
-                                            <p:strVal val="#ppt_x"/>
-                                          </p:val>
-                                        </p:tav>
-                                      </p:tavLst>
-                                    </p:anim>
-                                    <p:anim calcmode="lin" valueType="num">
-                                      <p:cBhvr>
-                                        <p:cTn id="9" dur="1000" fill="hold"/>
-                                        <p:tgtEl>
-                                          <p:spTgt spid="31"/>
-                                        </p:tgtEl>
-                                        <p:attrNameLst>
-                                          <p:attrName>ppt_y</p:attrName>
-                                        </p:attrNameLst>
-                                      </p:cBhvr>
-                                      <p:tavLst>
-                                        <p:tav tm="0">
-                                          <p:val>
-                                            <p:strVal val="#ppt_y-.1"/>
-                                          </p:val>
-                                        </p:tav>
-                                        <p:tav tm="100000">
-                                          <p:val>
-                                            <p:strVal val="#ppt_y"/>
-                                          </p:val>
-                                        </p:tav>
-                                      </p:tavLst>
-                                    </p:anim>
-                                  </p:childTnLst>
-                                </p:cTn>
-                              </p:par>
-                            </p:childTnLst>
-                          </p:cTn>
-                        </p:par>
-                      </p:childTnLst>
-                    </p:cTn>
-                  </p:par>
-                  <p:par>
-                    <p:cTn id="10" fill="hold">
-                      <p:stCondLst>
-                        <p:cond delay="indefinite"/>
-                      </p:stCondLst>
-                      <p:childTnLst>
-                        <p:par>
-                          <p:cTn id="11" fill="hold">
-                            <p:stCondLst>
-                              <p:cond delay="0"/>
-                            </p:stCondLst>
-                            <p:childTnLst>
-                              <p:par>
-                                <p:cTn id="12" presetID="47" presetClass="entr" presetSubtype="0" fill="hold" nodeType="clickEffect">
-                                  <p:stCondLst>
-                                    <p:cond delay="0"/>
-                                  </p:stCondLst>
-                                  <p:childTnLst>
-                                    <p:set>
-                                      <p:cBhvr>
-                                        <p:cTn id="13" dur="1" fill="hold">
-                                          <p:stCondLst>
-                                            <p:cond delay="0"/>
-                                          </p:stCondLst>
-                                        </p:cTn>
-                                        <p:tgtEl>
-                                          <p:spTgt spid="29"/>
-                                        </p:tgtEl>
-                                        <p:attrNameLst>
-                                          <p:attrName>style.visibility</p:attrName>
-                                        </p:attrNameLst>
-                                      </p:cBhvr>
-                                      <p:to>
-                                        <p:strVal val="visible"/>
-                                      </p:to>
-                                    </p:set>
-                                    <p:animEffect transition="in" filter="fade">
-                                      <p:cBhvr>
-                                        <p:cTn id="14" dur="1000"/>
-                                        <p:tgtEl>
-                                          <p:spTgt spid="29"/>
-                                        </p:tgtEl>
-                                      </p:cBhvr>
-                                    </p:animEffect>
-                                    <p:anim calcmode="lin" valueType="num">
-                                      <p:cBhvr>
-                                        <p:cTn id="15" dur="1000" fill="hold"/>
-                                        <p:tgtEl>
-                                          <p:spTgt spid="29"/>
-                                        </p:tgtEl>
-                                        <p:attrNameLst>
-                                          <p:attrName>ppt_x</p:attrName>
-                                        </p:attrNameLst>
-                                      </p:cBhvr>
-                                      <p:tavLst>
-                                        <p:tav tm="0">
-                                          <p:val>
-                                            <p:strVal val="#ppt_x"/>
-                                          </p:val>
-                                        </p:tav>
-                                        <p:tav tm="100000">
-                                          <p:val>
-                                            <p:strVal val="#ppt_x"/>
-                                          </p:val>
-                                        </p:tav>
-                                      </p:tavLst>
-                                    </p:anim>
-                                    <p:anim calcmode="lin" valueType="num">
-                                      <p:cBhvr>
-                                        <p:cTn id="16" dur="1000" fill="hold"/>
-                                        <p:tgtEl>
-                                          <p:spTgt spid="29"/>
-                                        </p:tgtEl>
-                                        <p:attrNameLst>
-                                          <p:attrName>ppt_y</p:attrName>
-                                        </p:attrNameLst>
-                                      </p:cBhvr>
-                                      <p:tavLst>
-                                        <p:tav tm="0">
-                                          <p:val>
-                                            <p:strVal val="#ppt_y-.1"/>
-                                          </p:val>
-                                        </p:tav>
-                                        <p:tav tm="100000">
-                                          <p:val>
-                                            <p:strVal val="#ppt_y"/>
-                                          </p:val>
-                                        </p:tav>
-                                      </p:tavLst>
-                                    </p:anim>
-                                  </p:childTnLst>
-                                </p:cTn>
-                              </p:par>
-                            </p:childTnLst>
-                          </p:cTn>
-                        </p:par>
-                      </p:childTnLst>
-                    </p:cTn>
-                  </p:par>
-                  <p:par>
-                    <p:cTn id="17" fill="hold">
-                      <p:stCondLst>
-                        <p:cond delay="indefinite"/>
-                      </p:stCondLst>
-                      <p:childTnLst>
-                        <p:par>
-                          <p:cTn id="18" fill="hold">
-                            <p:stCondLst>
-                              <p:cond delay="0"/>
-                            </p:stCondLst>
-                            <p:childTnLst>
-                              <p:par>
-                                <p:cTn id="19" presetID="47" presetClass="entr" presetSubtype="0" fill="hold" nodeType="clickEffect">
-                                  <p:stCondLst>
-                                    <p:cond delay="0"/>
-                                  </p:stCondLst>
-                                  <p:childTnLst>
-                                    <p:set>
-                                      <p:cBhvr>
-                                        <p:cTn id="20" dur="1" fill="hold">
-                                          <p:stCondLst>
-                                            <p:cond delay="0"/>
-                                          </p:stCondLst>
-                                        </p:cTn>
-                                        <p:tgtEl>
-                                          <p:spTgt spid="27"/>
-                                        </p:tgtEl>
-                                        <p:attrNameLst>
-                                          <p:attrName>style.visibility</p:attrName>
-                                        </p:attrNameLst>
-                                      </p:cBhvr>
-                                      <p:to>
-                                        <p:strVal val="visible"/>
-                                      </p:to>
-                                    </p:set>
-                                    <p:animEffect transition="in" filter="fade">
-                                      <p:cBhvr>
-                                        <p:cTn id="21" dur="1000"/>
-                                        <p:tgtEl>
-                                          <p:spTgt spid="27"/>
-                                        </p:tgtEl>
-                                      </p:cBhvr>
-                                    </p:animEffect>
-                                    <p:anim calcmode="lin" valueType="num">
-                                      <p:cBhvr>
-                                        <p:cTn id="22" dur="1000" fill="hold"/>
-                                        <p:tgtEl>
-                                          <p:spTgt spid="27"/>
-                                        </p:tgtEl>
-                                        <p:attrNameLst>
-                                          <p:attrName>ppt_x</p:attrName>
-                                        </p:attrNameLst>
-                                      </p:cBhvr>
-                                      <p:tavLst>
-                                        <p:tav tm="0">
-                                          <p:val>
-                                            <p:strVal val="#ppt_x"/>
-                                          </p:val>
-                                        </p:tav>
-                                        <p:tav tm="100000">
-                                          <p:val>
-                                            <p:strVal val="#ppt_x"/>
-                                          </p:val>
-                                        </p:tav>
-                                      </p:tavLst>
-                                    </p:anim>
-                                    <p:anim calcmode="lin" valueType="num">
-                                      <p:cBhvr>
-                                        <p:cTn id="23" dur="1000" fill="hold"/>
-                                        <p:tgtEl>
-                                          <p:spTgt spid="27"/>
-                                        </p:tgtEl>
-                                        <p:attrNameLst>
-                                          <p:attrName>ppt_y</p:attrName>
-                                        </p:attrNameLst>
-                                      </p:cBhvr>
-                                      <p:tavLst>
-                                        <p:tav tm="0">
-                                          <p:val>
-                                            <p:strVal val="#ppt_y-.1"/>
-                                          </p:val>
-                                        </p:tav>
-                                        <p:tav tm="100000">
-                                          <p:val>
-                                            <p:strVal val="#ppt_y"/>
-                                          </p:val>
-                                        </p:tav>
-                                      </p:tavLst>
-                                    </p:anim>
-                                  </p:childTnLst>
-                                </p:cTn>
-                              </p:par>
-                            </p:childTnLst>
-                          </p:cTn>
-                        </p:par>
-                      </p:childTnLst>
-                    </p:cTn>
-                  </p:par>
-                  <p:par>
-                    <p:cTn id="24" fill="hold">
-                      <p:stCondLst>
-                        <p:cond delay="indefinite"/>
-                      </p:stCondLst>
-                      <p:childTnLst>
-                        <p:par>
-                          <p:cTn id="25" fill="hold">
-                            <p:stCondLst>
-                              <p:cond delay="0"/>
-                            </p:stCondLst>
-                            <p:childTnLst>
-                              <p:par>
-                                <p:cTn id="26" presetID="42" presetClass="entr" presetSubtype="0" fill="hold" nodeType="clickEffect">
-                                  <p:stCondLst>
-                                    <p:cond delay="0"/>
-                                  </p:stCondLst>
-                                  <p:childTnLst>
-                                    <p:set>
-                                      <p:cBhvr>
-                                        <p:cTn id="27" dur="1" fill="hold">
-                                          <p:stCondLst>
-                                            <p:cond delay="0"/>
-                                          </p:stCondLst>
-                                        </p:cTn>
-                                        <p:tgtEl>
-                                          <p:spTgt spid="25"/>
-                                        </p:tgtEl>
-                                        <p:attrNameLst>
-                                          <p:attrName>style.visibility</p:attrName>
-                                        </p:attrNameLst>
-                                      </p:cBhvr>
-                                      <p:to>
-                                        <p:strVal val="visible"/>
-                                      </p:to>
-                                    </p:set>
-                                    <p:animEffect transition="in" filter="fade">
-                                      <p:cBhvr>
-                                        <p:cTn id="28" dur="1000"/>
-                                        <p:tgtEl>
-                                          <p:spTgt spid="25"/>
-                                        </p:tgtEl>
-                                      </p:cBhvr>
-                                    </p:animEffect>
-                                    <p:anim calcmode="lin" valueType="num">
-                                      <p:cBhvr>
-                                        <p:cTn id="29" dur="1000" fill="hold"/>
-                                        <p:tgtEl>
-                                          <p:spTgt spid="25"/>
-                                        </p:tgtEl>
-                                        <p:attrNameLst>
-                                          <p:attrName>ppt_x</p:attrName>
-                                        </p:attrNameLst>
-                                      </p:cBhvr>
-                                      <p:tavLst>
-                                        <p:tav tm="0">
-                                          <p:val>
-                                            <p:strVal val="#ppt_x"/>
-                                          </p:val>
-                                        </p:tav>
-                                        <p:tav tm="100000">
-                                          <p:val>
-                                            <p:strVal val="#ppt_x"/>
-                                          </p:val>
-                                        </p:tav>
-                                      </p:tavLst>
-                                    </p:anim>
-                                    <p:anim calcmode="lin" valueType="num">
-                                      <p:cBhvr>
-                                        <p:cTn id="30" dur="1000" fill="hold"/>
-                                        <p:tgtEl>
-                                          <p:spTgt spid="25"/>
-                                        </p:tgtEl>
-                                        <p:attrNameLst>
-                                          <p:attrName>ppt_y</p:attrName>
-                                        </p:attrNameLst>
-                                      </p:cBhvr>
-                                      <p:tavLst>
-                                        <p:tav tm="0">
-                                          <p:val>
-                                            <p:strVal val="#ppt_y+.1"/>
-                                          </p:val>
-                                        </p:tav>
-                                        <p:tav tm="100000">
-                                          <p:val>
-                                            <p:strVal val="#ppt_y"/>
-                                          </p:val>
-                                        </p:tav>
-                                      </p:tavLst>
-                                    </p:anim>
-                                  </p:childTnLst>
-                                </p:cTn>
-                              </p:par>
-                            </p:childTnLst>
-                          </p:cTn>
-                        </p:par>
-                      </p:childTnLst>
-                    </p:cTn>
-                  </p:par>
-                  <p:par>
-                    <p:cTn id="31" fill="hold">
-                      <p:stCondLst>
-                        <p:cond delay="indefinite"/>
-                      </p:stCondLst>
-                      <p:childTnLst>
-                        <p:par>
-                          <p:cTn id="32" fill="hold">
-                            <p:stCondLst>
-                              <p:cond delay="0"/>
-                            </p:stCondLst>
-                            <p:childTnLst>
-                              <p:par>
-                                <p:cTn id="33" presetID="42" presetClass="entr" presetSubtype="0" fill="hold" nodeType="clickEffect">
-                                  <p:stCondLst>
-                                    <p:cond delay="0"/>
-                                  </p:stCondLst>
-                                  <p:childTnLst>
-                                    <p:set>
-                                      <p:cBhvr>
-                                        <p:cTn id="34" dur="1" fill="hold">
-                                          <p:stCondLst>
-                                            <p:cond delay="0"/>
-                                          </p:stCondLst>
-                                        </p:cTn>
-                                        <p:tgtEl>
-                                          <p:spTgt spid="33"/>
-                                        </p:tgtEl>
-                                        <p:attrNameLst>
-                                          <p:attrName>style.visibility</p:attrName>
-                                        </p:attrNameLst>
-                                      </p:cBhvr>
-                                      <p:to>
-                                        <p:strVal val="visible"/>
-                                      </p:to>
-                                    </p:set>
-                                    <p:animEffect transition="in" filter="fade">
-                                      <p:cBhvr>
-                                        <p:cTn id="35" dur="1000"/>
-                                        <p:tgtEl>
-                                          <p:spTgt spid="33"/>
-                                        </p:tgtEl>
-                                      </p:cBhvr>
-                                    </p:animEffect>
-                                    <p:anim calcmode="lin" valueType="num">
-                                      <p:cBhvr>
-                                        <p:cTn id="36" dur="1000" fill="hold"/>
-                                        <p:tgtEl>
-                                          <p:spTgt spid="33"/>
-                                        </p:tgtEl>
-                                        <p:attrNameLst>
-                                          <p:attrName>ppt_x</p:attrName>
-                                        </p:attrNameLst>
-                                      </p:cBhvr>
-                                      <p:tavLst>
-                                        <p:tav tm="0">
-                                          <p:val>
-                                            <p:strVal val="#ppt_x"/>
-                                          </p:val>
-                                        </p:tav>
-                                        <p:tav tm="100000">
-                                          <p:val>
-                                            <p:strVal val="#ppt_x"/>
-                                          </p:val>
-                                        </p:tav>
-                                      </p:tavLst>
-                                    </p:anim>
-                                    <p:anim calcmode="lin" valueType="num">
-                                      <p:cBhvr>
-                                        <p:cTn id="37" dur="1000" fill="hold"/>
-                                        <p:tgtEl>
-                                          <p:spTgt spid="33"/>
-                                        </p:tgtEl>
-                                        <p:attrNameLst>
-                                          <p:attrName>ppt_y</p:attrName>
-                                        </p:attrNameLst>
-                                      </p:cBhvr>
-                                      <p:tavLst>
-                                        <p:tav tm="0">
-                                          <p:val>
-                                            <p:strVal val="#ppt_y+.1"/>
                                           </p:val>
                                         </p:tav>
                                         <p:tav tm="100000">

--- a/PRESENTAZIONE FINALE2.pptx
+++ b/PRESENTAZIONE FINALE2.pptx
@@ -5,7 +5,7 @@
     <p:sldMasterId id="2147483696" r:id="rId1"/>
   </p:sldMasterIdLst>
   <p:notesMasterIdLst>
-    <p:notesMasterId r:id="rId14"/>
+    <p:notesMasterId r:id="rId15"/>
   </p:notesMasterIdLst>
   <p:sldIdLst>
     <p:sldId id="256" r:id="rId2"/>
@@ -20,6 +20,7 @@
     <p:sldId id="261" r:id="rId11"/>
     <p:sldId id="265" r:id="rId12"/>
     <p:sldId id="267" r:id="rId13"/>
+    <p:sldId id="268" r:id="rId14"/>
   </p:sldIdLst>
   <p:sldSz cx="12192000" cy="6858000"/>
   <p:notesSz cx="6858000" cy="9144000"/>
@@ -1220,6 +1221,179 @@
     <p:extLst>
       <p:ext uri="{BB962C8B-B14F-4D97-AF65-F5344CB8AC3E}">
         <p14:creationId xmlns:p14="http://schemas.microsoft.com/office/powerpoint/2010/main" val="4138642985"/>
+      </p:ext>
+    </p:extLst>
+  </p:cSld>
+  <p:clrMapOvr>
+    <a:masterClrMapping/>
+  </p:clrMapOvr>
+</p:notes>
+</file>
+
+<file path=ppt/notesSlides/notesSlide3.xml><?xml version="1.0" encoding="utf-8"?>
+<p:notes xmlns:a="http://schemas.openxmlformats.org/drawingml/2006/main" xmlns:r="http://schemas.openxmlformats.org/officeDocument/2006/relationships" xmlns:p="http://schemas.openxmlformats.org/presentationml/2006/main">
+  <p:cSld>
+    <p:spTree>
+      <p:nvGrpSpPr>
+        <p:cNvPr id="1" name=""/>
+        <p:cNvGrpSpPr/>
+        <p:nvPr/>
+      </p:nvGrpSpPr>
+      <p:grpSpPr>
+        <a:xfrm>
+          <a:off x="0" y="0"/>
+          <a:ext cx="0" cy="0"/>
+          <a:chOff x="0" y="0"/>
+          <a:chExt cx="0" cy="0"/>
+        </a:xfrm>
+      </p:grpSpPr>
+      <p:sp>
+        <p:nvSpPr>
+          <p:cNvPr id="2" name="Segnaposto immagine diapositiva 1"/>
+          <p:cNvSpPr>
+            <a:spLocks noGrp="1" noRot="1" noChangeAspect="1"/>
+          </p:cNvSpPr>
+          <p:nvPr>
+            <p:ph type="sldImg"/>
+          </p:nvPr>
+        </p:nvSpPr>
+        <p:spPr/>
+      </p:sp>
+      <p:sp>
+        <p:nvSpPr>
+          <p:cNvPr id="3" name="Segnaposto note 2"/>
+          <p:cNvSpPr>
+            <a:spLocks noGrp="1"/>
+          </p:cNvSpPr>
+          <p:nvPr>
+            <p:ph type="body" idx="1"/>
+          </p:nvPr>
+        </p:nvSpPr>
+        <p:spPr/>
+        <p:txBody>
+          <a:bodyPr/>
+          <a:lstStyle/>
+          <a:p>
+            <a:pPr marL="0" marR="0" lvl="0" indent="0" algn="l" defTabSz="914400" rtl="0" eaLnBrk="1" fontAlgn="auto" latinLnBrk="0" hangingPunct="1">
+              <a:lnSpc>
+                <a:spcPct val="100000"/>
+              </a:lnSpc>
+              <a:spcBef>
+                <a:spcPts val="0"/>
+              </a:spcBef>
+              <a:spcAft>
+                <a:spcPts val="0"/>
+              </a:spcAft>
+              <a:buClrTx/>
+              <a:buSzTx/>
+              <a:buFontTx/>
+              <a:buNone/>
+              <a:tabLst/>
+              <a:defRPr/>
+            </a:pPr>
+            <a:r>
+              <a:rPr lang="en-GB" dirty="0"/>
+              <a:t>Sprint reviews helped us to understand if what we developed matched our expectations of the game.</a:t>
+            </a:r>
+          </a:p>
+          <a:p>
+            <a:pPr marL="0" marR="0" lvl="0" indent="0" algn="l" defTabSz="914400" rtl="0" eaLnBrk="1" fontAlgn="auto" latinLnBrk="0" hangingPunct="1">
+              <a:lnSpc>
+                <a:spcPct val="100000"/>
+              </a:lnSpc>
+              <a:spcBef>
+                <a:spcPts val="0"/>
+              </a:spcBef>
+              <a:spcAft>
+                <a:spcPts val="0"/>
+              </a:spcAft>
+              <a:buClrTx/>
+              <a:buSzTx/>
+              <a:buFontTx/>
+              <a:buNone/>
+              <a:tabLst/>
+              <a:defRPr/>
+            </a:pPr>
+            <a:r>
+              <a:rPr lang="en-GB" dirty="0"/>
+              <a:t>Highlighted positive aspects of the team and this lead to an improvement of its productivity and status.</a:t>
+            </a:r>
+          </a:p>
+          <a:p>
+            <a:pPr marL="0" marR="0" lvl="0" indent="0" algn="l" defTabSz="914400" rtl="0" eaLnBrk="1" fontAlgn="auto" latinLnBrk="0" hangingPunct="1">
+              <a:lnSpc>
+                <a:spcPct val="100000"/>
+              </a:lnSpc>
+              <a:spcBef>
+                <a:spcPts val="0"/>
+              </a:spcBef>
+              <a:spcAft>
+                <a:spcPts val="0"/>
+              </a:spcAft>
+              <a:buClrTx/>
+              <a:buSzTx/>
+              <a:buFontTx/>
+              <a:buNone/>
+              <a:tabLst/>
+              <a:defRPr/>
+            </a:pPr>
+            <a:r>
+              <a:rPr lang="en-GB" dirty="0"/>
+              <a:t>Helped us to introduce discussions about time and resources management.</a:t>
+            </a:r>
+          </a:p>
+          <a:p>
+            <a:pPr marL="0" marR="0" lvl="0" indent="0" algn="l" defTabSz="914400" rtl="0" eaLnBrk="1" fontAlgn="auto" latinLnBrk="0" hangingPunct="1">
+              <a:lnSpc>
+                <a:spcPct val="100000"/>
+              </a:lnSpc>
+              <a:spcBef>
+                <a:spcPts val="0"/>
+              </a:spcBef>
+              <a:spcAft>
+                <a:spcPts val="0"/>
+              </a:spcAft>
+              <a:buClrTx/>
+              <a:buSzTx/>
+              <a:buFontTx/>
+              <a:buNone/>
+              <a:tabLst/>
+              <a:defRPr/>
+            </a:pPr>
+            <a:endParaRPr lang="en-GB" dirty="0"/>
+          </a:p>
+          <a:p>
+            <a:endParaRPr lang="en-GB" dirty="0"/>
+          </a:p>
+        </p:txBody>
+      </p:sp>
+      <p:sp>
+        <p:nvSpPr>
+          <p:cNvPr id="4" name="Segnaposto numero diapositiva 3"/>
+          <p:cNvSpPr>
+            <a:spLocks noGrp="1"/>
+          </p:cNvSpPr>
+          <p:nvPr>
+            <p:ph type="sldNum" sz="quarter" idx="5"/>
+          </p:nvPr>
+        </p:nvSpPr>
+        <p:spPr/>
+        <p:txBody>
+          <a:bodyPr/>
+          <a:lstStyle/>
+          <a:p>
+            <a:fld id="{BBB9F871-6078-4433-ABE9-B5CC97D219AE}" type="slidenum">
+              <a:rPr lang="it-IT" smtClean="0"/>
+              <a:t>12</a:t>
+            </a:fld>
+            <a:endParaRPr lang="it-IT"/>
+          </a:p>
+        </p:txBody>
+      </p:sp>
+    </p:spTree>
+    <p:extLst>
+      <p:ext uri="{BB962C8B-B14F-4D97-AF65-F5344CB8AC3E}">
+        <p14:creationId xmlns:p14="http://schemas.microsoft.com/office/powerpoint/2010/main" val="919794666"/>
       </p:ext>
     </p:extLst>
   </p:cSld>
@@ -5617,308 +5791,61 @@
         </p:nvSpPr>
         <p:spPr>
           <a:xfrm>
-            <a:off x="402336" y="2655799"/>
-            <a:ext cx="7729728" cy="3101983"/>
+            <a:off x="810674" y="2875702"/>
+            <a:ext cx="5923049" cy="2836940"/>
           </a:xfrm>
         </p:spPr>
         <p:txBody>
           <a:bodyPr>
-            <a:normAutofit lnSpcReduction="10000"/>
+            <a:normAutofit/>
           </a:bodyPr>
           <a:lstStyle/>
           <a:p>
             <a:r>
-              <a:rPr lang="it-IT" dirty="0"/>
+              <a:rPr lang="en-GB" dirty="0"/>
               <a:t>Reviews : </a:t>
             </a:r>
           </a:p>
           <a:p>
             <a:pPr lvl="1"/>
             <a:r>
-              <a:rPr lang="it-IT" dirty="0"/>
-              <a:t>Sprint reviews </a:t>
-            </a:r>
-            <a:r>
-              <a:rPr lang="it-IT" dirty="0" err="1"/>
-              <a:t>helped</a:t>
-            </a:r>
-            <a:r>
-              <a:rPr lang="it-IT" dirty="0"/>
-              <a:t> </a:t>
-            </a:r>
-            <a:r>
-              <a:rPr lang="it-IT" dirty="0" err="1"/>
-              <a:t>us</a:t>
-            </a:r>
-            <a:r>
-              <a:rPr lang="it-IT" dirty="0"/>
-              <a:t> to </a:t>
-            </a:r>
-            <a:r>
-              <a:rPr lang="it-IT" dirty="0" err="1"/>
-              <a:t>understand</a:t>
-            </a:r>
-            <a:r>
-              <a:rPr lang="it-IT" dirty="0"/>
-              <a:t> </a:t>
-            </a:r>
-            <a:r>
-              <a:rPr lang="it-IT" dirty="0" err="1"/>
-              <a:t>if</a:t>
-            </a:r>
-            <a:r>
-              <a:rPr lang="it-IT" dirty="0"/>
-              <a:t> </a:t>
-            </a:r>
-            <a:r>
-              <a:rPr lang="it-IT" dirty="0" err="1"/>
-              <a:t>what</a:t>
-            </a:r>
-            <a:r>
-              <a:rPr lang="it-IT" dirty="0"/>
-              <a:t> </a:t>
-            </a:r>
-            <a:r>
-              <a:rPr lang="it-IT" dirty="0" err="1"/>
-              <a:t>we</a:t>
-            </a:r>
-            <a:r>
-              <a:rPr lang="it-IT" dirty="0"/>
-              <a:t> </a:t>
-            </a:r>
-            <a:r>
-              <a:rPr lang="it-IT" dirty="0" err="1"/>
-              <a:t>developed</a:t>
-            </a:r>
-            <a:r>
-              <a:rPr lang="it-IT" dirty="0"/>
-              <a:t> </a:t>
-            </a:r>
-            <a:r>
-              <a:rPr lang="it-IT" dirty="0" err="1"/>
-              <a:t>matched</a:t>
-            </a:r>
-            <a:r>
-              <a:rPr lang="it-IT" dirty="0"/>
-              <a:t> </a:t>
-            </a:r>
-            <a:r>
-              <a:rPr lang="it-IT" dirty="0" err="1"/>
-              <a:t>our</a:t>
-            </a:r>
-            <a:r>
-              <a:rPr lang="it-IT" dirty="0"/>
-              <a:t> </a:t>
-            </a:r>
-            <a:r>
-              <a:rPr lang="it-IT" dirty="0" err="1"/>
-              <a:t>expectations</a:t>
-            </a:r>
-            <a:r>
-              <a:rPr lang="it-IT" dirty="0"/>
-              <a:t> of the game.</a:t>
+              <a:rPr lang="en-GB" dirty="0"/>
+              <a:t>Comparison between what was done and what we expected. </a:t>
             </a:r>
           </a:p>
           <a:p>
             <a:pPr lvl="1"/>
             <a:r>
-              <a:rPr lang="it-IT" dirty="0" err="1"/>
-              <a:t>Also</a:t>
-            </a:r>
-            <a:r>
-              <a:rPr lang="it-IT" dirty="0"/>
-              <a:t>, </a:t>
-            </a:r>
-            <a:r>
-              <a:rPr lang="it-IT" dirty="0" err="1"/>
-              <a:t>it</a:t>
-            </a:r>
-            <a:r>
-              <a:rPr lang="it-IT" dirty="0"/>
-              <a:t> </a:t>
-            </a:r>
-            <a:r>
-              <a:rPr lang="it-IT" dirty="0" err="1"/>
-              <a:t>was</a:t>
-            </a:r>
-            <a:r>
-              <a:rPr lang="it-IT" dirty="0"/>
-              <a:t> </a:t>
-            </a:r>
-            <a:r>
-              <a:rPr lang="it-IT" dirty="0" err="1"/>
-              <a:t>useful</a:t>
-            </a:r>
-            <a:r>
-              <a:rPr lang="it-IT" dirty="0"/>
-              <a:t> to </a:t>
-            </a:r>
-            <a:r>
-              <a:rPr lang="it-IT" dirty="0" err="1"/>
-              <a:t>discuss</a:t>
-            </a:r>
-            <a:r>
-              <a:rPr lang="it-IT" dirty="0"/>
-              <a:t> </a:t>
-            </a:r>
-            <a:r>
-              <a:rPr lang="it-IT" dirty="0" err="1"/>
-              <a:t>about</a:t>
-            </a:r>
-            <a:r>
-              <a:rPr lang="it-IT" dirty="0"/>
-              <a:t> future </a:t>
-            </a:r>
-            <a:r>
-              <a:rPr lang="it-IT" dirty="0" err="1"/>
-              <a:t>changes</a:t>
-            </a:r>
-            <a:r>
-              <a:rPr lang="it-IT" dirty="0"/>
-              <a:t>.</a:t>
-            </a:r>
-          </a:p>
-          <a:p>
-            <a:r>
-              <a:rPr lang="it-IT" dirty="0" err="1"/>
-              <a:t>Retrospectives</a:t>
-            </a:r>
-            <a:r>
-              <a:rPr lang="it-IT" dirty="0"/>
-              <a:t> : </a:t>
+              <a:rPr lang="en-GB" dirty="0"/>
+              <a:t>Discussion about possible changes.</a:t>
+            </a:r>
+          </a:p>
+          <a:p>
+            <a:r>
+              <a:rPr lang="en-GB" dirty="0"/>
+              <a:t>Retrospectives : </a:t>
             </a:r>
           </a:p>
           <a:p>
             <a:pPr lvl="1"/>
             <a:r>
-              <a:rPr lang="it-IT" dirty="0" err="1"/>
-              <a:t>Pointed</a:t>
-            </a:r>
-            <a:r>
-              <a:rPr lang="it-IT" dirty="0"/>
-              <a:t> out </a:t>
-            </a:r>
-            <a:r>
-              <a:rPr lang="it-IT" dirty="0" err="1"/>
-              <a:t>critical</a:t>
-            </a:r>
-            <a:r>
-              <a:rPr lang="it-IT" dirty="0"/>
-              <a:t> and </a:t>
-            </a:r>
-            <a:r>
-              <a:rPr lang="it-IT" dirty="0" err="1"/>
-              <a:t>problematic</a:t>
-            </a:r>
-            <a:r>
-              <a:rPr lang="it-IT" dirty="0"/>
-              <a:t> situations in the team.</a:t>
+              <a:rPr lang="en-GB" dirty="0"/>
+              <a:t>Pointed out critical and problematic situations in the team.</a:t>
             </a:r>
           </a:p>
           <a:p>
             <a:pPr lvl="1"/>
             <a:r>
-              <a:rPr lang="it-IT" dirty="0" err="1"/>
-              <a:t>Highlighted</a:t>
-            </a:r>
-            <a:r>
-              <a:rPr lang="it-IT" dirty="0"/>
-              <a:t> positive </a:t>
-            </a:r>
-            <a:r>
-              <a:rPr lang="it-IT" dirty="0" err="1"/>
-              <a:t>aspects</a:t>
-            </a:r>
-            <a:r>
-              <a:rPr lang="it-IT" dirty="0"/>
-              <a:t> of the team and </a:t>
-            </a:r>
-            <a:r>
-              <a:rPr lang="it-IT" dirty="0" err="1"/>
-              <a:t>this</a:t>
-            </a:r>
-            <a:r>
-              <a:rPr lang="it-IT" dirty="0"/>
-              <a:t> </a:t>
-            </a:r>
-            <a:r>
-              <a:rPr lang="it-IT" dirty="0" err="1"/>
-              <a:t>lead</a:t>
-            </a:r>
-            <a:r>
-              <a:rPr lang="it-IT" dirty="0"/>
-              <a:t> to an </a:t>
-            </a:r>
-            <a:r>
-              <a:rPr lang="it-IT" dirty="0" err="1"/>
-              <a:t>improvement</a:t>
-            </a:r>
-            <a:r>
-              <a:rPr lang="it-IT" dirty="0"/>
-              <a:t> of </a:t>
-            </a:r>
-            <a:r>
-              <a:rPr lang="it-IT" dirty="0" err="1"/>
-              <a:t>its</a:t>
-            </a:r>
-            <a:r>
-              <a:rPr lang="it-IT" dirty="0"/>
-              <a:t> </a:t>
-            </a:r>
-            <a:r>
-              <a:rPr lang="it-IT" dirty="0" err="1"/>
-              <a:t>productivity</a:t>
-            </a:r>
-            <a:r>
-              <a:rPr lang="it-IT" dirty="0"/>
-              <a:t> and status.</a:t>
+              <a:rPr lang="en-GB" dirty="0"/>
+              <a:t>Enhancement of positive behaviours.</a:t>
             </a:r>
           </a:p>
           <a:p>
             <a:pPr lvl="1"/>
             <a:r>
-              <a:rPr lang="it-IT" dirty="0" err="1"/>
-              <a:t>Helped</a:t>
-            </a:r>
-            <a:r>
-              <a:rPr lang="it-IT" dirty="0"/>
-              <a:t> </a:t>
-            </a:r>
-            <a:r>
-              <a:rPr lang="it-IT" dirty="0" err="1"/>
-              <a:t>us</a:t>
-            </a:r>
-            <a:r>
-              <a:rPr lang="it-IT" dirty="0"/>
-              <a:t> to introduce </a:t>
-            </a:r>
-            <a:r>
-              <a:rPr lang="it-IT" dirty="0" err="1"/>
-              <a:t>discussions</a:t>
-            </a:r>
-            <a:r>
-              <a:rPr lang="it-IT" dirty="0"/>
-              <a:t> </a:t>
-            </a:r>
-            <a:r>
-              <a:rPr lang="it-IT" dirty="0" err="1"/>
-              <a:t>about</a:t>
-            </a:r>
-            <a:r>
-              <a:rPr lang="it-IT" dirty="0"/>
-              <a:t> time and </a:t>
-            </a:r>
-            <a:r>
-              <a:rPr lang="it-IT" dirty="0" err="1"/>
-              <a:t>resources</a:t>
-            </a:r>
-            <a:r>
-              <a:rPr lang="it-IT" dirty="0"/>
-              <a:t> management.</a:t>
-            </a:r>
-          </a:p>
-          <a:p>
-            <a:endParaRPr lang="it-IT" dirty="0"/>
+              <a:rPr lang="en-GB" dirty="0"/>
+              <a:t>Highlighted time management aspects to be considered.</a:t>
+            </a:r>
           </a:p>
         </p:txBody>
       </p:sp>
@@ -5936,8 +5863,8 @@
         </p:nvSpPr>
         <p:spPr>
           <a:xfrm>
-            <a:off x="8584707" y="2498630"/>
-            <a:ext cx="3204957" cy="3416320"/>
+            <a:off x="7095273" y="3001511"/>
+            <a:ext cx="4264026" cy="2585323"/>
           </a:xfrm>
           <a:prstGeom prst="rect">
             <a:avLst/>
@@ -5951,7 +5878,7 @@
           <a:lstStyle/>
           <a:p>
             <a:r>
-              <a:rPr lang="it-IT" dirty="0"/>
+              <a:rPr lang="en-GB" dirty="0"/>
               <a:t>PROS:</a:t>
             </a:r>
           </a:p>
@@ -5961,56 +5888,8 @@
               <a:buChar char="•"/>
             </a:pPr>
             <a:r>
-              <a:rPr lang="it-IT" dirty="0"/>
-              <a:t>Game </a:t>
-            </a:r>
-            <a:r>
-              <a:rPr lang="it-IT" dirty="0" err="1"/>
-              <a:t>developed</a:t>
-            </a:r>
-            <a:r>
-              <a:rPr lang="it-IT" dirty="0"/>
-              <a:t> in a shot time </a:t>
-            </a:r>
-            <a:r>
-              <a:rPr lang="it-IT" dirty="0" err="1"/>
-              <a:t>without</a:t>
-            </a:r>
-            <a:r>
-              <a:rPr lang="it-IT" dirty="0"/>
-              <a:t> </a:t>
-            </a:r>
-            <a:r>
-              <a:rPr lang="it-IT" dirty="0" err="1"/>
-              <a:t>any</a:t>
-            </a:r>
-            <a:r>
-              <a:rPr lang="it-IT" dirty="0"/>
-              <a:t> </a:t>
-            </a:r>
-            <a:r>
-              <a:rPr lang="it-IT" dirty="0" err="1"/>
-              <a:t>prior</a:t>
-            </a:r>
-            <a:r>
-              <a:rPr lang="it-IT" dirty="0"/>
-              <a:t> knowledge </a:t>
-            </a:r>
-            <a:r>
-              <a:rPr lang="it-IT" dirty="0" err="1"/>
-              <a:t>about</a:t>
-            </a:r>
-            <a:r>
-              <a:rPr lang="it-IT" dirty="0"/>
-              <a:t> game </a:t>
-            </a:r>
-            <a:r>
-              <a:rPr lang="it-IT" dirty="0" err="1"/>
-              <a:t>development</a:t>
-            </a:r>
-            <a:r>
-              <a:rPr lang="it-IT" dirty="0"/>
-              <a:t>.</a:t>
+              <a:rPr lang="en-GB" dirty="0"/>
+              <a:t>Game developed in a shot time without any prior knowledge about game development.</a:t>
             </a:r>
           </a:p>
           <a:p>
@@ -6019,33 +5898,13 @@
               <a:buChar char="•"/>
             </a:pPr>
             <a:r>
-              <a:rPr lang="it-IT" dirty="0" err="1"/>
-              <a:t>Efficient</a:t>
-            </a:r>
-            <a:r>
-              <a:rPr lang="it-IT" dirty="0"/>
-              <a:t> </a:t>
-            </a:r>
-            <a:r>
-              <a:rPr lang="it-IT" dirty="0" err="1"/>
-              <a:t>organization</a:t>
-            </a:r>
-            <a:r>
-              <a:rPr lang="it-IT" dirty="0"/>
-              <a:t> of work and </a:t>
-            </a:r>
-            <a:r>
-              <a:rPr lang="it-IT" dirty="0" err="1"/>
-              <a:t>collaboration</a:t>
-            </a:r>
-            <a:r>
-              <a:rPr lang="it-IT" dirty="0"/>
-              <a:t> of the team.</a:t>
-            </a:r>
-          </a:p>
-          <a:p>
-            <a:r>
-              <a:rPr lang="it-IT" dirty="0"/>
+              <a:rPr lang="en-GB" dirty="0"/>
+              <a:t>Efficient organization of work and collaboration of the team.</a:t>
+            </a:r>
+          </a:p>
+          <a:p>
+            <a:r>
+              <a:rPr lang="en-GB" dirty="0"/>
               <a:t>CONS:</a:t>
             </a:r>
           </a:p>
@@ -6055,24 +5914,8 @@
               <a:buChar char="•"/>
             </a:pPr>
             <a:r>
-              <a:rPr lang="it-IT" dirty="0"/>
-              <a:t>Easy to go out of the track with </a:t>
-            </a:r>
-            <a:r>
-              <a:rPr lang="it-IT" dirty="0" err="1"/>
-              <a:t>respect</a:t>
-            </a:r>
-            <a:r>
-              <a:rPr lang="it-IT" dirty="0"/>
-              <a:t> to the </a:t>
-            </a:r>
-            <a:r>
-              <a:rPr lang="it-IT" dirty="0" err="1"/>
-              <a:t>individual</a:t>
-            </a:r>
-            <a:r>
-              <a:rPr lang="it-IT" dirty="0"/>
-              <a:t> work.</a:t>
+              <a:rPr lang="en-GB" dirty="0"/>
+              <a:t>Easy to go out of the track with respect to the individual work.</a:t>
             </a:r>
           </a:p>
         </p:txBody>
@@ -6081,6 +5924,76 @@
     <p:extLst>
       <p:ext uri="{BB962C8B-B14F-4D97-AF65-F5344CB8AC3E}">
         <p14:creationId xmlns:p14="http://schemas.microsoft.com/office/powerpoint/2010/main" val="3880278378"/>
+      </p:ext>
+    </p:extLst>
+  </p:cSld>
+  <p:clrMapOvr>
+    <a:masterClrMapping/>
+  </p:clrMapOvr>
+</p:sld>
+</file>
+
+<file path=ppt/slides/slide13.xml><?xml version="1.0" encoding="utf-8"?>
+<p:sld xmlns:a="http://schemas.openxmlformats.org/drawingml/2006/main" xmlns:r="http://schemas.openxmlformats.org/officeDocument/2006/relationships" xmlns:p="http://schemas.openxmlformats.org/presentationml/2006/main">
+  <p:cSld>
+    <p:spTree>
+      <p:nvGrpSpPr>
+        <p:cNvPr id="1" name=""/>
+        <p:cNvGrpSpPr/>
+        <p:nvPr/>
+      </p:nvGrpSpPr>
+      <p:grpSpPr>
+        <a:xfrm>
+          <a:off x="0" y="0"/>
+          <a:ext cx="0" cy="0"/>
+          <a:chOff x="0" y="0"/>
+          <a:chExt cx="0" cy="0"/>
+        </a:xfrm>
+      </p:grpSpPr>
+      <p:sp>
+        <p:nvSpPr>
+          <p:cNvPr id="2" name="Titolo 1">
+            <a:extLst>
+              <a:ext uri="{FF2B5EF4-FFF2-40B4-BE49-F238E27FC236}">
+                <a16:creationId xmlns:a16="http://schemas.microsoft.com/office/drawing/2014/main" id="{F871E7EB-AB6F-41E9-817D-D7B7FEC97710}"/>
+              </a:ext>
+            </a:extLst>
+          </p:cNvPr>
+          <p:cNvSpPr>
+            <a:spLocks noGrp="1"/>
+          </p:cNvSpPr>
+          <p:nvPr>
+            <p:ph type="title"/>
+          </p:nvPr>
+        </p:nvSpPr>
+        <p:spPr>
+          <a:xfrm>
+            <a:off x="2231136" y="2834640"/>
+            <a:ext cx="7729728" cy="1188720"/>
+          </a:xfrm>
+        </p:spPr>
+        <p:txBody>
+          <a:bodyPr>
+            <a:normAutofit/>
+          </a:bodyPr>
+          <a:lstStyle/>
+          <a:p>
+            <a:r>
+              <a:rPr lang="en-GB" dirty="0"/>
+              <a:t>Thanks for </a:t>
+            </a:r>
+            <a:r>
+              <a:rPr lang="en-GB"/>
+              <a:t>the attention</a:t>
+            </a:r>
+            <a:endParaRPr lang="en-GB" dirty="0"/>
+          </a:p>
+        </p:txBody>
+      </p:sp>
+    </p:spTree>
+    <p:extLst>
+      <p:ext uri="{BB962C8B-B14F-4D97-AF65-F5344CB8AC3E}">
+        <p14:creationId xmlns:p14="http://schemas.microsoft.com/office/powerpoint/2010/main" val="3112602592"/>
       </p:ext>
     </p:extLst>
   </p:cSld>
@@ -11702,23 +11615,68 @@
         </p:nvSpPr>
         <p:spPr>
           <a:xfrm>
-            <a:off x="1600200" y="3428239"/>
-            <a:ext cx="4270248" cy="1276350"/>
+            <a:off x="2682365" y="3428236"/>
+            <a:ext cx="2557021" cy="2465071"/>
           </a:xfrm>
         </p:spPr>
         <p:txBody>
           <a:bodyPr>
-            <a:normAutofit/>
+            <a:normAutofit fontScale="85000" lnSpcReduction="20000"/>
           </a:bodyPr>
           <a:lstStyle/>
           <a:p>
             <a:r>
               <a:rPr lang="it-IT" sz="2000" i="1" dirty="0"/>
-              <a:t>J-UNIT</a:t>
-            </a:r>
-          </a:p>
-          <a:p>
+              <a:t>Database</a:t>
+            </a:r>
+          </a:p>
+          <a:p>
+            <a:r>
+              <a:rPr lang="it-IT" sz="2000" i="1" dirty="0"/>
+              <a:t>Inventory</a:t>
+            </a:r>
+          </a:p>
+          <a:p>
+            <a:r>
+              <a:rPr lang="it-IT" sz="2000" i="1" dirty="0"/>
+              <a:t>Language</a:t>
+            </a:r>
+          </a:p>
+          <a:p>
+            <a:r>
+              <a:rPr lang="it-IT" sz="2000" i="1" dirty="0" err="1"/>
+              <a:t>Save&amp;Load</a:t>
+            </a:r>
             <a:endParaRPr lang="it-IT" sz="2000" i="1" dirty="0"/>
+          </a:p>
+          <a:p>
+            <a:r>
+              <a:rPr lang="it-IT" sz="2000" i="1" dirty="0"/>
+              <a:t>GUI</a:t>
+            </a:r>
+          </a:p>
+          <a:p>
+            <a:pPr marL="0" indent="0">
+              <a:buNone/>
+            </a:pPr>
+            <a:endParaRPr lang="it-IT" sz="2000" i="1" dirty="0"/>
+          </a:p>
+          <a:p>
+            <a:pPr marL="0" indent="0">
+              <a:buNone/>
+            </a:pPr>
+            <a:r>
+              <a:rPr lang="it-IT" sz="2000" i="1" dirty="0"/>
+              <a:t>[</a:t>
+            </a:r>
+            <a:r>
+              <a:rPr lang="it-IT" sz="2000" i="1" dirty="0" err="1"/>
+              <a:t>Perfomed</a:t>
+            </a:r>
+            <a:r>
+              <a:rPr lang="it-IT" sz="2000" i="1" dirty="0"/>
+              <a:t> with J-Unit]</a:t>
+            </a:r>
           </a:p>
         </p:txBody>
       </p:sp>
@@ -11740,8 +11698,8 @@
         </p:nvSpPr>
         <p:spPr>
           <a:xfrm>
-            <a:off x="6355080" y="3428239"/>
-            <a:ext cx="4253484" cy="1276350"/>
+            <a:off x="6952616" y="3428237"/>
+            <a:ext cx="3222553" cy="1690518"/>
           </a:xfrm>
         </p:spPr>
         <p:txBody>
@@ -11752,23 +11710,72 @@
           <a:p>
             <a:r>
               <a:rPr lang="it-IT" sz="2000" i="1" dirty="0"/>
-              <a:t>EXPLORATORY </a:t>
-            </a:r>
-          </a:p>
-          <a:p>
+              <a:t>Some test </a:t>
+            </a:r>
+            <a:r>
+              <a:rPr lang="it-IT" sz="2000" i="1" dirty="0" err="1"/>
+              <a:t>were</a:t>
+            </a:r>
             <a:r>
               <a:rPr lang="it-IT" sz="2000" i="1" dirty="0"/>
-              <a:t>EXAMPLE</a:t>
-            </a:r>
-          </a:p>
-          <a:p>
+              <a:t> </a:t>
+            </a:r>
+            <a:r>
+              <a:rPr lang="it-IT" sz="2000" i="1" dirty="0" err="1"/>
+              <a:t>performed</a:t>
+            </a:r>
             <a:r>
               <a:rPr lang="it-IT" sz="2000" i="1" dirty="0"/>
-              <a:t>GRAPHICAL USER INTERFACE</a:t>
-            </a:r>
-          </a:p>
-          <a:p>
-            <a:endParaRPr lang="it-IT" sz="2000" i="1" dirty="0"/>
+              <a:t> </a:t>
+            </a:r>
+            <a:r>
+              <a:rPr lang="it-IT" sz="2000" i="1" u="sng" dirty="0" err="1"/>
+              <a:t>visually</a:t>
+            </a:r>
+            <a:r>
+              <a:rPr lang="it-IT" sz="2000" i="1" dirty="0"/>
+              <a:t> by </a:t>
+            </a:r>
+            <a:r>
+              <a:rPr lang="it-IT" sz="2000" i="1" dirty="0" err="1"/>
+              <a:t>Devs</a:t>
+            </a:r>
+            <a:r>
+              <a:rPr lang="it-IT" sz="2000" i="1" dirty="0"/>
+              <a:t> (e.g. </a:t>
+            </a:r>
+            <a:r>
+              <a:rPr lang="it-IT" sz="2000" i="1" dirty="0" err="1"/>
+              <a:t>movement</a:t>
+            </a:r>
+            <a:r>
+              <a:rPr lang="it-IT" sz="2000" i="1" dirty="0"/>
+              <a:t> of the player, </a:t>
+            </a:r>
+            <a:r>
+              <a:rPr lang="it-IT" sz="2000" i="1" dirty="0" err="1"/>
+              <a:t>map</a:t>
+            </a:r>
+            <a:r>
+              <a:rPr lang="it-IT" sz="2000" i="1" dirty="0"/>
+              <a:t> rendering, interaction with </a:t>
+            </a:r>
+            <a:r>
+              <a:rPr lang="it-IT" sz="2000" i="1" dirty="0" err="1"/>
+              <a:t>objects</a:t>
+            </a:r>
+            <a:r>
+              <a:rPr lang="it-IT" sz="2000" i="1" dirty="0"/>
+              <a:t>, </a:t>
+            </a:r>
+            <a:r>
+              <a:rPr lang="it-IT" sz="2000" i="1" dirty="0" err="1"/>
+              <a:t>exams</a:t>
+            </a:r>
+            <a:r>
+              <a:rPr lang="it-IT" sz="2000" i="1" dirty="0"/>
+              <a:t> and so on…)</a:t>
+            </a:r>
           </a:p>
         </p:txBody>
       </p:sp>

--- a/PRESENTAZIONE FINALE2.pptx
+++ b/PRESENTAZIONE FINALE2.pptx
@@ -337,7 +337,7 @@
           <a:p>
             <a:fld id="{6AAB5088-9843-416C-A262-84F7D3BBEC4D}" type="datetimeFigureOut">
               <a:rPr lang="it-IT" smtClean="0"/>
-              <a:t>08/01/2020</a:t>
+              <a:t>09/01/2020</a:t>
             </a:fld>
             <a:endParaRPr lang="it-IT"/>
           </a:p>
@@ -1558,7 +1558,7 @@
           <a:p>
             <a:fld id="{CA430C0A-5464-4FE4-84EB-FF9C94016DF4}" type="datetimeFigureOut">
               <a:rPr lang="en-US" dirty="0"/>
-              <a:t>1/8/2020</a:t>
+              <a:t>1/9/2020</a:t>
             </a:fld>
             <a:endParaRPr lang="en-US" dirty="0"/>
           </a:p>
@@ -1724,7 +1724,7 @@
           <a:p>
             <a:fld id="{E9F9C37B-1D36-470B-8223-D6C91242EC14}" type="datetimeFigureOut">
               <a:rPr lang="en-US" dirty="0"/>
-              <a:t>1/8/2020</a:t>
+              <a:t>1/9/2020</a:t>
             </a:fld>
             <a:endParaRPr lang="en-US" dirty="0"/>
           </a:p>
@@ -1899,7 +1899,7 @@
           <a:p>
             <a:fld id="{67C6F52A-A82B-47A2-A83A-8C4C91F2D59F}" type="datetimeFigureOut">
               <a:rPr lang="en-US" dirty="0"/>
-              <a:t>1/8/2020</a:t>
+              <a:t>1/9/2020</a:t>
             </a:fld>
             <a:endParaRPr lang="en-US" dirty="0"/>
           </a:p>
@@ -2064,7 +2064,7 @@
           <a:p>
             <a:fld id="{F070A7B3-6521-4DCA-87E5-044747A908C1}" type="datetimeFigureOut">
               <a:rPr lang="en-US" dirty="0"/>
-              <a:t>1/8/2020</a:t>
+              <a:t>1/9/2020</a:t>
             </a:fld>
             <a:endParaRPr lang="en-US" dirty="0"/>
           </a:p>
@@ -2320,7 +2320,7 @@
           <a:p>
             <a:fld id="{360C6404-AD6E-4860-8E75-697CA40B95DA}" type="datetimeFigureOut">
               <a:rPr lang="en-US" dirty="0"/>
-              <a:t>1/8/2020</a:t>
+              <a:t>1/9/2020</a:t>
             </a:fld>
             <a:endParaRPr lang="en-US" dirty="0"/>
           </a:p>
@@ -2548,7 +2548,7 @@
           <a:p>
             <a:fld id="{AB134690-1557-4C89-A502-4959FE7FAD70}" type="datetimeFigureOut">
               <a:rPr lang="en-US" dirty="0"/>
-              <a:t>1/8/2020</a:t>
+              <a:t>1/9/2020</a:t>
             </a:fld>
             <a:endParaRPr lang="en-US" dirty="0"/>
           </a:p>
@@ -2898,7 +2898,7 @@
           <a:p>
             <a:fld id="{4F7D4976-E339-4826-83B7-FBD03F55ECF8}" type="datetimeFigureOut">
               <a:rPr lang="en-US" dirty="0"/>
-              <a:t>1/8/2020</a:t>
+              <a:t>1/9/2020</a:t>
             </a:fld>
             <a:endParaRPr lang="en-US" dirty="0"/>
           </a:p>
@@ -3034,7 +3034,7 @@
           <a:p>
             <a:fld id="{E1037C31-9E7A-4F99-8774-A0E530DE1A42}" type="datetimeFigureOut">
               <a:rPr lang="en-US" dirty="0"/>
-              <a:t>1/8/2020</a:t>
+              <a:t>1/9/2020</a:t>
             </a:fld>
             <a:endParaRPr lang="en-US" dirty="0"/>
           </a:p>
@@ -3124,7 +3124,7 @@
           <a:p>
             <a:fld id="{C278504F-A551-4DE0-9316-4DCD1D8CC752}" type="datetimeFigureOut">
               <a:rPr lang="en-US" dirty="0"/>
-              <a:t>1/8/2020</a:t>
+              <a:t>1/9/2020</a:t>
             </a:fld>
             <a:endParaRPr lang="en-US" dirty="0"/>
           </a:p>
@@ -3476,7 +3476,7 @@
           <a:p>
             <a:fld id="{D1BE4249-C0D0-4B06-8692-E8BB871AF643}" type="datetimeFigureOut">
               <a:rPr lang="en-US" dirty="0"/>
-              <a:t>1/8/2020</a:t>
+              <a:t>1/9/2020</a:t>
             </a:fld>
             <a:endParaRPr lang="en-US" dirty="0"/>
           </a:p>
@@ -3789,7 +3789,7 @@
           <a:p>
             <a:fld id="{042B0DB6-F5C7-45FB-8CF3-31B45F9C2DAC}" type="datetimeFigureOut">
               <a:rPr lang="en-US" dirty="0"/>
-              <a:t>1/8/2020</a:t>
+              <a:t>1/9/2020</a:t>
             </a:fld>
             <a:endParaRPr lang="en-US" dirty="0"/>
           </a:p>
@@ -4029,7 +4029,7 @@
           <a:p>
             <a:fld id="{1160EA64-D806-43AC-9DF2-F8C432F32B4C}" type="datetimeFigureOut">
               <a:rPr lang="en-US" dirty="0"/>
-              <a:t>1/8/2020</a:t>
+              <a:t>1/9/2020</a:t>
             </a:fld>
             <a:endParaRPr lang="en-US" dirty="0"/>
           </a:p>
@@ -4936,6 +4936,9 @@
                     <p:cTn id="3" fill="hold">
                       <p:stCondLst>
                         <p:cond delay="indefinite"/>
+                        <p:cond evt="onBegin" delay="0">
+                          <p:tn val="2"/>
+                        </p:cond>
                       </p:stCondLst>
                       <p:childTnLst>
                         <p:par>
@@ -4945,7 +4948,7 @@
                             </p:stCondLst>
                             <p:childTnLst>
                               <p:par>
-                                <p:cTn id="5" presetID="47" presetClass="entr" presetSubtype="0" fill="hold" nodeType="clickEffect">
+                                <p:cTn id="5" presetID="47" presetClass="entr" presetSubtype="0" fill="hold" nodeType="afterEffect">
                                   <p:stCondLst>
                                     <p:cond delay="0"/>
                                   </p:stCondLst>
@@ -5028,30 +5031,21 @@
                             </p:childTnLst>
                           </p:cTn>
                         </p:par>
-                      </p:childTnLst>
-                    </p:cTn>
-                  </p:par>
-                  <p:par>
-                    <p:cTn id="10" fill="hold">
-                      <p:stCondLst>
-                        <p:cond delay="indefinite"/>
-                      </p:stCondLst>
-                      <p:childTnLst>
                         <p:par>
-                          <p:cTn id="11" fill="hold">
+                          <p:cTn id="10" fill="hold">
                             <p:stCondLst>
-                              <p:cond delay="0"/>
+                              <p:cond delay="1000"/>
                             </p:stCondLst>
                             <p:childTnLst>
                               <p:par>
-                                <p:cTn id="12" presetID="47" presetClass="entr" presetSubtype="0" fill="hold" nodeType="clickEffect">
+                                <p:cTn id="11" presetID="47" presetClass="entr" presetSubtype="0" fill="hold" nodeType="afterEffect">
                                   <p:stCondLst>
                                     <p:cond delay="0"/>
                                   </p:stCondLst>
                                   <p:childTnLst>
                                     <p:set>
                                       <p:cBhvr>
-                                        <p:cTn id="13" dur="1" fill="hold">
+                                        <p:cTn id="12" dur="1" fill="hold">
                                           <p:stCondLst>
                                             <p:cond delay="0"/>
                                           </p:stCondLst>
@@ -5069,7 +5063,7 @@
                                     </p:set>
                                     <p:animEffect transition="in" filter="fade">
                                       <p:cBhvr>
-                                        <p:cTn id="14" dur="1000"/>
+                                        <p:cTn id="13" dur="1000"/>
                                         <p:tgtEl>
                                           <p:spTgt spid="29"/>
                                         </p:tgtEl>
@@ -5077,7 +5071,7 @@
                                     </p:animEffect>
                                     <p:anim calcmode="lin" valueType="num">
                                       <p:cBhvr>
-                                        <p:cTn id="15" dur="1000" fill="hold"/>
+                                        <p:cTn id="14" dur="1000" fill="hold"/>
                                         <p:tgtEl>
                                           <p:spTgt spid="29"/>
                                         </p:tgtEl>
@@ -5100,7 +5094,7 @@
                                     </p:anim>
                                     <p:anim calcmode="lin" valueType="num">
                                       <p:cBhvr>
-                                        <p:cTn id="16" dur="1000" fill="hold"/>
+                                        <p:cTn id="15" dur="1000" fill="hold"/>
                                         <p:tgtEl>
                                           <p:spTgt spid="29"/>
                                         </p:tgtEl>
@@ -5127,30 +5121,21 @@
                             </p:childTnLst>
                           </p:cTn>
                         </p:par>
-                      </p:childTnLst>
-                    </p:cTn>
-                  </p:par>
-                  <p:par>
-                    <p:cTn id="17" fill="hold">
-                      <p:stCondLst>
-                        <p:cond delay="indefinite"/>
-                      </p:stCondLst>
-                      <p:childTnLst>
                         <p:par>
-                          <p:cTn id="18" fill="hold">
+                          <p:cTn id="16" fill="hold">
                             <p:stCondLst>
-                              <p:cond delay="0"/>
+                              <p:cond delay="2000"/>
                             </p:stCondLst>
                             <p:childTnLst>
                               <p:par>
-                                <p:cTn id="19" presetID="47" presetClass="entr" presetSubtype="0" fill="hold" nodeType="clickEffect">
+                                <p:cTn id="17" presetID="47" presetClass="entr" presetSubtype="0" fill="hold" nodeType="afterEffect">
                                   <p:stCondLst>
                                     <p:cond delay="0"/>
                                   </p:stCondLst>
                                   <p:childTnLst>
                                     <p:set>
                                       <p:cBhvr>
-                                        <p:cTn id="20" dur="1" fill="hold">
+                                        <p:cTn id="18" dur="1" fill="hold">
                                           <p:stCondLst>
                                             <p:cond delay="0"/>
                                           </p:stCondLst>
@@ -5168,7 +5153,7 @@
                                     </p:set>
                                     <p:animEffect transition="in" filter="fade">
                                       <p:cBhvr>
-                                        <p:cTn id="21" dur="1000"/>
+                                        <p:cTn id="19" dur="1000"/>
                                         <p:tgtEl>
                                           <p:spTgt spid="27"/>
                                         </p:tgtEl>
@@ -5176,7 +5161,7 @@
                                     </p:animEffect>
                                     <p:anim calcmode="lin" valueType="num">
                                       <p:cBhvr>
-                                        <p:cTn id="22" dur="1000" fill="hold"/>
+                                        <p:cTn id="20" dur="1000" fill="hold"/>
                                         <p:tgtEl>
                                           <p:spTgt spid="27"/>
                                         </p:tgtEl>
@@ -5199,7 +5184,7 @@
                                     </p:anim>
                                     <p:anim calcmode="lin" valueType="num">
                                       <p:cBhvr>
-                                        <p:cTn id="23" dur="1000" fill="hold"/>
+                                        <p:cTn id="21" dur="1000" fill="hold"/>
                                         <p:tgtEl>
                                           <p:spTgt spid="27"/>
                                         </p:tgtEl>
@@ -5226,30 +5211,21 @@
                             </p:childTnLst>
                           </p:cTn>
                         </p:par>
-                      </p:childTnLst>
-                    </p:cTn>
-                  </p:par>
-                  <p:par>
-                    <p:cTn id="24" fill="hold">
-                      <p:stCondLst>
-                        <p:cond delay="indefinite"/>
-                      </p:stCondLst>
-                      <p:childTnLst>
                         <p:par>
-                          <p:cTn id="25" fill="hold">
+                          <p:cTn id="22" fill="hold">
                             <p:stCondLst>
-                              <p:cond delay="0"/>
+                              <p:cond delay="3000"/>
                             </p:stCondLst>
                             <p:childTnLst>
                               <p:par>
-                                <p:cTn id="26" presetID="42" presetClass="entr" presetSubtype="0" fill="hold" nodeType="clickEffect">
+                                <p:cTn id="23" presetID="42" presetClass="entr" presetSubtype="0" fill="hold" nodeType="afterEffect">
                                   <p:stCondLst>
                                     <p:cond delay="0"/>
                                   </p:stCondLst>
                                   <p:childTnLst>
                                     <p:set>
                                       <p:cBhvr>
-                                        <p:cTn id="27" dur="1" fill="hold">
+                                        <p:cTn id="24" dur="1" fill="hold">
                                           <p:stCondLst>
                                             <p:cond delay="0"/>
                                           </p:stCondLst>
@@ -5267,7 +5243,7 @@
                                     </p:set>
                                     <p:animEffect transition="in" filter="fade">
                                       <p:cBhvr>
-                                        <p:cTn id="28" dur="1000"/>
+                                        <p:cTn id="25" dur="1000"/>
                                         <p:tgtEl>
                                           <p:spTgt spid="25"/>
                                         </p:tgtEl>
@@ -5275,7 +5251,7 @@
                                     </p:animEffect>
                                     <p:anim calcmode="lin" valueType="num">
                                       <p:cBhvr>
-                                        <p:cTn id="29" dur="1000" fill="hold"/>
+                                        <p:cTn id="26" dur="1000" fill="hold"/>
                                         <p:tgtEl>
                                           <p:spTgt spid="25"/>
                                         </p:tgtEl>
@@ -5298,7 +5274,7 @@
                                     </p:anim>
                                     <p:anim calcmode="lin" valueType="num">
                                       <p:cBhvr>
-                                        <p:cTn id="30" dur="1000" fill="hold"/>
+                                        <p:cTn id="27" dur="1000" fill="hold"/>
                                         <p:tgtEl>
                                           <p:spTgt spid="25"/>
                                         </p:tgtEl>
@@ -5325,30 +5301,21 @@
                             </p:childTnLst>
                           </p:cTn>
                         </p:par>
-                      </p:childTnLst>
-                    </p:cTn>
-                  </p:par>
-                  <p:par>
-                    <p:cTn id="31" fill="hold">
-                      <p:stCondLst>
-                        <p:cond delay="indefinite"/>
-                      </p:stCondLst>
-                      <p:childTnLst>
                         <p:par>
-                          <p:cTn id="32" fill="hold">
+                          <p:cTn id="28" fill="hold">
                             <p:stCondLst>
-                              <p:cond delay="0"/>
+                              <p:cond delay="4000"/>
                             </p:stCondLst>
                             <p:childTnLst>
                               <p:par>
-                                <p:cTn id="33" presetID="42" presetClass="entr" presetSubtype="0" fill="hold" nodeType="clickEffect">
+                                <p:cTn id="29" presetID="42" presetClass="entr" presetSubtype="0" fill="hold" nodeType="afterEffect">
                                   <p:stCondLst>
                                     <p:cond delay="0"/>
                                   </p:stCondLst>
                                   <p:childTnLst>
                                     <p:set>
                                       <p:cBhvr>
-                                        <p:cTn id="34" dur="1" fill="hold">
+                                        <p:cTn id="30" dur="1" fill="hold">
                                           <p:stCondLst>
                                             <p:cond delay="0"/>
                                           </p:stCondLst>
@@ -5366,7 +5333,7 @@
                                     </p:set>
                                     <p:animEffect transition="in" filter="fade">
                                       <p:cBhvr>
-                                        <p:cTn id="35" dur="1000"/>
+                                        <p:cTn id="31" dur="1000"/>
                                         <p:tgtEl>
                                           <p:spTgt spid="33"/>
                                         </p:tgtEl>
@@ -5374,7 +5341,7 @@
                                     </p:animEffect>
                                     <p:anim calcmode="lin" valueType="num">
                                       <p:cBhvr>
-                                        <p:cTn id="36" dur="1000" fill="hold"/>
+                                        <p:cTn id="32" dur="1000" fill="hold"/>
                                         <p:tgtEl>
                                           <p:spTgt spid="33"/>
                                         </p:tgtEl>
@@ -5397,7 +5364,7 @@
                                     </p:anim>
                                     <p:anim calcmode="lin" valueType="num">
                                       <p:cBhvr>
-                                        <p:cTn id="37" dur="1000" fill="hold"/>
+                                        <p:cTn id="33" dur="1000" fill="hold"/>
                                         <p:tgtEl>
                                           <p:spTgt spid="33"/>
                                         </p:tgtEl>
@@ -5786,24 +5753,31 @@
             <a:spLocks noGrp="1"/>
           </p:cNvSpPr>
           <p:nvPr>
-            <p:ph idx="1"/>
+            <p:ph sz="half" idx="1"/>
           </p:nvPr>
         </p:nvSpPr>
-        <p:spPr>
-          <a:xfrm>
-            <a:off x="810674" y="2875702"/>
-            <a:ext cx="5923049" cy="2836940"/>
-          </a:xfrm>
-        </p:spPr>
+        <p:spPr/>
         <p:txBody>
           <a:bodyPr>
-            <a:normAutofit/>
+            <a:normAutofit fontScale="92500" lnSpcReduction="10000"/>
           </a:bodyPr>
           <a:lstStyle/>
           <a:p>
+            <a:pPr>
+              <a:buFont typeface="Wingdings" panose="05000000000000000000" pitchFamily="2" charset="2"/>
+              <a:buChar char="Ø"/>
+            </a:pPr>
+            <a:r>
+              <a:rPr lang="en-GB" dirty="0">
+                <a:solidFill>
+                  <a:schemeClr val="tx1"/>
+                </a:solidFill>
+              </a:rPr>
+              <a:t>REVIEWS</a:t>
+            </a:r>
             <a:r>
               <a:rPr lang="en-GB" dirty="0"/>
-              <a:t>Reviews : </a:t>
+              <a:t> : </a:t>
             </a:r>
           </a:p>
           <a:p>
@@ -5821,9 +5795,13 @@
             </a:r>
           </a:p>
           <a:p>
+            <a:pPr>
+              <a:buFont typeface="Wingdings" panose="05000000000000000000" pitchFamily="2" charset="2"/>
+              <a:buChar char="Ø"/>
+            </a:pPr>
             <a:r>
               <a:rPr lang="en-GB" dirty="0"/>
-              <a:t>Retrospectives : </a:t>
+              <a:t>RETROSPECTIVES : </a:t>
             </a:r>
           </a:p>
           <a:p>
@@ -5851,29 +5829,84 @@
       </p:sp>
       <p:sp>
         <p:nvSpPr>
-          <p:cNvPr id="4" name="CasellaDiTesto 3">
+          <p:cNvPr id="7" name="Rettangolo 6">
             <a:extLst>
               <a:ext uri="{FF2B5EF4-FFF2-40B4-BE49-F238E27FC236}">
-                <a16:creationId xmlns:a16="http://schemas.microsoft.com/office/drawing/2014/main" id="{9D4473D0-2298-485D-B560-0290A4870767}"/>
+                <a16:creationId xmlns:a16="http://schemas.microsoft.com/office/drawing/2014/main" id="{ADBB686D-3717-4AD3-96C2-75BFB3844E29}"/>
               </a:ext>
             </a:extLst>
           </p:cNvPr>
-          <p:cNvSpPr txBox="1"/>
+          <p:cNvSpPr/>
           <p:nvPr/>
         </p:nvSpPr>
         <p:spPr>
           <a:xfrm>
-            <a:off x="7095273" y="3001511"/>
-            <a:ext cx="4264026" cy="2585323"/>
+            <a:off x="6096000" y="0"/>
+            <a:ext cx="6096000" cy="6858000"/>
           </a:xfrm>
           <a:prstGeom prst="rect">
             <a:avLst/>
           </a:prstGeom>
-          <a:noFill/>
+          <a:solidFill>
+            <a:schemeClr val="tx2">
+              <a:lumMod val="20000"/>
+              <a:lumOff val="80000"/>
+            </a:schemeClr>
+          </a:solidFill>
+          <a:ln>
+            <a:solidFill>
+              <a:schemeClr val="tx2">
+                <a:lumMod val="20000"/>
+                <a:lumOff val="80000"/>
+              </a:schemeClr>
+            </a:solidFill>
+          </a:ln>
         </p:spPr>
+        <p:style>
+          <a:lnRef idx="2">
+            <a:schemeClr val="accent1">
+              <a:shade val="50000"/>
+            </a:schemeClr>
+          </a:lnRef>
+          <a:fillRef idx="1">
+            <a:schemeClr val="accent1"/>
+          </a:fillRef>
+          <a:effectRef idx="0">
+            <a:schemeClr val="accent1"/>
+          </a:effectRef>
+          <a:fontRef idx="minor">
+            <a:schemeClr val="lt1"/>
+          </a:fontRef>
+        </p:style>
         <p:txBody>
-          <a:bodyPr wrap="square" rtlCol="0">
-            <a:spAutoFit/>
+          <a:bodyPr rtlCol="0" anchor="ctr"/>
+          <a:lstStyle/>
+          <a:p>
+            <a:pPr algn="ctr"/>
+            <a:endParaRPr lang="it-IT"/>
+          </a:p>
+        </p:txBody>
+      </p:sp>
+      <p:sp>
+        <p:nvSpPr>
+          <p:cNvPr id="5" name="Segnaposto contenuto 4">
+            <a:extLst>
+              <a:ext uri="{FF2B5EF4-FFF2-40B4-BE49-F238E27FC236}">
+                <a16:creationId xmlns:a16="http://schemas.microsoft.com/office/drawing/2014/main" id="{7BE54149-9D34-4D55-BA10-AEE1D4166BB6}"/>
+              </a:ext>
+            </a:extLst>
+          </p:cNvPr>
+          <p:cNvSpPr>
+            <a:spLocks noGrp="1"/>
+          </p:cNvSpPr>
+          <p:nvPr>
+            <p:ph sz="half" idx="2"/>
+          </p:nvPr>
+        </p:nvSpPr>
+        <p:spPr/>
+        <p:txBody>
+          <a:bodyPr>
+            <a:normAutofit fontScale="92500" lnSpcReduction="10000"/>
           </a:bodyPr>
           <a:lstStyle/>
           <a:p>
@@ -5883,20 +5916,14 @@
             </a:r>
           </a:p>
           <a:p>
-            <a:pPr marL="742950" lvl="1" indent="-285750">
-              <a:buFont typeface="Arial" panose="020B0604020202020204" pitchFamily="34" charset="0"/>
-              <a:buChar char="•"/>
-            </a:pPr>
+            <a:pPr marL="742950" lvl="1" indent="-285750"/>
             <a:r>
               <a:rPr lang="en-GB" dirty="0"/>
               <a:t>Game developed in a shot time without any prior knowledge about game development.</a:t>
             </a:r>
           </a:p>
           <a:p>
-            <a:pPr marL="742950" lvl="1" indent="-285750">
-              <a:buFont typeface="Arial" panose="020B0604020202020204" pitchFamily="34" charset="0"/>
-              <a:buChar char="•"/>
-            </a:pPr>
+            <a:pPr marL="742950" lvl="1" indent="-285750"/>
             <a:r>
               <a:rPr lang="en-GB" dirty="0"/>
               <a:t>Efficient organization of work and collaboration of the team.</a:t>
@@ -5909,17 +5936,47 @@
             </a:r>
           </a:p>
           <a:p>
-            <a:pPr marL="742950" lvl="1" indent="-285750">
-              <a:buFont typeface="Arial" panose="020B0604020202020204" pitchFamily="34" charset="0"/>
-              <a:buChar char="•"/>
-            </a:pPr>
+            <a:pPr marL="742950" lvl="1" indent="-285750"/>
             <a:r>
               <a:rPr lang="en-GB" dirty="0"/>
               <a:t>Easy to go out of the track with respect to the individual work.</a:t>
             </a:r>
           </a:p>
+          <a:p>
+            <a:endParaRPr lang="it-IT" dirty="0"/>
+          </a:p>
         </p:txBody>
       </p:sp>
+      <p:pic>
+        <p:nvPicPr>
+          <p:cNvPr id="8" name="Immagine 7">
+            <a:extLst>
+              <a:ext uri="{FF2B5EF4-FFF2-40B4-BE49-F238E27FC236}">
+                <a16:creationId xmlns:a16="http://schemas.microsoft.com/office/drawing/2014/main" id="{0DB02CA2-6F64-45F3-A7F8-BB8ED2FEE115}"/>
+              </a:ext>
+            </a:extLst>
+          </p:cNvPr>
+          <p:cNvPicPr>
+            <a:picLocks noChangeAspect="1"/>
+          </p:cNvPicPr>
+          <p:nvPr/>
+        </p:nvPicPr>
+        <p:blipFill>
+          <a:blip r:embed="rId3"/>
+          <a:stretch>
+            <a:fillRect/>
+          </a:stretch>
+        </p:blipFill>
+        <p:spPr>
+          <a:xfrm>
+            <a:off x="2090604" y="924375"/>
+            <a:ext cx="8010791" cy="1269353"/>
+          </a:xfrm>
+          <a:prstGeom prst="rect">
+            <a:avLst/>
+          </a:prstGeom>
+        </p:spPr>
+      </p:pic>
     </p:spTree>
     <p:extLst>
       <p:ext uri="{BB962C8B-B14F-4D97-AF65-F5344CB8AC3E}">
@@ -5936,6 +5993,16 @@
 <file path=ppt/slides/slide13.xml><?xml version="1.0" encoding="utf-8"?>
 <p:sld xmlns:a="http://schemas.openxmlformats.org/drawingml/2006/main" xmlns:r="http://schemas.openxmlformats.org/officeDocument/2006/relationships" xmlns:p="http://schemas.openxmlformats.org/presentationml/2006/main">
   <p:cSld>
+    <p:bg>
+      <p:bgPr>
+        <a:solidFill>
+          <a:schemeClr val="bg1">
+            <a:lumMod val="95000"/>
+          </a:schemeClr>
+        </a:solidFill>
+        <a:effectLst/>
+      </p:bgPr>
+    </p:bg>
     <p:spTree>
       <p:nvGrpSpPr>
         <p:cNvPr id="1" name=""/>
@@ -5950,6 +6017,69 @@
           <a:chExt cx="0" cy="0"/>
         </a:xfrm>
       </p:grpSpPr>
+      <p:sp>
+        <p:nvSpPr>
+          <p:cNvPr id="15" name="Rectangle 14">
+            <a:extLst>
+              <a:ext uri="{FF2B5EF4-FFF2-40B4-BE49-F238E27FC236}">
+                <a16:creationId xmlns:a16="http://schemas.microsoft.com/office/drawing/2014/main" id="{168D508C-A317-451C-AB61-8A699E3570F1}"/>
+              </a:ext>
+              <a:ext uri="{C183D7F6-B498-43B3-948B-1728B52AA6E4}">
+                <adec:decorative xmlns:adec="http://schemas.microsoft.com/office/drawing/2017/decorative" val="1"/>
+              </a:ext>
+            </a:extLst>
+          </p:cNvPr>
+          <p:cNvSpPr>
+            <a:spLocks noGrp="1" noRot="1" noChangeAspect="1" noMove="1" noResize="1" noEditPoints="1" noAdjustHandles="1" noChangeArrowheads="1" noChangeShapeType="1" noTextEdit="1"/>
+          </p:cNvSpPr>
+          <p:nvPr>
+            <p:extLst>
+              <p:ext uri="{386F3935-93C4-4BCD-93E2-E3B085C9AB24}">
+                <p16:designElem xmlns:p16="http://schemas.microsoft.com/office/powerpoint/2015/main" val="1"/>
+              </p:ext>
+            </p:extLst>
+          </p:nvPr>
+        </p:nvSpPr>
+        <p:spPr>
+          <a:xfrm>
+            <a:off x="6101406" y="0"/>
+            <a:ext cx="6096000" cy="6858000"/>
+          </a:xfrm>
+          <a:prstGeom prst="rect">
+            <a:avLst/>
+          </a:prstGeom>
+          <a:solidFill>
+            <a:schemeClr val="accent2"/>
+          </a:solidFill>
+          <a:ln>
+            <a:noFill/>
+          </a:ln>
+        </p:spPr>
+        <p:style>
+          <a:lnRef idx="2">
+            <a:schemeClr val="accent1">
+              <a:shade val="50000"/>
+            </a:schemeClr>
+          </a:lnRef>
+          <a:fillRef idx="1">
+            <a:schemeClr val="accent1"/>
+          </a:fillRef>
+          <a:effectRef idx="0">
+            <a:schemeClr val="accent1"/>
+          </a:effectRef>
+          <a:fontRef idx="minor">
+            <a:schemeClr val="lt1"/>
+          </a:fontRef>
+        </p:style>
+        <p:txBody>
+          <a:bodyPr rtlCol="0" anchor="ctr"/>
+          <a:lstStyle/>
+          <a:p>
+            <a:pPr algn="ctr"/>
+            <a:endParaRPr lang="en-US"/>
+          </a:p>
+        </p:txBody>
+      </p:sp>
       <p:sp>
         <p:nvSpPr>
           <p:cNvPr id="2" name="Titolo 1">
@@ -5968,25 +6098,24 @@
         </p:nvSpPr>
         <p:spPr>
           <a:xfrm>
-            <a:off x="2231136" y="2834640"/>
-            <a:ext cx="7729728" cy="1188720"/>
+            <a:off x="1600200" y="2567226"/>
+            <a:ext cx="8991600" cy="1723549"/>
           </a:xfrm>
         </p:spPr>
         <p:txBody>
-          <a:bodyPr>
+          <a:bodyPr vert="horz" lIns="274320" tIns="182880" rIns="274320" bIns="182880" rtlCol="0" anchor="ctr" anchorCtr="1">
             <a:normAutofit/>
           </a:bodyPr>
           <a:lstStyle/>
           <a:p>
             <a:r>
-              <a:rPr lang="en-GB" dirty="0"/>
-              <a:t>Thanks for </a:t>
-            </a:r>
-            <a:r>
-              <a:rPr lang="en-GB"/>
-              <a:t>the attention</a:t>
-            </a:r>
-            <a:endParaRPr lang="en-GB" dirty="0"/>
+              <a:rPr lang="en-US" sz="4000">
+                <a:solidFill>
+                  <a:srgbClr val="262626"/>
+                </a:solidFill>
+              </a:rPr>
+              <a:t>Thanks for the attention</a:t>
+            </a:r>
           </a:p>
         </p:txBody>
       </p:sp>
@@ -6006,6 +6135,14 @@
 <file path=ppt/slides/slide2.xml><?xml version="1.0" encoding="utf-8"?>
 <p:sld xmlns:a="http://schemas.openxmlformats.org/drawingml/2006/main" xmlns:r="http://schemas.openxmlformats.org/officeDocument/2006/relationships" xmlns:p="http://schemas.openxmlformats.org/presentationml/2006/main">
   <p:cSld>
+    <p:bg>
+      <p:bgPr>
+        <a:solidFill>
+          <a:schemeClr val="bg1"/>
+        </a:solidFill>
+        <a:effectLst/>
+      </p:bgPr>
+    </p:bg>
     <p:spTree>
       <p:nvGrpSpPr>
         <p:cNvPr id="1" name=""/>
@@ -6022,6 +6159,196 @@
       </p:grpSpPr>
       <p:sp>
         <p:nvSpPr>
+          <p:cNvPr id="8" name="Rectangle 7">
+            <a:extLst>
+              <a:ext uri="{FF2B5EF4-FFF2-40B4-BE49-F238E27FC236}">
+                <a16:creationId xmlns:a16="http://schemas.microsoft.com/office/drawing/2014/main" id="{C33976D1-3430-450C-A978-87A9A6E8E71F}"/>
+              </a:ext>
+              <a:ext uri="{C183D7F6-B498-43B3-948B-1728B52AA6E4}">
+                <adec:decorative xmlns:adec="http://schemas.microsoft.com/office/drawing/2017/decorative" val="1"/>
+              </a:ext>
+            </a:extLst>
+          </p:cNvPr>
+          <p:cNvSpPr>
+            <a:spLocks noGrp="1" noRot="1" noChangeAspect="1" noMove="1" noResize="1" noEditPoints="1" noAdjustHandles="1" noChangeArrowheads="1" noChangeShapeType="1" noTextEdit="1"/>
+          </p:cNvSpPr>
+          <p:nvPr>
+            <p:extLst>
+              <p:ext uri="{386F3935-93C4-4BCD-93E2-E3B085C9AB24}">
+                <p16:designElem xmlns:p16="http://schemas.microsoft.com/office/powerpoint/2015/main" val="1"/>
+              </p:ext>
+            </p:extLst>
+          </p:nvPr>
+        </p:nvSpPr>
+        <p:spPr>
+          <a:xfrm>
+            <a:off x="0" y="0"/>
+            <a:ext cx="12192000" cy="6858000"/>
+          </a:xfrm>
+          <a:prstGeom prst="rect">
+            <a:avLst/>
+          </a:prstGeom>
+          <a:solidFill>
+            <a:schemeClr val="accent2"/>
+          </a:solidFill>
+          <a:ln>
+            <a:noFill/>
+          </a:ln>
+        </p:spPr>
+        <p:style>
+          <a:lnRef idx="2">
+            <a:schemeClr val="accent1">
+              <a:shade val="50000"/>
+            </a:schemeClr>
+          </a:lnRef>
+          <a:fillRef idx="1">
+            <a:schemeClr val="accent1"/>
+          </a:fillRef>
+          <a:effectRef idx="0">
+            <a:schemeClr val="accent1"/>
+          </a:effectRef>
+          <a:fontRef idx="minor">
+            <a:schemeClr val="lt1"/>
+          </a:fontRef>
+        </p:style>
+        <p:txBody>
+          <a:bodyPr rtlCol="0" anchor="ctr"/>
+          <a:lstStyle/>
+          <a:p>
+            <a:pPr algn="ctr"/>
+            <a:endParaRPr lang="en-US"/>
+          </a:p>
+        </p:txBody>
+      </p:sp>
+      <p:sp>
+        <p:nvSpPr>
+          <p:cNvPr id="10" name="Rectangle 9">
+            <a:extLst>
+              <a:ext uri="{FF2B5EF4-FFF2-40B4-BE49-F238E27FC236}">
+                <a16:creationId xmlns:a16="http://schemas.microsoft.com/office/drawing/2014/main" id="{7D6AAC78-7D86-415A-ADC1-2B474807960C}"/>
+              </a:ext>
+              <a:ext uri="{C183D7F6-B498-43B3-948B-1728B52AA6E4}">
+                <adec:decorative xmlns:adec="http://schemas.microsoft.com/office/drawing/2017/decorative" val="1"/>
+              </a:ext>
+            </a:extLst>
+          </p:cNvPr>
+          <p:cNvSpPr>
+            <a:spLocks noGrp="1" noRot="1" noChangeAspect="1" noMove="1" noResize="1" noEditPoints="1" noAdjustHandles="1" noChangeArrowheads="1" noChangeShapeType="1" noTextEdit="1"/>
+          </p:cNvSpPr>
+          <p:nvPr>
+            <p:extLst>
+              <p:ext uri="{386F3935-93C4-4BCD-93E2-E3B085C9AB24}">
+                <p16:designElem xmlns:p16="http://schemas.microsoft.com/office/powerpoint/2015/main" val="1"/>
+              </p:ext>
+            </p:extLst>
+          </p:nvPr>
+        </p:nvSpPr>
+        <p:spPr>
+          <a:xfrm>
+            <a:off x="1249680" y="1248156"/>
+            <a:ext cx="9692640" cy="4361688"/>
+          </a:xfrm>
+          <a:prstGeom prst="rect">
+            <a:avLst/>
+          </a:prstGeom>
+          <a:solidFill>
+            <a:srgbClr val="FFFFFF"/>
+          </a:solidFill>
+          <a:ln>
+            <a:noFill/>
+          </a:ln>
+        </p:spPr>
+        <p:style>
+          <a:lnRef idx="2">
+            <a:schemeClr val="accent1">
+              <a:shade val="50000"/>
+            </a:schemeClr>
+          </a:lnRef>
+          <a:fillRef idx="1">
+            <a:schemeClr val="accent1"/>
+          </a:fillRef>
+          <a:effectRef idx="0">
+            <a:schemeClr val="accent1"/>
+          </a:effectRef>
+          <a:fontRef idx="minor">
+            <a:schemeClr val="lt1"/>
+          </a:fontRef>
+        </p:style>
+        <p:txBody>
+          <a:bodyPr rtlCol="0" anchor="ctr"/>
+          <a:lstStyle/>
+          <a:p>
+            <a:pPr algn="ctr"/>
+            <a:endParaRPr lang="en-US"/>
+          </a:p>
+        </p:txBody>
+      </p:sp>
+      <p:sp>
+        <p:nvSpPr>
+          <p:cNvPr id="12" name="Rectangle 11">
+            <a:extLst>
+              <a:ext uri="{FF2B5EF4-FFF2-40B4-BE49-F238E27FC236}">
+                <a16:creationId xmlns:a16="http://schemas.microsoft.com/office/drawing/2014/main" id="{F2A658D9-F185-44F1-BA33-D50320D1D078}"/>
+              </a:ext>
+              <a:ext uri="{C183D7F6-B498-43B3-948B-1728B52AA6E4}">
+                <adec:decorative xmlns:adec="http://schemas.microsoft.com/office/drawing/2017/decorative" val="1"/>
+              </a:ext>
+            </a:extLst>
+          </p:cNvPr>
+          <p:cNvSpPr>
+            <a:spLocks noGrp="1" noRot="1" noChangeAspect="1" noMove="1" noResize="1" noEditPoints="1" noAdjustHandles="1" noChangeArrowheads="1" noChangeShapeType="1" noTextEdit="1"/>
+          </p:cNvSpPr>
+          <p:nvPr>
+            <p:extLst>
+              <p:ext uri="{386F3935-93C4-4BCD-93E2-E3B085C9AB24}">
+                <p16:designElem xmlns:p16="http://schemas.microsoft.com/office/powerpoint/2015/main" val="1"/>
+              </p:ext>
+            </p:extLst>
+          </p:nvPr>
+        </p:nvSpPr>
+        <p:spPr>
+          <a:xfrm>
+            <a:off x="1062228" y="1060704"/>
+            <a:ext cx="10067544" cy="4736592"/>
+          </a:xfrm>
+          <a:prstGeom prst="rect">
+            <a:avLst/>
+          </a:prstGeom>
+          <a:noFill/>
+          <a:ln w="31750" cap="sq">
+            <a:solidFill>
+              <a:srgbClr val="FFFFFF"/>
+            </a:solidFill>
+            <a:miter lim="800000"/>
+          </a:ln>
+        </p:spPr>
+        <p:style>
+          <a:lnRef idx="2">
+            <a:schemeClr val="accent1">
+              <a:shade val="50000"/>
+            </a:schemeClr>
+          </a:lnRef>
+          <a:fillRef idx="1">
+            <a:schemeClr val="accent1"/>
+          </a:fillRef>
+          <a:effectRef idx="0">
+            <a:schemeClr val="accent1"/>
+          </a:effectRef>
+          <a:fontRef idx="minor">
+            <a:schemeClr val="lt1"/>
+          </a:fontRef>
+        </p:style>
+        <p:txBody>
+          <a:bodyPr rtlCol="0" anchor="ctr"/>
+          <a:lstStyle/>
+          <a:p>
+            <a:pPr algn="ctr"/>
+            <a:endParaRPr lang="en-US"/>
+          </a:p>
+        </p:txBody>
+      </p:sp>
+      <p:sp>
+        <p:nvSpPr>
           <p:cNvPr id="2" name="Titolo 1">
             <a:extLst>
               <a:ext uri="{FF2B5EF4-FFF2-40B4-BE49-F238E27FC236}">
@@ -6036,9 +6363,16 @@
             <p:ph type="title"/>
           </p:nvPr>
         </p:nvSpPr>
-        <p:spPr/>
+        <p:spPr>
+          <a:xfrm>
+            <a:off x="2231136" y="467418"/>
+            <a:ext cx="7729728" cy="1188720"/>
+          </a:xfrm>
+        </p:spPr>
         <p:txBody>
-          <a:bodyPr/>
+          <a:bodyPr>
+            <a:normAutofit/>
+          </a:bodyPr>
           <a:lstStyle/>
           <a:p>
             <a:r>
@@ -6072,164 +6406,75 @@
             <p:ph idx="1"/>
           </p:nvPr>
         </p:nvSpPr>
-        <p:spPr/>
+        <p:spPr>
+          <a:xfrm>
+            <a:off x="1706062" y="2291262"/>
+            <a:ext cx="8779512" cy="2879256"/>
+          </a:xfrm>
+        </p:spPr>
         <p:txBody>
-          <a:bodyPr/>
+          <a:bodyPr>
+            <a:normAutofit/>
+          </a:bodyPr>
           <a:lstStyle/>
           <a:p>
             <a:r>
-              <a:rPr lang="it-IT" dirty="0"/>
+              <a:rPr lang="it-IT">
+                <a:solidFill>
+                  <a:srgbClr val="404040"/>
+                </a:solidFill>
+              </a:rPr>
               <a:t>Open-world RPG.</a:t>
             </a:r>
           </a:p>
           <a:p>
             <a:r>
-              <a:rPr lang="it-IT" dirty="0"/>
-              <a:t>Player </a:t>
-            </a:r>
-            <a:r>
-              <a:rPr lang="it-IT" dirty="0" err="1"/>
-              <a:t>is</a:t>
-            </a:r>
-            <a:r>
-              <a:rPr lang="it-IT" dirty="0"/>
-              <a:t> a computer engineering </a:t>
-            </a:r>
-            <a:r>
-              <a:rPr lang="it-IT" dirty="0" err="1"/>
-              <a:t>student</a:t>
-            </a:r>
-            <a:r>
-              <a:rPr lang="it-IT" dirty="0"/>
-              <a:t>.</a:t>
-            </a:r>
-          </a:p>
-          <a:p>
-            <a:r>
-              <a:rPr lang="it-IT" dirty="0"/>
-              <a:t>The game world </a:t>
-            </a:r>
-            <a:r>
-              <a:rPr lang="it-IT" dirty="0" err="1"/>
-              <a:t>is</a:t>
-            </a:r>
-            <a:r>
-              <a:rPr lang="it-IT" dirty="0"/>
-              <a:t> the University of Salerno.</a:t>
-            </a:r>
-          </a:p>
-          <a:p>
-            <a:r>
-              <a:rPr lang="it-IT" dirty="0"/>
-              <a:t>The goal </a:t>
-            </a:r>
-            <a:r>
-              <a:rPr lang="it-IT" dirty="0" err="1"/>
-              <a:t>is</a:t>
-            </a:r>
-            <a:r>
-              <a:rPr lang="it-IT" dirty="0"/>
-              <a:t> to </a:t>
-            </a:r>
-            <a:r>
-              <a:rPr lang="it-IT" dirty="0" err="1"/>
-              <a:t>get</a:t>
-            </a:r>
-            <a:r>
-              <a:rPr lang="it-IT" dirty="0"/>
-              <a:t> a degree.</a:t>
-            </a:r>
-          </a:p>
-          <a:p>
-            <a:r>
-              <a:rPr lang="it-IT" dirty="0"/>
-              <a:t>Tasks </a:t>
-            </a:r>
-            <a:r>
-              <a:rPr lang="it-IT" dirty="0" err="1"/>
-              <a:t>consist</a:t>
-            </a:r>
-            <a:r>
-              <a:rPr lang="it-IT" dirty="0"/>
-              <a:t> of </a:t>
-            </a:r>
-            <a:r>
-              <a:rPr lang="it-IT" dirty="0" err="1"/>
-              <a:t>exams</a:t>
-            </a:r>
-            <a:r>
-              <a:rPr lang="it-IT" dirty="0"/>
-              <a:t> to be </a:t>
-            </a:r>
-            <a:r>
-              <a:rPr lang="it-IT" dirty="0" err="1"/>
-              <a:t>passed</a:t>
-            </a:r>
-            <a:r>
-              <a:rPr lang="it-IT" dirty="0"/>
-              <a:t> and items to be </a:t>
-            </a:r>
-            <a:r>
-              <a:rPr lang="it-IT" dirty="0" err="1"/>
-              <a:t>picked</a:t>
-            </a:r>
-            <a:r>
-              <a:rPr lang="it-IT" dirty="0"/>
-              <a:t>.</a:t>
-            </a:r>
-          </a:p>
-          <a:p>
-            <a:r>
-              <a:rPr lang="it-IT" dirty="0"/>
-              <a:t>The player </a:t>
-            </a:r>
-            <a:r>
-              <a:rPr lang="it-IT" dirty="0" err="1"/>
-              <a:t>has</a:t>
-            </a:r>
-            <a:r>
-              <a:rPr lang="it-IT" dirty="0"/>
-              <a:t> to </a:t>
-            </a:r>
-            <a:r>
-              <a:rPr lang="it-IT" dirty="0" err="1"/>
-              <a:t>manage</a:t>
-            </a:r>
-            <a:r>
-              <a:rPr lang="it-IT" dirty="0"/>
-              <a:t> </a:t>
-            </a:r>
-            <a:r>
-              <a:rPr lang="it-IT" dirty="0" err="1"/>
-              <a:t>its</a:t>
-            </a:r>
-            <a:r>
-              <a:rPr lang="it-IT" dirty="0"/>
-              <a:t> </a:t>
-            </a:r>
-            <a:r>
-              <a:rPr lang="it-IT" dirty="0" err="1"/>
-              <a:t>own</a:t>
-            </a:r>
-            <a:r>
-              <a:rPr lang="it-IT" dirty="0"/>
-              <a:t> status (</a:t>
-            </a:r>
-            <a:r>
-              <a:rPr lang="it-IT" dirty="0" err="1"/>
-              <a:t>health</a:t>
-            </a:r>
-            <a:r>
-              <a:rPr lang="it-IT" dirty="0"/>
-              <a:t>, stress, </a:t>
-            </a:r>
-            <a:r>
-              <a:rPr lang="it-IT" dirty="0" err="1"/>
-              <a:t>hunger</a:t>
-            </a:r>
-            <a:r>
-              <a:rPr lang="it-IT" dirty="0"/>
-              <a:t>).</a:t>
+              <a:rPr lang="it-IT">
+                <a:solidFill>
+                  <a:srgbClr val="404040"/>
+                </a:solidFill>
+              </a:rPr>
+              <a:t>Player is a computer engineering student.</a:t>
+            </a:r>
+          </a:p>
+          <a:p>
+            <a:r>
+              <a:rPr lang="it-IT">
+                <a:solidFill>
+                  <a:srgbClr val="404040"/>
+                </a:solidFill>
+              </a:rPr>
+              <a:t>The game world is the University of Salerno.</a:t>
+            </a:r>
+          </a:p>
+          <a:p>
+            <a:r>
+              <a:rPr lang="it-IT">
+                <a:solidFill>
+                  <a:srgbClr val="404040"/>
+                </a:solidFill>
+              </a:rPr>
+              <a:t>The goal is to get a degree.</a:t>
+            </a:r>
+          </a:p>
+          <a:p>
+            <a:r>
+              <a:rPr lang="it-IT">
+                <a:solidFill>
+                  <a:srgbClr val="404040"/>
+                </a:solidFill>
+              </a:rPr>
+              <a:t>Tasks consist of exams to be passed and items to be picked.</a:t>
+            </a:r>
+          </a:p>
+          <a:p>
+            <a:r>
+              <a:rPr lang="it-IT">
+                <a:solidFill>
+                  <a:srgbClr val="404040"/>
+                </a:solidFill>
+              </a:rPr>
+              <a:t>The player has to manage its own status (health, stress, hunger).</a:t>
             </a:r>
           </a:p>
         </p:txBody>
@@ -11615,7 +11860,7 @@
         </p:nvSpPr>
         <p:spPr>
           <a:xfrm>
-            <a:off x="2682365" y="3428236"/>
+            <a:off x="2682365" y="3405351"/>
             <a:ext cx="2557021" cy="2465071"/>
           </a:xfrm>
         </p:spPr>
@@ -11858,6 +12103,14 @@
 <file path=ppt/slides/slide8.xml><?xml version="1.0" encoding="utf-8"?>
 <p:sld xmlns:a="http://schemas.openxmlformats.org/drawingml/2006/main" xmlns:r="http://schemas.openxmlformats.org/officeDocument/2006/relationships" xmlns:p="http://schemas.openxmlformats.org/presentationml/2006/main">
   <p:cSld>
+    <p:bg>
+      <p:bgPr>
+        <a:solidFill>
+          <a:schemeClr val="accent2"/>
+        </a:solidFill>
+        <a:effectLst/>
+      </p:bgPr>
+    </p:bg>
     <p:spTree>
       <p:nvGrpSpPr>
         <p:cNvPr id="1" name=""/>
@@ -11888,15 +12141,97 @@
             <p:ph type="title"/>
           </p:nvPr>
         </p:nvSpPr>
-        <p:spPr/>
+        <p:spPr>
+          <a:xfrm>
+            <a:off x="829781" y="2708804"/>
+            <a:ext cx="3698803" cy="1440394"/>
+          </a:xfrm>
+          <a:noFill/>
+          <a:ln>
+            <a:solidFill>
+              <a:schemeClr val="tx1"/>
+            </a:solidFill>
+          </a:ln>
+        </p:spPr>
         <p:txBody>
-          <a:bodyPr/>
+          <a:bodyPr>
+            <a:normAutofit/>
+          </a:bodyPr>
           <a:lstStyle/>
           <a:p>
             <a:r>
-              <a:rPr lang="it-IT" dirty="0"/>
+              <a:rPr lang="it-IT" sz="2400">
+                <a:solidFill>
+                  <a:schemeClr val="tx1"/>
+                </a:solidFill>
+              </a:rPr>
               <a:t>AGILE PRACTICES ADOPTED</a:t>
             </a:r>
+          </a:p>
+        </p:txBody>
+      </p:sp>
+      <p:sp>
+        <p:nvSpPr>
+          <p:cNvPr id="8" name="Rectangle 7">
+            <a:extLst>
+              <a:ext uri="{FF2B5EF4-FFF2-40B4-BE49-F238E27FC236}">
+                <a16:creationId xmlns:a16="http://schemas.microsoft.com/office/drawing/2014/main" id="{FB403EBD-907E-4D59-98D4-A72CD1063C62}"/>
+              </a:ext>
+              <a:ext uri="{C183D7F6-B498-43B3-948B-1728B52AA6E4}">
+                <adec:decorative xmlns:adec="http://schemas.microsoft.com/office/drawing/2017/decorative" val="1"/>
+              </a:ext>
+            </a:extLst>
+          </p:cNvPr>
+          <p:cNvSpPr>
+            <a:spLocks noGrp="1" noRot="1" noChangeAspect="1" noMove="1" noResize="1" noEditPoints="1" noAdjustHandles="1" noChangeArrowheads="1" noChangeShapeType="1" noTextEdit="1"/>
+          </p:cNvSpPr>
+          <p:nvPr>
+            <p:extLst>
+              <p:ext uri="{386F3935-93C4-4BCD-93E2-E3B085C9AB24}">
+                <p16:designElem xmlns:p16="http://schemas.microsoft.com/office/powerpoint/2015/main" val="1"/>
+              </p:ext>
+            </p:extLst>
+          </p:nvPr>
+        </p:nvSpPr>
+        <p:spPr>
+          <a:xfrm>
+            <a:off x="5315061" y="-2"/>
+            <a:ext cx="6876939" cy="6858002"/>
+          </a:xfrm>
+          <a:prstGeom prst="rect">
+            <a:avLst/>
+          </a:prstGeom>
+          <a:solidFill>
+            <a:schemeClr val="tx1">
+              <a:lumMod val="95000"/>
+            </a:schemeClr>
+          </a:solidFill>
+          <a:ln>
+            <a:noFill/>
+          </a:ln>
+        </p:spPr>
+        <p:style>
+          <a:lnRef idx="2">
+            <a:schemeClr val="accent1">
+              <a:shade val="50000"/>
+            </a:schemeClr>
+          </a:lnRef>
+          <a:fillRef idx="1">
+            <a:schemeClr val="accent1"/>
+          </a:fillRef>
+          <a:effectRef idx="0">
+            <a:schemeClr val="accent1"/>
+          </a:effectRef>
+          <a:fontRef idx="minor">
+            <a:schemeClr val="lt1"/>
+          </a:fontRef>
+        </p:style>
+        <p:txBody>
+          <a:bodyPr rtlCol="0" anchor="ctr"/>
+          <a:lstStyle/>
+          <a:p>
+            <a:pPr algn="ctr"/>
+            <a:endParaRPr lang="en-US"/>
           </a:p>
         </p:txBody>
       </p:sp>
@@ -11916,86 +12251,137 @@
             <p:ph idx="1"/>
           </p:nvPr>
         </p:nvSpPr>
-        <p:spPr/>
+        <p:spPr>
+          <a:xfrm>
+            <a:off x="6049182" y="802638"/>
+            <a:ext cx="5408696" cy="5252722"/>
+          </a:xfrm>
+        </p:spPr>
         <p:txBody>
-          <a:bodyPr/>
+          <a:bodyPr anchor="ctr">
+            <a:normAutofit/>
+          </a:bodyPr>
           <a:lstStyle/>
           <a:p>
             <a:r>
-              <a:rPr lang="it-IT" dirty="0"/>
+              <a:rPr lang="it-IT" sz="2400" dirty="0">
+                <a:solidFill>
+                  <a:schemeClr val="bg1"/>
+                </a:solidFill>
+              </a:rPr>
               <a:t>Game concepts and features </a:t>
             </a:r>
             <a:r>
-              <a:rPr lang="it-IT" dirty="0" err="1"/>
+              <a:rPr lang="it-IT" sz="2400" dirty="0" err="1">
+                <a:solidFill>
+                  <a:schemeClr val="bg1"/>
+                </a:solidFill>
+              </a:rPr>
               <a:t>represented</a:t>
             </a:r>
             <a:r>
-              <a:rPr lang="it-IT" dirty="0"/>
-              <a:t> by user stories </a:t>
-            </a:r>
-          </a:p>
-          <a:p>
-            <a:r>
-              <a:rPr lang="it-IT" dirty="0"/>
-              <a:t>Product backlog (Fibonacci </a:t>
-            </a:r>
-            <a:r>
-              <a:rPr lang="it-IT" dirty="0" err="1"/>
+              <a:rPr lang="it-IT" sz="2400" dirty="0">
+                <a:solidFill>
+                  <a:schemeClr val="bg1"/>
+                </a:solidFill>
+              </a:rPr>
+              <a:t> by USER STORIES </a:t>
+            </a:r>
+          </a:p>
+          <a:p>
+            <a:r>
+              <a:rPr lang="it-IT" sz="2400" dirty="0">
+                <a:solidFill>
+                  <a:schemeClr val="bg1"/>
+                </a:solidFill>
+              </a:rPr>
+              <a:t>PRODUCT BACKLOG (Fibonacci </a:t>
+            </a:r>
+            <a:r>
+              <a:rPr lang="it-IT" sz="2400" dirty="0" err="1">
+                <a:solidFill>
+                  <a:schemeClr val="bg1"/>
+                </a:solidFill>
+              </a:rPr>
               <a:t>sequence</a:t>
             </a:r>
             <a:r>
-              <a:rPr lang="it-IT" dirty="0"/>
+              <a:rPr lang="it-IT" sz="2400" dirty="0">
+                <a:solidFill>
+                  <a:schemeClr val="bg1"/>
+                </a:solidFill>
+              </a:rPr>
               <a:t> to </a:t>
             </a:r>
             <a:r>
-              <a:rPr lang="it-IT" dirty="0" err="1"/>
+              <a:rPr lang="it-IT" sz="2400" dirty="0" err="1">
+                <a:solidFill>
+                  <a:schemeClr val="bg1"/>
+                </a:solidFill>
+              </a:rPr>
               <a:t>assign</a:t>
             </a:r>
             <a:r>
-              <a:rPr lang="it-IT" dirty="0"/>
+              <a:rPr lang="it-IT" sz="2400" dirty="0">
+                <a:solidFill>
+                  <a:schemeClr val="bg1"/>
+                </a:solidFill>
+              </a:rPr>
               <a:t> story points)</a:t>
             </a:r>
           </a:p>
           <a:p>
             <a:r>
-              <a:rPr lang="it-IT" dirty="0" err="1"/>
-              <a:t>Sprints</a:t>
-            </a:r>
-            <a:r>
-              <a:rPr lang="it-IT" dirty="0"/>
-              <a:t> : planning and backlog, </a:t>
-            </a:r>
-            <a:r>
-              <a:rPr lang="it-IT" dirty="0" err="1"/>
+              <a:rPr lang="it-IT" sz="2400" dirty="0">
+                <a:solidFill>
+                  <a:schemeClr val="bg1"/>
+                </a:solidFill>
+              </a:rPr>
+              <a:t>SPRINTS : planning and backlog, </a:t>
+            </a:r>
+            <a:r>
+              <a:rPr lang="it-IT" sz="2400" dirty="0" err="1">
+                <a:solidFill>
+                  <a:schemeClr val="bg1"/>
+                </a:solidFill>
+              </a:rPr>
               <a:t>retrospective</a:t>
             </a:r>
             <a:r>
-              <a:rPr lang="it-IT" dirty="0"/>
+              <a:rPr lang="it-IT" sz="2400" dirty="0">
+                <a:solidFill>
+                  <a:schemeClr val="bg1"/>
+                </a:solidFill>
+              </a:rPr>
               <a:t>, review</a:t>
             </a:r>
           </a:p>
           <a:p>
             <a:r>
-              <a:rPr lang="it-IT" dirty="0" err="1"/>
-              <a:t>Daily</a:t>
-            </a:r>
-            <a:r>
-              <a:rPr lang="it-IT" dirty="0"/>
-              <a:t> meetings</a:t>
-            </a:r>
-          </a:p>
-          <a:p>
-            <a:r>
-              <a:rPr lang="it-IT" dirty="0" err="1"/>
-              <a:t>Pair</a:t>
-            </a:r>
-            <a:r>
-              <a:rPr lang="it-IT" dirty="0"/>
-              <a:t> programming</a:t>
-            </a:r>
-          </a:p>
-          <a:p>
-            <a:endParaRPr lang="it-IT" dirty="0"/>
+              <a:rPr lang="it-IT" sz="2400" dirty="0">
+                <a:solidFill>
+                  <a:schemeClr val="bg1"/>
+                </a:solidFill>
+              </a:rPr>
+              <a:t>DAILY MEETINGS</a:t>
+            </a:r>
+          </a:p>
+          <a:p>
+            <a:r>
+              <a:rPr lang="it-IT" sz="2400" dirty="0">
+                <a:solidFill>
+                  <a:schemeClr val="bg1"/>
+                </a:solidFill>
+              </a:rPr>
+              <a:t>PAIR PROGRAMMING</a:t>
+            </a:r>
+          </a:p>
+          <a:p>
+            <a:endParaRPr lang="it-IT" dirty="0">
+              <a:solidFill>
+                <a:schemeClr val="bg1"/>
+              </a:solidFill>
+            </a:endParaRPr>
           </a:p>
         </p:txBody>
       </p:sp>
@@ -12007,7 +12393,7 @@
     </p:extLst>
   </p:cSld>
   <p:clrMapOvr>
-    <a:masterClrMapping/>
+    <a:overrideClrMapping bg1="dk1" tx1="lt1" bg2="dk2" tx2="lt2" accent1="accent1" accent2="accent2" accent3="accent3" accent4="accent4" accent5="accent5" accent6="accent6" hlink="hlink" folHlink="folHlink"/>
   </p:clrMapOvr>
 </p:sld>
 </file>

--- a/PRESENTAZIONE FINALE2.pptx
+++ b/PRESENTAZIONE FINALE2.pptx
@@ -130,7 +130,7 @@
 <file path=ppt/revisionInfo.xml><?xml version="1.0" encoding="utf-8"?>
 <p1510:revInfo xmlns:a="http://schemas.openxmlformats.org/drawingml/2006/main" xmlns:r="http://schemas.openxmlformats.org/officeDocument/2006/relationships" xmlns:p1510="http://schemas.microsoft.com/office/powerpoint/2015/10/main">
   <p1510:revLst>
-    <p1510:client id="{2F46556F-14E4-48EA-BC08-56CA0671F844}" v="28" dt="2020-01-08T16:37:36.640"/>
+    <p1510:client id="{2F46556F-14E4-48EA-BC08-56CA0671F844}" v="36" dt="2020-01-09T07:34:51.121"/>
   </p1510:revLst>
 </p1510:revInfo>
 </file>
@@ -140,7 +140,7 @@
   <pc:docChgLst>
     <pc:chgData name="Christian Marino" userId="2ca91e61d2823706" providerId="LiveId" clId="{2F46556F-14E4-48EA-BC08-56CA0671F844}"/>
     <pc:docChg chg="undo custSel addSld modSld">
-      <pc:chgData name="Christian Marino" userId="2ca91e61d2823706" providerId="LiveId" clId="{2F46556F-14E4-48EA-BC08-56CA0671F844}" dt="2020-01-08T16:41:58.223" v="2742" actId="1076"/>
+      <pc:chgData name="Christian Marino" userId="2ca91e61d2823706" providerId="LiveId" clId="{2F46556F-14E4-48EA-BC08-56CA0671F844}" dt="2020-01-09T07:34:51.121" v="2750" actId="20577"/>
       <pc:docMkLst>
         <pc:docMk/>
       </pc:docMkLst>
@@ -152,13 +152,13 @@
         </pc:sldMkLst>
       </pc:sldChg>
       <pc:sldChg chg="modSp">
-        <pc:chgData name="Christian Marino" userId="2ca91e61d2823706" providerId="LiveId" clId="{2F46556F-14E4-48EA-BC08-56CA0671F844}" dt="2020-01-08T15:27:04.068" v="1148" actId="20577"/>
+        <pc:chgData name="Christian Marino" userId="2ca91e61d2823706" providerId="LiveId" clId="{2F46556F-14E4-48EA-BC08-56CA0671F844}" dt="2020-01-09T07:34:32.884" v="2743" actId="20577"/>
         <pc:sldMkLst>
           <pc:docMk/>
           <pc:sldMk cId="3187496368" sldId="259"/>
         </pc:sldMkLst>
         <pc:spChg chg="mod">
-          <ac:chgData name="Christian Marino" userId="2ca91e61d2823706" providerId="LiveId" clId="{2F46556F-14E4-48EA-BC08-56CA0671F844}" dt="2020-01-08T15:27:04.068" v="1148" actId="20577"/>
+          <ac:chgData name="Christian Marino" userId="2ca91e61d2823706" providerId="LiveId" clId="{2F46556F-14E4-48EA-BC08-56CA0671F844}" dt="2020-01-09T07:34:32.884" v="2743" actId="20577"/>
           <ac:spMkLst>
             <pc:docMk/>
             <pc:sldMk cId="3187496368" sldId="259"/>
@@ -192,6 +192,21 @@
           <ac:spMkLst>
             <pc:docMk/>
             <pc:sldMk cId="295705340" sldId="262"/>
+            <ac:spMk id="3" creationId="{8C7D8013-FC6F-4DB3-BB86-7DEC8ED5DE96}"/>
+          </ac:spMkLst>
+        </pc:spChg>
+      </pc:sldChg>
+      <pc:sldChg chg="modSp modAnim">
+        <pc:chgData name="Christian Marino" userId="2ca91e61d2823706" providerId="LiveId" clId="{2F46556F-14E4-48EA-BC08-56CA0671F844}" dt="2020-01-09T07:34:51.121" v="2750" actId="20577"/>
+        <pc:sldMkLst>
+          <pc:docMk/>
+          <pc:sldMk cId="485769702" sldId="264"/>
+        </pc:sldMkLst>
+        <pc:spChg chg="mod">
+          <ac:chgData name="Christian Marino" userId="2ca91e61d2823706" providerId="LiveId" clId="{2F46556F-14E4-48EA-BC08-56CA0671F844}" dt="2020-01-09T07:34:51.121" v="2750" actId="20577"/>
+          <ac:spMkLst>
+            <pc:docMk/>
+            <pc:sldMk cId="485769702" sldId="264"/>
             <ac:spMk id="3" creationId="{8C7D8013-FC6F-4DB3-BB86-7DEC8ED5DE96}"/>
           </ac:spMkLst>
         </pc:spChg>
@@ -11916,7 +11931,7 @@
             </a:r>
             <a:r>
               <a:rPr lang="it-IT" sz="2000" i="1" dirty="0" err="1"/>
-              <a:t>Perfomed</a:t>
+              <a:t>Performed</a:t>
             </a:r>
             <a:r>
               <a:rPr lang="it-IT" sz="2000" i="1" dirty="0"/>
@@ -12477,12 +12492,6 @@
           <a:lstStyle/>
           <a:p>
             <a:r>
-              <a:rPr lang="it-IT" sz="4000" dirty="0"/>
-              <a:t>GitHub</a:t>
-            </a:r>
-          </a:p>
-          <a:p>
-            <a:r>
               <a:rPr lang="it-IT" sz="4000" dirty="0" err="1"/>
               <a:t>Trello</a:t>
             </a:r>
@@ -12897,100 +12906,6 @@
                                           <p:spTgt spid="3">
                                             <p:txEl>
                                               <p:pRg st="3" end="3"/>
-                                            </p:txEl>
-                                          </p:spTgt>
-                                        </p:tgtEl>
-                                        <p:attrNameLst>
-                                          <p:attrName>ppt_y</p:attrName>
-                                        </p:attrNameLst>
-                                      </p:cBhvr>
-                                      <p:tavLst>
-                                        <p:tav tm="0">
-                                          <p:val>
-                                            <p:strVal val="#ppt_y"/>
-                                          </p:val>
-                                        </p:tav>
-                                        <p:tav tm="100000">
-                                          <p:val>
-                                            <p:strVal val="#ppt_y"/>
-                                          </p:val>
-                                        </p:tav>
-                                      </p:tavLst>
-                                    </p:anim>
-                                  </p:childTnLst>
-                                </p:cTn>
-                              </p:par>
-                            </p:childTnLst>
-                          </p:cTn>
-                        </p:par>
-                        <p:par>
-                          <p:cTn id="24" fill="hold">
-                            <p:stCondLst>
-                              <p:cond delay="2000"/>
-                            </p:stCondLst>
-                            <p:childTnLst>
-                              <p:par>
-                                <p:cTn id="25" presetID="2" presetClass="entr" presetSubtype="2" fill="hold" nodeType="afterEffect">
-                                  <p:stCondLst>
-                                    <p:cond delay="0"/>
-                                  </p:stCondLst>
-                                  <p:childTnLst>
-                                    <p:set>
-                                      <p:cBhvr>
-                                        <p:cTn id="26" dur="1" fill="hold">
-                                          <p:stCondLst>
-                                            <p:cond delay="0"/>
-                                          </p:stCondLst>
-                                        </p:cTn>
-                                        <p:tgtEl>
-                                          <p:spTgt spid="3">
-                                            <p:txEl>
-                                              <p:pRg st="4" end="4"/>
-                                            </p:txEl>
-                                          </p:spTgt>
-                                        </p:tgtEl>
-                                        <p:attrNameLst>
-                                          <p:attrName>style.visibility</p:attrName>
-                                        </p:attrNameLst>
-                                      </p:cBhvr>
-                                      <p:to>
-                                        <p:strVal val="visible"/>
-                                      </p:to>
-                                    </p:set>
-                                    <p:anim calcmode="lin" valueType="num">
-                                      <p:cBhvr additive="base">
-                                        <p:cTn id="27" dur="500" fill="hold"/>
-                                        <p:tgtEl>
-                                          <p:spTgt spid="3">
-                                            <p:txEl>
-                                              <p:pRg st="4" end="4"/>
-                                            </p:txEl>
-                                          </p:spTgt>
-                                        </p:tgtEl>
-                                        <p:attrNameLst>
-                                          <p:attrName>ppt_x</p:attrName>
-                                        </p:attrNameLst>
-                                      </p:cBhvr>
-                                      <p:tavLst>
-                                        <p:tav tm="0">
-                                          <p:val>
-                                            <p:strVal val="1+#ppt_w/2"/>
-                                          </p:val>
-                                        </p:tav>
-                                        <p:tav tm="100000">
-                                          <p:val>
-                                            <p:strVal val="#ppt_x"/>
-                                          </p:val>
-                                        </p:tav>
-                                      </p:tavLst>
-                                    </p:anim>
-                                    <p:anim calcmode="lin" valueType="num">
-                                      <p:cBhvr additive="base">
-                                        <p:cTn id="28" dur="500" fill="hold"/>
-                                        <p:tgtEl>
-                                          <p:spTgt spid="3">
-                                            <p:txEl>
-                                              <p:pRg st="4" end="4"/>
                                             </p:txEl>
                                           </p:spTgt>
                                         </p:tgtEl>
